--- a/Presentation/Taulant_pres_rsp.pptx
+++ b/Presentation/Taulant_pres_rsp.pptx
@@ -11,7 +11,7 @@
     <p:handoutMasterId r:id="rId19"/>
   </p:handoutMasterIdLst>
   <p:sldIdLst>
-    <p:sldId id="424" r:id="rId2"/>
+    <p:sldId id="426" r:id="rId2"/>
     <p:sldId id="389" r:id="rId3"/>
     <p:sldId id="409" r:id="rId4"/>
     <p:sldId id="420" r:id="rId5"/>
@@ -347,7 +347,7 @@
           <a:noFill/>
           <a:extLst>
             <a:ext uri="{909E8E84-426E-40dd-AFC4-6F175D3DCCD1}">
-              <a14:hiddenFill xmlns:a14="http://schemas.microsoft.com/office/drawing/2010/main" xmlns="">
+              <a14:hiddenFill xmlns="" xmlns:a14="http://schemas.microsoft.com/office/drawing/2010/main">
                 <a:solidFill>
                   <a:srgbClr val="FFFFFF"/>
                 </a:solidFill>
@@ -381,7 +381,7 @@
           <a:effectLst/>
           <a:extLst>
             <a:ext uri="{91240B29-F687-4f45-9708-019B960494DF}">
-              <a14:hiddenLine xmlns:a14="http://schemas.microsoft.com/office/drawing/2010/main" xmlns="" w="9525">
+              <a14:hiddenLine xmlns="" xmlns:a14="http://schemas.microsoft.com/office/drawing/2010/main" w="9525">
                 <a:solidFill>
                   <a:schemeClr val="tx1"/>
                 </a:solidFill>
@@ -391,7 +391,7 @@
               </a14:hiddenLine>
             </a:ext>
             <a:ext uri="{AF507438-7753-43e0-B8FC-AC1667EBCBE1}">
-              <a14:hiddenEffects xmlns:a14="http://schemas.microsoft.com/office/drawing/2010/main" xmlns="">
+              <a14:hiddenEffects xmlns="" xmlns:a14="http://schemas.microsoft.com/office/drawing/2010/main">
                 <a:effectLst>
                   <a:outerShdw dist="35921" dir="2700000" algn="ctr" rotWithShape="0">
                     <a:schemeClr val="bg2"/>
@@ -437,12 +437,12 @@
           <a:effectLst/>
           <a:extLst>
             <a:ext uri="{909E8E84-426E-40dd-AFC4-6F175D3DCCD1}">
-              <a14:hiddenFill xmlns:a14="http://schemas.microsoft.com/office/drawing/2010/main" xmlns="">
+              <a14:hiddenFill xmlns="" xmlns:a14="http://schemas.microsoft.com/office/drawing/2010/main">
                 <a:noFill/>
               </a14:hiddenFill>
             </a:ext>
             <a:ext uri="{AF507438-7753-43e0-B8FC-AC1667EBCBE1}">
-              <a14:hiddenEffects xmlns:a14="http://schemas.microsoft.com/office/drawing/2010/main" xmlns="">
+              <a14:hiddenEffects xmlns="" xmlns:a14="http://schemas.microsoft.com/office/drawing/2010/main">
                 <a:effectLst>
                   <a:outerShdw dist="35921" dir="2700000" algn="ctr" rotWithShape="0">
                     <a:schemeClr val="bg2"/>
@@ -488,12 +488,12 @@
           <a:effectLst/>
           <a:extLst>
             <a:ext uri="{909E8E84-426E-40dd-AFC4-6F175D3DCCD1}">
-              <a14:hiddenFill xmlns:a14="http://schemas.microsoft.com/office/drawing/2010/main" xmlns="">
+              <a14:hiddenFill xmlns="" xmlns:a14="http://schemas.microsoft.com/office/drawing/2010/main">
                 <a:noFill/>
               </a14:hiddenFill>
             </a:ext>
             <a:ext uri="{AF507438-7753-43e0-B8FC-AC1667EBCBE1}">
-              <a14:hiddenEffects xmlns:a14="http://schemas.microsoft.com/office/drawing/2010/main" xmlns="">
+              <a14:hiddenEffects xmlns="" xmlns:a14="http://schemas.microsoft.com/office/drawing/2010/main">
                 <a:effectLst>
                   <a:outerShdw dist="35921" dir="2700000" algn="ctr" rotWithShape="0">
                     <a:schemeClr val="bg2"/>
@@ -539,12 +539,12 @@
           <a:effectLst/>
           <a:extLst>
             <a:ext uri="{909E8E84-426E-40dd-AFC4-6F175D3DCCD1}">
-              <a14:hiddenFill xmlns:a14="http://schemas.microsoft.com/office/drawing/2010/main" xmlns="">
+              <a14:hiddenFill xmlns="" xmlns:a14="http://schemas.microsoft.com/office/drawing/2010/main">
                 <a:noFill/>
               </a14:hiddenFill>
             </a:ext>
             <a:ext uri="{AF507438-7753-43e0-B8FC-AC1667EBCBE1}">
-              <a14:hiddenEffects xmlns:a14="http://schemas.microsoft.com/office/drawing/2010/main" xmlns="">
+              <a14:hiddenEffects xmlns="" xmlns:a14="http://schemas.microsoft.com/office/drawing/2010/main">
                 <a:effectLst>
                   <a:outerShdw dist="35921" dir="2700000" algn="ctr" rotWithShape="0">
                     <a:schemeClr val="bg2"/>
@@ -1189,13 +1189,23 @@
               <a:buChar char="•"/>
             </a:pPr>
             <a:r>
-              <a:rPr lang="de-DE" dirty="0" err="1"/>
-              <a:t>Now</a:t>
-            </a:r>
-            <a:r>
-              <a:rPr lang="de-DE" dirty="0"/>
-              <a:t> </a:t>
-            </a:r>
+              <a:rPr lang="de-DE" dirty="0"/>
+              <a:t>As Korbinian </a:t>
+            </a:r>
+            <a:r>
+              <a:rPr lang="de-DE" dirty="0" err="1"/>
+              <a:t>pointed</a:t>
+            </a:r>
+            <a:r>
+              <a:rPr lang="de-DE" dirty="0"/>
+              <a:t> out: </a:t>
+            </a:r>
+          </a:p>
+          <a:p>
+            <a:pPr marL="925830" lvl="1" indent="-285750">
+              <a:buFont typeface="Arial" panose="020B0604020202020204" pitchFamily="34" charset="0"/>
+              <a:buChar char="•"/>
+            </a:pPr>
             <a:r>
               <a:rPr lang="de-DE" dirty="0" err="1"/>
               <a:t>we</a:t>
@@ -1206,85 +1216,374 @@
             </a:r>
             <a:r>
               <a:rPr lang="de-DE" dirty="0" err="1"/>
-              <a:t>procede</a:t>
-            </a:r>
-            <a:r>
-              <a:rPr lang="de-DE" dirty="0"/>
-              <a:t> </a:t>
-            </a:r>
-            <a:r>
-              <a:rPr lang="de-DE" dirty="0" err="1"/>
+              <a:t>observe</a:t>
+            </a:r>
+            <a:r>
+              <a:rPr lang="de-DE" dirty="0"/>
+              <a:t> </a:t>
+            </a:r>
+            <a:r>
+              <a:rPr lang="de-DE" dirty="0" err="1"/>
+              <a:t>several</a:t>
+            </a:r>
+            <a:r>
+              <a:rPr lang="de-DE" dirty="0"/>
+              <a:t> </a:t>
+            </a:r>
+            <a:r>
+              <a:rPr lang="de-DE" dirty="0" err="1"/>
+              <a:t>deficits</a:t>
+            </a:r>
+            <a:r>
+              <a:rPr lang="de-DE" dirty="0"/>
+              <a:t> </a:t>
+            </a:r>
+            <a:r>
+              <a:rPr lang="de-DE" dirty="0" err="1"/>
+              <a:t>of</a:t>
+            </a:r>
+            <a:r>
+              <a:rPr lang="de-DE" dirty="0"/>
+              <a:t> </a:t>
+            </a:r>
+            <a:r>
+              <a:rPr lang="de-DE" dirty="0" err="1"/>
+              <a:t>the</a:t>
+            </a:r>
+            <a:r>
+              <a:rPr lang="de-DE" dirty="0"/>
+              <a:t> </a:t>
+            </a:r>
+            <a:r>
+              <a:rPr lang="de-DE" dirty="0" err="1"/>
+              <a:t>method</a:t>
+            </a:r>
+            <a:r>
+              <a:rPr lang="de-DE" dirty="0"/>
+              <a:t> ,</a:t>
+            </a:r>
+            <a:r>
+              <a:rPr lang="de-DE" dirty="0" err="1"/>
+              <a:t>which</a:t>
+            </a:r>
+            <a:r>
+              <a:rPr lang="de-DE" dirty="0"/>
+              <a:t> </a:t>
+            </a:r>
+            <a:r>
+              <a:rPr lang="de-DE" dirty="0" err="1"/>
+              <a:t>are</a:t>
+            </a:r>
+            <a:r>
+              <a:rPr lang="de-DE" dirty="0"/>
+              <a:t> </a:t>
+            </a:r>
+            <a:r>
+              <a:rPr lang="de-DE" dirty="0" err="1"/>
+              <a:t>cloesly</a:t>
+            </a:r>
+            <a:r>
+              <a:rPr lang="de-DE" dirty="0"/>
+              <a:t> </a:t>
+            </a:r>
+            <a:r>
+              <a:rPr lang="de-DE" dirty="0" err="1"/>
+              <a:t>related</a:t>
+            </a:r>
+            <a:r>
+              <a:rPr lang="de-DE" dirty="0"/>
+              <a:t> </a:t>
+            </a:r>
+            <a:r>
+              <a:rPr lang="de-DE" dirty="0" err="1"/>
+              <a:t>to</a:t>
+            </a:r>
+            <a:r>
+              <a:rPr lang="de-DE" dirty="0"/>
+              <a:t> </a:t>
+            </a:r>
+            <a:r>
+              <a:rPr lang="de-DE" dirty="0" err="1"/>
+              <a:t>the</a:t>
+            </a:r>
+            <a:r>
+              <a:rPr lang="de-DE" dirty="0"/>
+              <a:t> </a:t>
+            </a:r>
+            <a:r>
+              <a:rPr lang="de-DE" dirty="0" err="1"/>
+              <a:t>assumptions</a:t>
+            </a:r>
+            <a:r>
+              <a:rPr lang="de-DE" dirty="0"/>
+              <a:t> </a:t>
+            </a:r>
+            <a:r>
+              <a:rPr lang="de-DE" dirty="0" err="1"/>
+              <a:t>we</a:t>
+            </a:r>
+            <a:r>
+              <a:rPr lang="de-DE" dirty="0"/>
+              <a:t> </a:t>
+            </a:r>
+            <a:r>
+              <a:rPr lang="de-DE" dirty="0" err="1"/>
+              <a:t>made</a:t>
+            </a:r>
+            <a:r>
+              <a:rPr lang="de-DE" dirty="0"/>
+              <a:t> </a:t>
+            </a:r>
+            <a:r>
+              <a:rPr lang="de-DE" dirty="0" err="1"/>
+              <a:t>for</a:t>
+            </a:r>
+            <a:r>
+              <a:rPr lang="de-DE" dirty="0"/>
+              <a:t> ICA in </a:t>
+            </a:r>
+            <a:r>
+              <a:rPr lang="de-DE" dirty="0" err="1"/>
+              <a:t>general</a:t>
+            </a:r>
+            <a:endParaRPr lang="fr-FR" dirty="0"/>
+          </a:p>
+          <a:p>
+            <a:pPr marL="925830" lvl="1" indent="-285750">
+              <a:buFont typeface="Arial" panose="020B0604020202020204" pitchFamily="34" charset="0"/>
+              <a:buChar char="•"/>
+            </a:pPr>
+            <a:r>
+              <a:rPr lang="fr-FR" dirty="0"/>
+              <a:t>1. The </a:t>
+            </a:r>
+            <a:r>
+              <a:rPr lang="fr-FR" dirty="0" err="1"/>
+              <a:t>Algorithm</a:t>
+            </a:r>
+            <a:r>
+              <a:rPr lang="fr-FR" dirty="0"/>
+              <a:t> </a:t>
+            </a:r>
+            <a:r>
+              <a:rPr lang="fr-FR" dirty="0" err="1"/>
+              <a:t>struggled</a:t>
+            </a:r>
+            <a:r>
+              <a:rPr lang="fr-FR" dirty="0"/>
+              <a:t> </a:t>
+            </a:r>
+            <a:r>
+              <a:rPr lang="fr-FR" dirty="0" err="1"/>
               <a:t>with</a:t>
             </a:r>
             <a:r>
-              <a:rPr lang="de-DE" dirty="0"/>
-              <a:t>  </a:t>
-            </a:r>
-            <a:r>
-              <a:rPr lang="de-DE" dirty="0" err="1"/>
-              <a:t>the</a:t>
-            </a:r>
-            <a:r>
-              <a:rPr lang="de-DE" dirty="0"/>
-              <a:t> </a:t>
-            </a:r>
-            <a:r>
-              <a:rPr lang="de-DE" dirty="0" err="1"/>
-              <a:t>next</a:t>
-            </a:r>
-            <a:r>
-              <a:rPr lang="de-DE" dirty="0"/>
-              <a:t> </a:t>
-            </a:r>
-            <a:r>
-              <a:rPr lang="de-DE" dirty="0" err="1"/>
-              <a:t>part</a:t>
-            </a:r>
-            <a:r>
-              <a:rPr lang="de-DE" dirty="0"/>
-              <a:t> </a:t>
-            </a:r>
-            <a:r>
-              <a:rPr lang="de-DE" dirty="0" err="1"/>
-              <a:t>of</a:t>
-            </a:r>
-            <a:r>
-              <a:rPr lang="de-DE" dirty="0"/>
-              <a:t> </a:t>
-            </a:r>
-            <a:r>
-              <a:rPr lang="de-DE" dirty="0" err="1"/>
-              <a:t>our</a:t>
-            </a:r>
-            <a:r>
-              <a:rPr lang="de-DE" dirty="0"/>
-              <a:t> </a:t>
-            </a:r>
-            <a:r>
-              <a:rPr lang="de-DE" dirty="0" err="1"/>
-              <a:t>presentation</a:t>
-            </a:r>
-            <a:r>
-              <a:rPr lang="de-DE" dirty="0"/>
+              <a:rPr lang="fr-FR" dirty="0"/>
+              <a:t> </a:t>
+            </a:r>
+            <a:r>
+              <a:rPr lang="fr-FR" dirty="0" err="1"/>
+              <a:t>low</a:t>
+            </a:r>
+            <a:r>
+              <a:rPr lang="fr-FR" dirty="0"/>
+              <a:t> </a:t>
+            </a:r>
+            <a:r>
+              <a:rPr lang="fr-FR" dirty="0" err="1"/>
+              <a:t>numbers</a:t>
+            </a:r>
+            <a:r>
+              <a:rPr lang="fr-FR" dirty="0"/>
+              <a:t> of observations of the </a:t>
+            </a:r>
+            <a:r>
+              <a:rPr lang="fr-FR" dirty="0" err="1"/>
+              <a:t>signals</a:t>
+            </a:r>
+            <a:r>
+              <a:rPr lang="fr-FR" dirty="0"/>
               <a:t>, </a:t>
             </a:r>
             <a:r>
-              <a:rPr lang="de-DE" dirty="0" err="1"/>
-              <a:t>which</a:t>
-            </a:r>
-            <a:r>
-              <a:rPr lang="de-DE" dirty="0"/>
-              <a:t> </a:t>
-            </a:r>
-            <a:r>
-              <a:rPr lang="de-DE" dirty="0" err="1"/>
-              <a:t>covers</a:t>
-            </a:r>
-            <a:r>
-              <a:rPr lang="de-DE" dirty="0"/>
-              <a:t> Graph BSS</a:t>
+              <a:rPr lang="fr-FR" dirty="0" err="1"/>
+              <a:t>needed</a:t>
+            </a:r>
+            <a:r>
+              <a:rPr lang="fr-FR" dirty="0"/>
+              <a:t> at least 5000 to </a:t>
+            </a:r>
+            <a:r>
+              <a:rPr lang="fr-FR" dirty="0" err="1"/>
+              <a:t>perform</a:t>
+            </a:r>
+            <a:r>
+              <a:rPr lang="fr-FR" dirty="0"/>
+              <a:t> </a:t>
+            </a:r>
+            <a:r>
+              <a:rPr lang="fr-FR" dirty="0" err="1"/>
+              <a:t>well</a:t>
+            </a:r>
+            <a:r>
+              <a:rPr lang="fr-FR" dirty="0"/>
+              <a:t> </a:t>
+            </a:r>
+            <a:r>
+              <a:rPr lang="fr-FR" dirty="0" err="1"/>
+              <a:t>consistently</a:t>
             </a:r>
             <a:endParaRPr lang="fr-FR" dirty="0"/>
+          </a:p>
+          <a:p>
+            <a:pPr marL="925830" lvl="1" indent="-285750">
+              <a:buFont typeface="Arial" panose="020B0604020202020204" pitchFamily="34" charset="0"/>
+              <a:buChar char="•"/>
+            </a:pPr>
+            <a:r>
+              <a:rPr lang="fr-FR" dirty="0"/>
+              <a:t>2. </a:t>
+            </a:r>
+            <a:r>
+              <a:rPr lang="fr-FR" dirty="0" err="1"/>
+              <a:t>can’t</a:t>
+            </a:r>
+            <a:r>
+              <a:rPr lang="fr-FR" dirty="0"/>
+              <a:t> </a:t>
+            </a:r>
+            <a:r>
+              <a:rPr lang="fr-FR" dirty="0" err="1"/>
+              <a:t>recover</a:t>
+            </a:r>
+            <a:r>
+              <a:rPr lang="fr-FR" dirty="0"/>
+              <a:t> more </a:t>
+            </a:r>
+            <a:r>
+              <a:rPr lang="fr-FR" dirty="0" err="1"/>
+              <a:t>than</a:t>
+            </a:r>
+            <a:r>
+              <a:rPr lang="fr-FR" dirty="0"/>
+              <a:t> one </a:t>
+            </a:r>
+            <a:r>
+              <a:rPr lang="fr-FR" dirty="0" err="1"/>
+              <a:t>gaussian</a:t>
+            </a:r>
+            <a:r>
+              <a:rPr lang="fr-FR" dirty="0"/>
+              <a:t> signal</a:t>
+            </a:r>
+          </a:p>
+          <a:p>
+            <a:pPr marL="925830" lvl="1" indent="-285750">
+              <a:buFont typeface="Arial" panose="020B0604020202020204" pitchFamily="34" charset="0"/>
+              <a:buChar char="•"/>
+            </a:pPr>
+            <a:r>
+              <a:rPr lang="fr-FR" dirty="0"/>
+              <a:t>3. If  SNR &lt; 20dB, the </a:t>
+            </a:r>
+            <a:r>
+              <a:rPr lang="fr-FR" dirty="0" err="1"/>
+              <a:t>number</a:t>
+            </a:r>
+            <a:r>
+              <a:rPr lang="fr-FR" dirty="0"/>
+              <a:t> of </a:t>
+            </a:r>
+            <a:r>
+              <a:rPr lang="fr-FR" dirty="0" err="1"/>
+              <a:t>failures</a:t>
+            </a:r>
+            <a:r>
+              <a:rPr lang="fr-FR" dirty="0"/>
+              <a:t> </a:t>
+            </a:r>
+            <a:r>
+              <a:rPr lang="fr-FR" dirty="0" err="1"/>
+              <a:t>increases</a:t>
+            </a:r>
+            <a:endParaRPr lang="fr-FR" dirty="0"/>
+          </a:p>
+          <a:p>
+            <a:pPr marL="925830" lvl="1" indent="-285750">
+              <a:buFont typeface="Arial" panose="020B0604020202020204" pitchFamily="34" charset="0"/>
+              <a:buChar char="•"/>
+            </a:pPr>
+            <a:r>
+              <a:rPr lang="fr-FR" dirty="0"/>
+              <a:t>4. </a:t>
+            </a:r>
+            <a:r>
+              <a:rPr lang="fr-FR" dirty="0" err="1"/>
+              <a:t>Early</a:t>
+            </a:r>
+            <a:r>
+              <a:rPr lang="fr-FR" dirty="0"/>
+              <a:t> Breakdown for a single </a:t>
+            </a:r>
+            <a:r>
+              <a:rPr lang="fr-FR" dirty="0" err="1"/>
+              <a:t>outlier</a:t>
+            </a:r>
+            <a:r>
+              <a:rPr lang="fr-FR" dirty="0"/>
+              <a:t> </a:t>
+            </a:r>
+            <a:r>
+              <a:rPr lang="fr-FR" dirty="0" err="1"/>
+              <a:t>already</a:t>
+            </a:r>
+            <a:endParaRPr lang="fr-FR" dirty="0"/>
+          </a:p>
+          <a:p>
+            <a:pPr marL="285750" lvl="0" indent="-285750">
+              <a:buFont typeface="Arial" panose="020B0604020202020204" pitchFamily="34" charset="0"/>
+              <a:buChar char="•"/>
+            </a:pPr>
+            <a:r>
+              <a:rPr lang="fr-FR" dirty="0" err="1"/>
+              <a:t>Raises</a:t>
+            </a:r>
+            <a:r>
+              <a:rPr lang="fr-FR" dirty="0"/>
+              <a:t> the Question: </a:t>
+            </a:r>
+            <a:r>
+              <a:rPr lang="fr-FR" dirty="0" err="1"/>
+              <a:t>What</a:t>
+            </a:r>
+            <a:r>
+              <a:rPr lang="fr-FR" dirty="0"/>
+              <a:t> </a:t>
+            </a:r>
+            <a:r>
+              <a:rPr lang="fr-FR" dirty="0" err="1"/>
+              <a:t>other</a:t>
+            </a:r>
+            <a:r>
+              <a:rPr lang="fr-FR" dirty="0"/>
+              <a:t> </a:t>
+            </a:r>
+            <a:r>
+              <a:rPr lang="fr-FR" dirty="0" err="1"/>
+              <a:t>approaches</a:t>
+            </a:r>
+            <a:r>
+              <a:rPr lang="fr-FR" dirty="0"/>
+              <a:t> to ICA are </a:t>
+            </a:r>
+            <a:r>
+              <a:rPr lang="fr-FR" dirty="0" err="1"/>
+              <a:t>there</a:t>
+            </a:r>
+            <a:r>
+              <a:rPr lang="fr-FR" dirty="0"/>
+              <a:t>?</a:t>
+            </a:r>
           </a:p>
         </p:txBody>
       </p:sp>
@@ -1305,7 +1604,7 @@
           <a:p>
             <a:fld id="{F67FF89E-6E98-44FE-9350-B39EE48E6D79}" type="slidenum">
               <a:rPr lang="de-DE" smtClean="0"/>
-              <a:t>1</a:t>
+              <a:t>2</a:t>
             </a:fld>
             <a:endParaRPr lang="de-DE"/>
           </a:p>
@@ -1314,7 +1613,7 @@
     </p:spTree>
     <p:extLst>
       <p:ext uri="{BB962C8B-B14F-4D97-AF65-F5344CB8AC3E}">
-        <p14:creationId xmlns:p14="http://schemas.microsoft.com/office/powerpoint/2010/main" val="1404565526"/>
+        <p14:creationId xmlns:p14="http://schemas.microsoft.com/office/powerpoint/2010/main" val="1634521839"/>
       </p:ext>
     </p:extLst>
   </p:cSld>
@@ -1374,7 +1673,71 @@
             </a:pPr>
             <a:r>
               <a:rPr lang="de-DE" dirty="0"/>
-              <a:t>Graph Shift analog </a:t>
+              <a:t>As </a:t>
+            </a:r>
+            <a:r>
+              <a:rPr lang="de-DE" dirty="0" err="1"/>
+              <a:t>you</a:t>
+            </a:r>
+            <a:r>
+              <a:rPr lang="de-DE" dirty="0"/>
+              <a:t> </a:t>
+            </a:r>
+            <a:r>
+              <a:rPr lang="de-DE" dirty="0" err="1"/>
+              <a:t>can</a:t>
+            </a:r>
+            <a:r>
+              <a:rPr lang="de-DE" dirty="0"/>
+              <a:t> </a:t>
+            </a:r>
+            <a:r>
+              <a:rPr lang="de-DE" dirty="0" err="1"/>
+              <a:t>see</a:t>
+            </a:r>
+            <a:r>
+              <a:rPr lang="de-DE" dirty="0"/>
+              <a:t>, </a:t>
+            </a:r>
+            <a:r>
+              <a:rPr lang="de-DE" dirty="0" err="1"/>
+              <a:t>having</a:t>
+            </a:r>
+            <a:r>
+              <a:rPr lang="de-DE" dirty="0"/>
+              <a:t> additional </a:t>
+            </a:r>
+            <a:r>
+              <a:rPr lang="de-DE" dirty="0" err="1"/>
+              <a:t>connections</a:t>
+            </a:r>
+            <a:r>
+              <a:rPr lang="de-DE" dirty="0"/>
+              <a:t> </a:t>
+            </a:r>
+            <a:r>
+              <a:rPr lang="de-DE" dirty="0" err="1"/>
+              <a:t>between</a:t>
+            </a:r>
+            <a:r>
+              <a:rPr lang="de-DE" dirty="0"/>
+              <a:t> </a:t>
+            </a:r>
+            <a:r>
+              <a:rPr lang="de-DE" dirty="0" err="1"/>
+              <a:t>nodes</a:t>
+            </a:r>
+            <a:r>
+              <a:rPr lang="de-DE" dirty="0"/>
+              <a:t> will </a:t>
+            </a:r>
+            <a:r>
+              <a:rPr lang="de-DE" dirty="0" err="1"/>
+              <a:t>lead</a:t>
+            </a:r>
+            <a:r>
+              <a:rPr lang="de-DE" dirty="0"/>
+              <a:t> </a:t>
             </a:r>
             <a:r>
               <a:rPr lang="de-DE" dirty="0" err="1"/>
@@ -1382,6 +1745,22 @@
             </a:r>
             <a:r>
               <a:rPr lang="de-DE" dirty="0"/>
+              <a:t> a linear </a:t>
+            </a:r>
+            <a:r>
+              <a:rPr lang="de-DE" dirty="0" err="1"/>
+              <a:t>combination</a:t>
+            </a:r>
+            <a:r>
+              <a:rPr lang="de-DE" dirty="0"/>
+              <a:t> </a:t>
+            </a:r>
+            <a:r>
+              <a:rPr lang="de-DE" dirty="0" err="1"/>
+              <a:t>of</a:t>
+            </a:r>
+            <a:r>
+              <a:rPr lang="de-DE" dirty="0"/>
               <a:t> </a:t>
             </a:r>
             <a:r>
@@ -1390,27 +1769,120 @@
             </a:r>
             <a:r>
               <a:rPr lang="de-DE" dirty="0"/>
-              <a:t> Shift Operator </a:t>
-            </a:r>
-            <a:r>
-              <a:rPr lang="de-DE" dirty="0" err="1"/>
-              <a:t>known</a:t>
-            </a:r>
-            <a:r>
-              <a:rPr lang="de-DE" dirty="0"/>
-              <a:t> </a:t>
-            </a:r>
-            <a:r>
-              <a:rPr lang="de-DE" dirty="0" err="1"/>
-              <a:t>from</a:t>
-            </a:r>
-            <a:r>
-              <a:rPr lang="de-DE" dirty="0"/>
-              <a:t> Digital Signal Processing:</a:t>
-            </a:r>
+              <a:t> </a:t>
+            </a:r>
+            <a:r>
+              <a:rPr lang="de-DE" dirty="0" err="1"/>
+              <a:t>values</a:t>
+            </a:r>
+            <a:r>
+              <a:rPr lang="de-DE" dirty="0"/>
+              <a:t> </a:t>
+            </a:r>
+            <a:r>
+              <a:rPr lang="de-DE" dirty="0" err="1"/>
+              <a:t>of</a:t>
+            </a:r>
+            <a:r>
+              <a:rPr lang="de-DE" dirty="0"/>
+              <a:t> </a:t>
+            </a:r>
+            <a:r>
+              <a:rPr lang="de-DE" dirty="0" err="1"/>
+              <a:t>the</a:t>
+            </a:r>
+            <a:r>
+              <a:rPr lang="de-DE" dirty="0"/>
+              <a:t> </a:t>
+            </a:r>
+            <a:r>
+              <a:rPr lang="de-DE" dirty="0" err="1"/>
+              <a:t>signal</a:t>
+            </a:r>
+            <a:r>
+              <a:rPr lang="de-DE" dirty="0"/>
+              <a:t> </a:t>
+            </a:r>
+            <a:r>
+              <a:rPr lang="de-DE" dirty="0" err="1"/>
+              <a:t>that</a:t>
+            </a:r>
+            <a:r>
+              <a:rPr lang="de-DE" dirty="0"/>
+              <a:t> </a:t>
+            </a:r>
+            <a:r>
+              <a:rPr lang="de-DE" dirty="0" err="1"/>
+              <a:t>have</a:t>
+            </a:r>
+            <a:r>
+              <a:rPr lang="de-DE" dirty="0"/>
+              <a:t> </a:t>
+            </a:r>
+            <a:r>
+              <a:rPr lang="de-DE" dirty="0" err="1"/>
+              <a:t>been</a:t>
+            </a:r>
+            <a:r>
+              <a:rPr lang="de-DE" dirty="0"/>
+              <a:t> </a:t>
+            </a:r>
+            <a:r>
+              <a:rPr lang="de-DE" dirty="0" err="1"/>
+              <a:t>propagated</a:t>
+            </a:r>
+            <a:r>
+              <a:rPr lang="de-DE" dirty="0"/>
+              <a:t> </a:t>
+            </a:r>
+            <a:r>
+              <a:rPr lang="de-DE" dirty="0" err="1"/>
+              <a:t>through</a:t>
+            </a:r>
+            <a:r>
+              <a:rPr lang="de-DE" dirty="0"/>
+              <a:t> </a:t>
+            </a:r>
+            <a:r>
+              <a:rPr lang="de-DE" dirty="0" err="1"/>
+              <a:t>the</a:t>
+            </a:r>
+            <a:r>
+              <a:rPr lang="de-DE" dirty="0"/>
+              <a:t> </a:t>
+            </a:r>
+            <a:r>
+              <a:rPr lang="de-DE" dirty="0" err="1"/>
+              <a:t>incident</a:t>
+            </a:r>
+            <a:r>
+              <a:rPr lang="de-DE" dirty="0"/>
+              <a:t> </a:t>
+            </a:r>
+            <a:r>
+              <a:rPr lang="de-DE" dirty="0" err="1"/>
+              <a:t>edges</a:t>
+            </a:r>
+            <a:r>
+              <a:rPr lang="de-DE" dirty="0"/>
+              <a:t> </a:t>
+            </a:r>
+            <a:r>
+              <a:rPr lang="de-DE" dirty="0" err="1"/>
+              <a:t>into</a:t>
+            </a:r>
+            <a:r>
+              <a:rPr lang="de-DE" dirty="0"/>
+              <a:t> a </a:t>
+            </a:r>
+            <a:r>
+              <a:rPr lang="de-DE" dirty="0" err="1"/>
+              <a:t>node</a:t>
+            </a:r>
+            <a:endParaRPr lang="de-DE" dirty="0"/>
           </a:p>
           <a:p>
-            <a:pPr marL="925830" lvl="1" indent="-285750">
+            <a:pPr marL="285750" indent="-285750">
               <a:buFont typeface="Arial" panose="020B0604020202020204" pitchFamily="34" charset="0"/>
               <a:buChar char="•"/>
             </a:pPr>
@@ -1420,23 +1892,47 @@
             </a:r>
             <a:r>
               <a:rPr lang="de-DE" dirty="0" err="1"/>
-              <a:t>fact</a:t>
-            </a:r>
-            <a:r>
-              <a:rPr lang="de-DE" dirty="0"/>
-              <a:t> </a:t>
-            </a:r>
-            <a:r>
-              <a:rPr lang="de-DE" dirty="0" err="1"/>
-              <a:t>it</a:t>
-            </a:r>
-            <a:r>
-              <a:rPr lang="de-DE" dirty="0"/>
-              <a:t> </a:t>
-            </a:r>
-            <a:r>
-              <a:rPr lang="de-DE" dirty="0" err="1"/>
-              <a:t>is</a:t>
+              <a:t>this</a:t>
+            </a:r>
+            <a:r>
+              <a:rPr lang="de-DE" dirty="0"/>
+              <a:t> </a:t>
+            </a:r>
+            <a:r>
+              <a:rPr lang="de-DE" dirty="0" err="1"/>
+              <a:t>case</a:t>
+            </a:r>
+            <a:r>
+              <a:rPr lang="de-DE" dirty="0"/>
+              <a:t> </a:t>
+            </a:r>
+            <a:r>
+              <a:rPr lang="de-DE" dirty="0" err="1"/>
+              <a:t>we</a:t>
+            </a:r>
+            <a:r>
+              <a:rPr lang="de-DE" dirty="0"/>
+              <a:t> </a:t>
+            </a:r>
+            <a:r>
+              <a:rPr lang="de-DE" dirty="0" err="1"/>
+              <a:t>have</a:t>
+            </a:r>
+            <a:r>
+              <a:rPr lang="de-DE" dirty="0"/>
+              <a:t> </a:t>
+            </a:r>
+            <a:r>
+              <a:rPr lang="de-DE" dirty="0" err="1"/>
+              <a:t>added</a:t>
+            </a:r>
+            <a:r>
+              <a:rPr lang="de-DE" dirty="0"/>
+              <a:t> </a:t>
+            </a:r>
+            <a:r>
+              <a:rPr lang="de-DE" dirty="0" err="1"/>
+              <a:t>up</a:t>
             </a:r>
             <a:r>
               <a:rPr lang="de-DE" dirty="0"/>
@@ -1448,41 +1944,77 @@
             </a:r>
             <a:r>
               <a:rPr lang="de-DE" dirty="0"/>
-              <a:t> same, </a:t>
-            </a:r>
-            <a:r>
-              <a:rPr lang="de-DE" dirty="0" err="1"/>
-              <a:t>for</a:t>
-            </a:r>
-            <a:r>
-              <a:rPr lang="de-DE" dirty="0"/>
-              <a:t> </a:t>
-            </a:r>
-            <a:r>
-              <a:rPr lang="de-DE" dirty="0" err="1"/>
-              <a:t>this</a:t>
-            </a:r>
-            <a:r>
-              <a:rPr lang="de-DE" dirty="0"/>
-              <a:t> type </a:t>
-            </a:r>
-            <a:r>
-              <a:rPr lang="de-DE" dirty="0" err="1"/>
-              <a:t>of</a:t>
-            </a:r>
-            <a:r>
-              <a:rPr lang="de-DE" dirty="0"/>
-              <a:t> Line Graph</a:t>
+              <a:t> </a:t>
+            </a:r>
+            <a:r>
+              <a:rPr lang="de-DE" dirty="0" err="1"/>
+              <a:t>values</a:t>
+            </a:r>
+            <a:r>
+              <a:rPr lang="de-DE" dirty="0"/>
+              <a:t> </a:t>
+            </a:r>
+            <a:r>
+              <a:rPr lang="de-DE" dirty="0" err="1"/>
+              <a:t>shifted</a:t>
+            </a:r>
+            <a:r>
+              <a:rPr lang="de-DE" dirty="0"/>
+              <a:t> </a:t>
+            </a:r>
+            <a:r>
+              <a:rPr lang="de-DE" dirty="0" err="1"/>
+              <a:t>from</a:t>
+            </a:r>
+            <a:r>
+              <a:rPr lang="de-DE" dirty="0"/>
+              <a:t> </a:t>
+            </a:r>
+            <a:r>
+              <a:rPr lang="de-DE" dirty="0" err="1"/>
+              <a:t>node</a:t>
+            </a:r>
+            <a:r>
+              <a:rPr lang="de-DE" dirty="0"/>
+              <a:t> 0 and </a:t>
+            </a:r>
+            <a:r>
+              <a:rPr lang="de-DE" dirty="0" err="1"/>
+              <a:t>node</a:t>
+            </a:r>
+            <a:r>
+              <a:rPr lang="de-DE" dirty="0"/>
+              <a:t> 2 </a:t>
+            </a:r>
+            <a:r>
+              <a:rPr lang="de-DE" dirty="0" err="1"/>
+              <a:t>into</a:t>
+            </a:r>
+            <a:r>
+              <a:rPr lang="de-DE" dirty="0"/>
+              <a:t> </a:t>
+            </a:r>
+            <a:r>
+              <a:rPr lang="de-DE" dirty="0" err="1"/>
+              <a:t>node</a:t>
+            </a:r>
+            <a:r>
+              <a:rPr lang="de-DE" dirty="0"/>
+              <a:t> 3</a:t>
             </a:r>
           </a:p>
           <a:p>
-            <a:pPr marL="285750" lvl="0" indent="-285750">
+            <a:pPr marL="285750" indent="-285750">
               <a:buFont typeface="Arial" panose="020B0604020202020204" pitchFamily="34" charset="0"/>
               <a:buChar char="•"/>
             </a:pPr>
             <a:r>
-              <a:rPr lang="de-DE" dirty="0"/>
-              <a:t>This Propagation </a:t>
+              <a:rPr lang="de-DE" dirty="0" err="1"/>
+              <a:t>With</a:t>
+            </a:r>
+            <a:r>
+              <a:rPr lang="de-DE" dirty="0"/>
+              <a:t> all </a:t>
             </a:r>
             <a:r>
               <a:rPr lang="de-DE" dirty="0" err="1"/>
@@ -1494,438 +2026,72 @@
             </a:r>
             <a:r>
               <a:rPr lang="de-DE" dirty="0" err="1"/>
+              <a:t>this</a:t>
+            </a:r>
+            <a:r>
+              <a:rPr lang="de-DE" dirty="0"/>
+              <a:t> </a:t>
+            </a:r>
+            <a:r>
+              <a:rPr lang="de-DE" dirty="0" err="1"/>
+              <a:t>we</a:t>
+            </a:r>
+            <a:r>
+              <a:rPr lang="de-DE" dirty="0"/>
+              <a:t> </a:t>
+            </a:r>
+            <a:r>
+              <a:rPr lang="de-DE" dirty="0" err="1"/>
+              <a:t>are</a:t>
+            </a:r>
+            <a:r>
+              <a:rPr lang="de-DE" dirty="0"/>
+              <a:t> </a:t>
+            </a:r>
+            <a:r>
+              <a:rPr lang="de-DE" dirty="0" err="1"/>
+              <a:t>now</a:t>
+            </a:r>
+            <a:r>
+              <a:rPr lang="de-DE" dirty="0"/>
+              <a:t> </a:t>
+            </a:r>
+            <a:r>
+              <a:rPr lang="de-DE" dirty="0" err="1"/>
+              <a:t>able</a:t>
+            </a:r>
+            <a:r>
+              <a:rPr lang="de-DE" dirty="0"/>
+              <a:t> </a:t>
+            </a:r>
+            <a:r>
+              <a:rPr lang="de-DE" dirty="0" err="1"/>
+              <a:t>to</a:t>
+            </a:r>
+            <a:r>
+              <a:rPr lang="de-DE" dirty="0"/>
+              <a:t> </a:t>
+            </a:r>
+            <a:r>
+              <a:rPr lang="de-DE" dirty="0" err="1"/>
+              <a:t>define</a:t>
+            </a:r>
+            <a:r>
+              <a:rPr lang="de-DE" dirty="0"/>
+              <a:t> </a:t>
+            </a:r>
+            <a:r>
+              <a:rPr lang="de-DE" dirty="0" err="1"/>
               <a:t>the</a:t>
             </a:r>
             <a:r>
               <a:rPr lang="de-DE" dirty="0"/>
-              <a:t> Signal </a:t>
-            </a:r>
-            <a:r>
-              <a:rPr lang="de-DE" dirty="0" err="1"/>
-              <a:t>through</a:t>
-            </a:r>
-            <a:r>
-              <a:rPr lang="de-DE" dirty="0"/>
-              <a:t> </a:t>
-            </a:r>
-            <a:r>
-              <a:rPr lang="de-DE" dirty="0" err="1"/>
-              <a:t>the</a:t>
-            </a:r>
-            <a:r>
-              <a:rPr lang="de-DE" dirty="0"/>
-              <a:t> </a:t>
-            </a:r>
-            <a:r>
-              <a:rPr lang="de-DE" dirty="0" err="1"/>
-              <a:t>graph</a:t>
-            </a:r>
-            <a:r>
-              <a:rPr lang="de-DE" dirty="0"/>
-              <a:t>, </a:t>
-            </a:r>
-            <a:r>
-              <a:rPr lang="de-DE" dirty="0" err="1"/>
-              <a:t>can</a:t>
-            </a:r>
-            <a:r>
-              <a:rPr lang="de-DE" dirty="0"/>
-              <a:t> </a:t>
-            </a:r>
-            <a:r>
-              <a:rPr lang="de-DE" dirty="0" err="1"/>
-              <a:t>be</a:t>
-            </a:r>
-            <a:r>
-              <a:rPr lang="de-DE" dirty="0"/>
-              <a:t> </a:t>
-            </a:r>
-            <a:r>
-              <a:rPr lang="de-DE" dirty="0" err="1"/>
-              <a:t>achieved</a:t>
-            </a:r>
-            <a:r>
-              <a:rPr lang="de-DE" dirty="0"/>
-              <a:t> </a:t>
-            </a:r>
-            <a:r>
-              <a:rPr lang="de-DE" dirty="0" err="1"/>
-              <a:t>by</a:t>
-            </a:r>
-            <a:r>
-              <a:rPr lang="de-DE" dirty="0"/>
-              <a:t> </a:t>
-            </a:r>
-            <a:r>
-              <a:rPr lang="de-DE" dirty="0" err="1"/>
-              <a:t>multiplication</a:t>
-            </a:r>
-            <a:r>
-              <a:rPr lang="de-DE" dirty="0"/>
-              <a:t> </a:t>
-            </a:r>
-            <a:r>
-              <a:rPr lang="de-DE" dirty="0" err="1"/>
-              <a:t>of</a:t>
-            </a:r>
-            <a:r>
-              <a:rPr lang="de-DE" dirty="0"/>
-              <a:t> </a:t>
-            </a:r>
-            <a:r>
-              <a:rPr lang="de-DE" dirty="0" err="1"/>
-              <a:t>the</a:t>
-            </a:r>
-            <a:r>
-              <a:rPr lang="de-DE" dirty="0"/>
-              <a:t> Signals X </a:t>
-            </a:r>
-            <a:r>
-              <a:rPr lang="de-DE" dirty="0" err="1"/>
-              <a:t>with</a:t>
-            </a:r>
-            <a:r>
-              <a:rPr lang="de-DE" dirty="0"/>
-              <a:t> </a:t>
-            </a:r>
-            <a:r>
-              <a:rPr lang="de-DE" dirty="0" err="1"/>
-              <a:t>the</a:t>
-            </a:r>
-            <a:r>
-              <a:rPr lang="de-DE" dirty="0"/>
-              <a:t> </a:t>
-            </a:r>
-            <a:r>
-              <a:rPr lang="de-DE" dirty="0" err="1"/>
-              <a:t>Adjacency</a:t>
-            </a:r>
-            <a:r>
-              <a:rPr lang="de-DE" dirty="0"/>
-              <a:t> Matrix </a:t>
-            </a:r>
-            <a:r>
-              <a:rPr lang="de-DE" dirty="0" err="1"/>
-              <a:t>A^k</a:t>
-            </a:r>
-            <a:r>
-              <a:rPr lang="de-DE" dirty="0"/>
-              <a:t> , </a:t>
-            </a:r>
-            <a:r>
-              <a:rPr lang="de-DE" dirty="0" err="1"/>
-              <a:t>where</a:t>
-            </a:r>
-            <a:r>
-              <a:rPr lang="de-DE" dirty="0"/>
-              <a:t> k </a:t>
-            </a:r>
-            <a:r>
-              <a:rPr lang="de-DE" dirty="0" err="1"/>
-              <a:t>is</a:t>
-            </a:r>
-            <a:r>
-              <a:rPr lang="de-DE" dirty="0"/>
-              <a:t> </a:t>
-            </a:r>
-            <a:r>
-              <a:rPr lang="de-DE" dirty="0" err="1"/>
-              <a:t>the</a:t>
-            </a:r>
-            <a:r>
-              <a:rPr lang="de-DE" dirty="0"/>
-              <a:t> </a:t>
-            </a:r>
-            <a:r>
-              <a:rPr lang="de-DE" dirty="0" err="1"/>
-              <a:t>length</a:t>
-            </a:r>
-            <a:r>
-              <a:rPr lang="de-DE" dirty="0"/>
-              <a:t> </a:t>
-            </a:r>
-            <a:r>
-              <a:rPr lang="de-DE" dirty="0" err="1"/>
-              <a:t>of</a:t>
-            </a:r>
-            <a:r>
-              <a:rPr lang="de-DE" dirty="0"/>
-              <a:t> </a:t>
-            </a:r>
-            <a:r>
-              <a:rPr lang="de-DE" dirty="0" err="1"/>
-              <a:t>the</a:t>
-            </a:r>
-            <a:r>
-              <a:rPr lang="de-DE" dirty="0"/>
-              <a:t> shift</a:t>
-            </a:r>
-          </a:p>
-          <a:p>
-            <a:pPr marL="285750" lvl="0" indent="-285750">
-              <a:buFont typeface="Arial" panose="020B0604020202020204" pitchFamily="34" charset="0"/>
-              <a:buChar char="•"/>
-            </a:pPr>
-            <a:r>
-              <a:rPr lang="de-DE" dirty="0"/>
-              <a:t>So </a:t>
-            </a:r>
-            <a:r>
-              <a:rPr lang="de-DE" dirty="0" err="1"/>
-              <a:t>we</a:t>
-            </a:r>
-            <a:r>
-              <a:rPr lang="de-DE" dirty="0"/>
-              <a:t> </a:t>
-            </a:r>
-            <a:r>
-              <a:rPr lang="de-DE" dirty="0" err="1"/>
-              <a:t>can</a:t>
-            </a:r>
-            <a:r>
-              <a:rPr lang="de-DE" dirty="0"/>
-              <a:t> </a:t>
-            </a:r>
-            <a:r>
-              <a:rPr lang="de-DE" dirty="0" err="1"/>
-              <a:t>state</a:t>
-            </a:r>
-            <a:r>
-              <a:rPr lang="de-DE" dirty="0"/>
-              <a:t> </a:t>
-            </a:r>
-            <a:r>
-              <a:rPr lang="de-DE" dirty="0" err="1"/>
-              <a:t>that</a:t>
-            </a:r>
-            <a:r>
-              <a:rPr lang="de-DE" dirty="0"/>
-              <a:t> </a:t>
-            </a:r>
-            <a:r>
-              <a:rPr lang="de-DE" dirty="0" err="1"/>
-              <a:t>graph</a:t>
-            </a:r>
-            <a:r>
-              <a:rPr lang="de-DE" dirty="0"/>
-              <a:t> shift </a:t>
-            </a:r>
-            <a:r>
-              <a:rPr lang="de-DE" dirty="0" err="1"/>
-              <a:t>by</a:t>
-            </a:r>
-            <a:r>
-              <a:rPr lang="de-DE" dirty="0"/>
-              <a:t> k will </a:t>
-            </a:r>
-            <a:r>
-              <a:rPr lang="de-DE" dirty="0" err="1"/>
-              <a:t>propagate</a:t>
-            </a:r>
-            <a:r>
-              <a:rPr lang="de-DE" dirty="0"/>
-              <a:t> </a:t>
-            </a:r>
-            <a:r>
-              <a:rPr lang="de-DE" dirty="0" err="1"/>
-              <a:t>the</a:t>
-            </a:r>
-            <a:r>
-              <a:rPr lang="de-DE" dirty="0"/>
-              <a:t> </a:t>
-            </a:r>
-            <a:r>
-              <a:rPr lang="de-DE" dirty="0" err="1"/>
-              <a:t>signal</a:t>
-            </a:r>
-            <a:r>
-              <a:rPr lang="de-DE" dirty="0"/>
-              <a:t> </a:t>
-            </a:r>
-            <a:r>
-              <a:rPr lang="de-DE" dirty="0" err="1"/>
-              <a:t>along</a:t>
-            </a:r>
-            <a:r>
-              <a:rPr lang="de-DE" dirty="0"/>
-              <a:t> </a:t>
-            </a:r>
-            <a:r>
-              <a:rPr lang="de-DE" dirty="0" err="1"/>
-              <a:t>every</a:t>
-            </a:r>
-            <a:r>
-              <a:rPr lang="de-DE" dirty="0"/>
-              <a:t> </a:t>
-            </a:r>
-            <a:r>
-              <a:rPr lang="de-DE" dirty="0" err="1"/>
-              <a:t>connected</a:t>
-            </a:r>
-            <a:r>
-              <a:rPr lang="de-DE" dirty="0"/>
-              <a:t> </a:t>
-            </a:r>
-            <a:r>
-              <a:rPr lang="de-DE" dirty="0" err="1"/>
-              <a:t>path</a:t>
-            </a:r>
-            <a:r>
-              <a:rPr lang="de-DE" dirty="0"/>
-              <a:t> </a:t>
-            </a:r>
-            <a:r>
-              <a:rPr lang="de-DE" dirty="0" err="1"/>
-              <a:t>along</a:t>
-            </a:r>
-            <a:r>
-              <a:rPr lang="de-DE" dirty="0"/>
-              <a:t> </a:t>
-            </a:r>
-            <a:r>
-              <a:rPr lang="de-DE" dirty="0" err="1"/>
-              <a:t>the</a:t>
-            </a:r>
-            <a:r>
-              <a:rPr lang="de-DE" dirty="0"/>
-              <a:t> k </a:t>
-            </a:r>
-            <a:r>
-              <a:rPr lang="de-DE" dirty="0" err="1"/>
-              <a:t>nearest</a:t>
-            </a:r>
-            <a:r>
-              <a:rPr lang="de-DE" dirty="0"/>
-              <a:t> </a:t>
-            </a:r>
-            <a:r>
-              <a:rPr lang="de-DE" dirty="0" err="1"/>
-              <a:t>outgoing</a:t>
-            </a:r>
-            <a:r>
-              <a:rPr lang="de-DE" dirty="0"/>
-              <a:t> </a:t>
-            </a:r>
-            <a:r>
-              <a:rPr lang="de-DE" dirty="0" err="1"/>
-              <a:t>edges</a:t>
-            </a:r>
-            <a:r>
-              <a:rPr lang="de-DE" dirty="0"/>
-              <a:t> </a:t>
-            </a:r>
-          </a:p>
-          <a:p>
-            <a:pPr marL="285750" lvl="0" indent="-285750">
-              <a:buFont typeface="Arial" panose="020B0604020202020204" pitchFamily="34" charset="0"/>
-              <a:buChar char="•"/>
-            </a:pPr>
-            <a:r>
-              <a:rPr lang="de-DE" dirty="0" err="1"/>
-              <a:t>Let‘s</a:t>
-            </a:r>
-            <a:r>
-              <a:rPr lang="de-DE" dirty="0"/>
-              <a:t> </a:t>
-            </a:r>
-            <a:r>
-              <a:rPr lang="de-DE" dirty="0" err="1"/>
-              <a:t>see</a:t>
-            </a:r>
-            <a:r>
-              <a:rPr lang="de-DE" dirty="0"/>
-              <a:t> </a:t>
-            </a:r>
-            <a:r>
-              <a:rPr lang="de-DE" dirty="0" err="1"/>
-              <a:t>what</a:t>
-            </a:r>
-            <a:r>
-              <a:rPr lang="de-DE" dirty="0"/>
-              <a:t> </a:t>
-            </a:r>
-            <a:r>
-              <a:rPr lang="de-DE" dirty="0" err="1"/>
-              <a:t>would</a:t>
-            </a:r>
-            <a:r>
-              <a:rPr lang="de-DE" dirty="0"/>
-              <a:t> happen, </a:t>
-            </a:r>
-            <a:r>
-              <a:rPr lang="de-DE" dirty="0" err="1"/>
-              <a:t>if</a:t>
-            </a:r>
-            <a:r>
-              <a:rPr lang="de-DE" dirty="0"/>
-              <a:t> </a:t>
-            </a:r>
-            <a:r>
-              <a:rPr lang="de-DE" dirty="0" err="1"/>
-              <a:t>we</a:t>
-            </a:r>
-            <a:r>
-              <a:rPr lang="de-DE" dirty="0"/>
-              <a:t> </a:t>
-            </a:r>
-            <a:r>
-              <a:rPr lang="de-DE" dirty="0" err="1"/>
-              <a:t>had</a:t>
-            </a:r>
-            <a:r>
-              <a:rPr lang="de-DE" dirty="0"/>
-              <a:t> an </a:t>
-            </a:r>
-            <a:r>
-              <a:rPr lang="de-DE" dirty="0" err="1"/>
-              <a:t>edge</a:t>
-            </a:r>
-            <a:r>
-              <a:rPr lang="de-DE" dirty="0"/>
-              <a:t> </a:t>
-            </a:r>
-            <a:r>
-              <a:rPr lang="de-DE" dirty="0" err="1"/>
-              <a:t>going</a:t>
-            </a:r>
-            <a:r>
-              <a:rPr lang="de-DE" dirty="0"/>
-              <a:t> </a:t>
-            </a:r>
-            <a:r>
-              <a:rPr lang="de-DE" dirty="0" err="1"/>
-              <a:t>from</a:t>
-            </a:r>
-            <a:r>
-              <a:rPr lang="de-DE" dirty="0"/>
-              <a:t> </a:t>
-            </a:r>
-            <a:r>
-              <a:rPr lang="de-DE" dirty="0" err="1"/>
-              <a:t>node</a:t>
-            </a:r>
-            <a:r>
-              <a:rPr lang="de-DE" dirty="0"/>
-              <a:t> 0 </a:t>
-            </a:r>
-            <a:r>
-              <a:rPr lang="de-DE" dirty="0" err="1"/>
-              <a:t>to</a:t>
-            </a:r>
-            <a:r>
-              <a:rPr lang="de-DE" dirty="0"/>
-              <a:t> </a:t>
-            </a:r>
-            <a:r>
-              <a:rPr lang="de-DE" dirty="0" err="1"/>
-              <a:t>node</a:t>
-            </a:r>
-            <a:r>
-              <a:rPr lang="de-DE" dirty="0"/>
-              <a:t> 3</a:t>
-            </a:r>
-          </a:p>
-          <a:p>
+              <a:t> Graph </a:t>
+            </a:r>
+            <a:r>
+              <a:rPr lang="de-DE" dirty="0" err="1"/>
+              <a:t>autocorrelation</a:t>
+            </a:r>
             <a:endParaRPr lang="fr-FR" dirty="0"/>
           </a:p>
         </p:txBody>
@@ -1947,7 +2113,7 @@
           <a:p>
             <a:fld id="{F67FF89E-6E98-44FE-9350-B39EE48E6D79}" type="slidenum">
               <a:rPr lang="de-DE" smtClean="0"/>
-              <a:t>10</a:t>
+              <a:t>11</a:t>
             </a:fld>
             <a:endParaRPr lang="de-DE"/>
           </a:p>
@@ -1956,7 +2122,7 @@
     </p:spTree>
     <p:extLst>
       <p:ext uri="{BB962C8B-B14F-4D97-AF65-F5344CB8AC3E}">
-        <p14:creationId xmlns:p14="http://schemas.microsoft.com/office/powerpoint/2010/main" val="976742980"/>
+        <p14:creationId xmlns:p14="http://schemas.microsoft.com/office/powerpoint/2010/main" val="677327517"/>
       </p:ext>
     </p:extLst>
   </p:cSld>
@@ -2016,27 +2182,35 @@
             </a:pPr>
             <a:r>
               <a:rPr lang="de-DE" dirty="0"/>
-              <a:t>As </a:t>
-            </a:r>
-            <a:r>
-              <a:rPr lang="de-DE" dirty="0" err="1"/>
-              <a:t>you</a:t>
-            </a:r>
-            <a:r>
-              <a:rPr lang="de-DE" dirty="0"/>
-              <a:t> </a:t>
-            </a:r>
-            <a:r>
-              <a:rPr lang="de-DE" dirty="0" err="1"/>
-              <a:t>can</a:t>
-            </a:r>
-            <a:r>
-              <a:rPr lang="de-DE" dirty="0"/>
-              <a:t> </a:t>
-            </a:r>
-            <a:r>
-              <a:rPr lang="de-DE" dirty="0" err="1"/>
-              <a:t>see</a:t>
+              <a:t>Analog </a:t>
+            </a:r>
+            <a:r>
+              <a:rPr lang="de-DE" dirty="0" err="1"/>
+              <a:t>to</a:t>
+            </a:r>
+            <a:r>
+              <a:rPr lang="de-DE" dirty="0"/>
+              <a:t> </a:t>
+            </a:r>
+            <a:r>
+              <a:rPr lang="de-DE" dirty="0" err="1"/>
+              <a:t>the</a:t>
+            </a:r>
+            <a:r>
+              <a:rPr lang="de-DE" dirty="0"/>
+              <a:t> sample </a:t>
+            </a:r>
+            <a:r>
+              <a:rPr lang="de-DE" dirty="0" err="1"/>
+              <a:t>autocorrelation</a:t>
+            </a:r>
+            <a:r>
+              <a:rPr lang="de-DE" dirty="0"/>
+              <a:t> </a:t>
+            </a:r>
+            <a:r>
+              <a:rPr lang="de-DE" dirty="0" err="1"/>
+              <a:t>matrix</a:t>
             </a:r>
             <a:r>
               <a:rPr lang="de-DE" dirty="0"/>
@@ -2044,39 +2218,95 @@
             </a:r>
             <a:r>
               <a:rPr lang="de-DE" dirty="0" err="1"/>
-              <a:t>having</a:t>
-            </a:r>
-            <a:r>
-              <a:rPr lang="de-DE" dirty="0"/>
-              <a:t> additional </a:t>
-            </a:r>
-            <a:r>
-              <a:rPr lang="de-DE" dirty="0" err="1"/>
-              <a:t>connections</a:t>
-            </a:r>
-            <a:r>
-              <a:rPr lang="de-DE" dirty="0"/>
-              <a:t> </a:t>
-            </a:r>
-            <a:r>
-              <a:rPr lang="de-DE" dirty="0" err="1"/>
-              <a:t>between</a:t>
-            </a:r>
-            <a:r>
-              <a:rPr lang="de-DE" dirty="0"/>
-              <a:t> </a:t>
-            </a:r>
-            <a:r>
-              <a:rPr lang="de-DE" dirty="0" err="1"/>
-              <a:t>nodes</a:t>
-            </a:r>
-            <a:r>
-              <a:rPr lang="de-DE" dirty="0"/>
-              <a:t> will </a:t>
-            </a:r>
-            <a:r>
-              <a:rPr lang="de-DE" dirty="0" err="1"/>
-              <a:t>lead</a:t>
+              <a:t>which</a:t>
+            </a:r>
+            <a:r>
+              <a:rPr lang="de-DE" dirty="0"/>
+              <a:t> </a:t>
+            </a:r>
+            <a:r>
+              <a:rPr lang="de-DE" dirty="0" err="1"/>
+              <a:t>equals</a:t>
+            </a:r>
+            <a:r>
+              <a:rPr lang="de-DE" dirty="0"/>
+              <a:t> </a:t>
+            </a:r>
+            <a:r>
+              <a:rPr lang="de-DE" dirty="0" err="1"/>
+              <a:t>the</a:t>
+            </a:r>
+            <a:r>
+              <a:rPr lang="de-DE" dirty="0"/>
+              <a:t> sample </a:t>
+            </a:r>
+            <a:r>
+              <a:rPr lang="de-DE" dirty="0" err="1"/>
+              <a:t>covariance</a:t>
+            </a:r>
+            <a:r>
+              <a:rPr lang="de-DE" dirty="0"/>
+              <a:t> </a:t>
+            </a:r>
+            <a:r>
+              <a:rPr lang="de-DE" dirty="0" err="1"/>
+              <a:t>matrix</a:t>
+            </a:r>
+            <a:r>
+              <a:rPr lang="de-DE" dirty="0"/>
+              <a:t> </a:t>
+            </a:r>
+            <a:r>
+              <a:rPr lang="de-DE" dirty="0" err="1"/>
+              <a:t>because</a:t>
+            </a:r>
+            <a:r>
+              <a:rPr lang="de-DE" dirty="0"/>
+              <a:t> </a:t>
+            </a:r>
+            <a:r>
+              <a:rPr lang="de-DE" dirty="0" err="1"/>
+              <a:t>we</a:t>
+            </a:r>
+            <a:r>
+              <a:rPr lang="de-DE" dirty="0"/>
+              <a:t> </a:t>
+            </a:r>
+            <a:r>
+              <a:rPr lang="de-DE" dirty="0" err="1"/>
+              <a:t>have</a:t>
+            </a:r>
+            <a:r>
+              <a:rPr lang="de-DE" dirty="0"/>
+              <a:t> </a:t>
+            </a:r>
+            <a:r>
+              <a:rPr lang="de-DE" dirty="0" err="1"/>
+              <a:t>centered</a:t>
+            </a:r>
+            <a:r>
+              <a:rPr lang="de-DE" dirty="0"/>
+              <a:t> </a:t>
+            </a:r>
+            <a:r>
+              <a:rPr lang="de-DE" dirty="0" err="1"/>
+              <a:t>our</a:t>
+            </a:r>
+            <a:r>
+              <a:rPr lang="de-DE" dirty="0"/>
+              <a:t> </a:t>
+            </a:r>
+            <a:r>
+              <a:rPr lang="de-DE" dirty="0" err="1"/>
+              <a:t>data</a:t>
+            </a:r>
+            <a:r>
+              <a:rPr lang="de-DE" dirty="0"/>
+              <a:t> </a:t>
+            </a:r>
+            <a:r>
+              <a:rPr lang="de-DE" dirty="0" err="1"/>
+              <a:t>beforehand</a:t>
             </a:r>
             <a:r>
               <a:rPr lang="de-DE" dirty="0"/>
@@ -2088,70 +2318,6 @@
             </a:r>
             <a:r>
               <a:rPr lang="de-DE" dirty="0"/>
-              <a:t> a linear </a:t>
-            </a:r>
-            <a:r>
-              <a:rPr lang="de-DE" dirty="0" err="1"/>
-              <a:t>combination</a:t>
-            </a:r>
-            <a:r>
-              <a:rPr lang="de-DE" dirty="0"/>
-              <a:t> </a:t>
-            </a:r>
-            <a:r>
-              <a:rPr lang="de-DE" dirty="0" err="1"/>
-              <a:t>of</a:t>
-            </a:r>
-            <a:r>
-              <a:rPr lang="de-DE" dirty="0"/>
-              <a:t> </a:t>
-            </a:r>
-            <a:r>
-              <a:rPr lang="de-DE" dirty="0" err="1"/>
-              <a:t>the</a:t>
-            </a:r>
-            <a:r>
-              <a:rPr lang="de-DE" dirty="0"/>
-              <a:t> </a:t>
-            </a:r>
-            <a:r>
-              <a:rPr lang="de-DE" dirty="0" err="1"/>
-              <a:t>values</a:t>
-            </a:r>
-            <a:r>
-              <a:rPr lang="de-DE" dirty="0"/>
-              <a:t> </a:t>
-            </a:r>
-            <a:r>
-              <a:rPr lang="de-DE" dirty="0" err="1"/>
-              <a:t>of</a:t>
-            </a:r>
-            <a:r>
-              <a:rPr lang="de-DE" dirty="0"/>
-              <a:t> </a:t>
-            </a:r>
-            <a:r>
-              <a:rPr lang="de-DE" dirty="0" err="1"/>
-              <a:t>the</a:t>
-            </a:r>
-            <a:r>
-              <a:rPr lang="de-DE" dirty="0"/>
-              <a:t> </a:t>
-            </a:r>
-            <a:r>
-              <a:rPr lang="de-DE" dirty="0" err="1"/>
-              <a:t>signal</a:t>
-            </a:r>
-            <a:r>
-              <a:rPr lang="de-DE" dirty="0"/>
-              <a:t> </a:t>
-            </a:r>
-            <a:r>
-              <a:rPr lang="de-DE" dirty="0" err="1"/>
-              <a:t>that</a:t>
-            </a:r>
-            <a:r>
-              <a:rPr lang="de-DE" dirty="0"/>
               <a:t> </a:t>
             </a:r>
             <a:r>
@@ -2164,63 +2330,15 @@
             </a:r>
             <a:r>
               <a:rPr lang="de-DE" dirty="0" err="1"/>
-              <a:t>been</a:t>
-            </a:r>
-            <a:r>
-              <a:rPr lang="de-DE" dirty="0"/>
-              <a:t> </a:t>
-            </a:r>
-            <a:r>
-              <a:rPr lang="de-DE" dirty="0" err="1"/>
-              <a:t>propagated</a:t>
-            </a:r>
-            <a:r>
-              <a:rPr lang="de-DE" dirty="0"/>
-              <a:t> </a:t>
-            </a:r>
-            <a:r>
-              <a:rPr lang="de-DE" dirty="0" err="1"/>
-              <a:t>through</a:t>
-            </a:r>
-            <a:r>
-              <a:rPr lang="de-DE" dirty="0"/>
-              <a:t> </a:t>
-            </a:r>
-            <a:r>
-              <a:rPr lang="de-DE" dirty="0" err="1"/>
-              <a:t>the</a:t>
-            </a:r>
-            <a:r>
-              <a:rPr lang="de-DE" dirty="0"/>
-              <a:t> </a:t>
-            </a:r>
-            <a:r>
-              <a:rPr lang="de-DE" dirty="0" err="1"/>
-              <a:t>incident</a:t>
-            </a:r>
-            <a:r>
-              <a:rPr lang="de-DE" dirty="0"/>
-              <a:t> </a:t>
-            </a:r>
-            <a:r>
-              <a:rPr lang="de-DE" dirty="0" err="1"/>
-              <a:t>edges</a:t>
-            </a:r>
-            <a:r>
-              <a:rPr lang="de-DE" dirty="0"/>
-              <a:t> </a:t>
-            </a:r>
-            <a:r>
-              <a:rPr lang="de-DE" dirty="0" err="1"/>
-              <a:t>into</a:t>
-            </a:r>
-            <a:r>
-              <a:rPr lang="de-DE" dirty="0"/>
-              <a:t> a </a:t>
-            </a:r>
-            <a:r>
-              <a:rPr lang="de-DE" dirty="0" err="1"/>
-              <a:t>node</a:t>
+              <a:t>zero</a:t>
+            </a:r>
+            <a:r>
+              <a:rPr lang="de-DE" dirty="0"/>
+              <a:t> </a:t>
+            </a:r>
+            <a:r>
+              <a:rPr lang="de-DE" dirty="0" err="1"/>
+              <a:t>mean</a:t>
             </a:r>
             <a:endParaRPr lang="de-DE" dirty="0"/>
           </a:p>
@@ -2230,52 +2348,24 @@
               <a:buChar char="•"/>
             </a:pPr>
             <a:r>
-              <a:rPr lang="de-DE" dirty="0"/>
-              <a:t>In </a:t>
-            </a:r>
-            <a:r>
-              <a:rPr lang="de-DE" dirty="0" err="1"/>
-              <a:t>this</a:t>
-            </a:r>
-            <a:r>
-              <a:rPr lang="de-DE" dirty="0"/>
-              <a:t> </a:t>
-            </a:r>
-            <a:r>
-              <a:rPr lang="de-DE" dirty="0" err="1"/>
-              <a:t>case</a:t>
-            </a:r>
-            <a:r>
-              <a:rPr lang="de-DE" dirty="0"/>
-              <a:t> </a:t>
-            </a:r>
-            <a:r>
-              <a:rPr lang="de-DE" dirty="0" err="1"/>
-              <a:t>we</a:t>
-            </a:r>
-            <a:r>
-              <a:rPr lang="de-DE" dirty="0"/>
-              <a:t> </a:t>
-            </a:r>
-            <a:r>
-              <a:rPr lang="de-DE" dirty="0" err="1"/>
-              <a:t>have</a:t>
-            </a:r>
-            <a:r>
-              <a:rPr lang="de-DE" dirty="0"/>
-              <a:t> </a:t>
-            </a:r>
-            <a:r>
-              <a:rPr lang="de-DE" dirty="0" err="1"/>
-              <a:t>added</a:t>
-            </a:r>
-            <a:r>
-              <a:rPr lang="de-DE" dirty="0"/>
-              <a:t> </a:t>
-            </a:r>
-            <a:r>
-              <a:rPr lang="de-DE" dirty="0" err="1"/>
-              <a:t>up</a:t>
+              <a:rPr lang="de-DE" dirty="0" err="1"/>
+              <a:t>We</a:t>
+            </a:r>
+            <a:r>
+              <a:rPr lang="de-DE" dirty="0"/>
+              <a:t> </a:t>
+            </a:r>
+            <a:r>
+              <a:rPr lang="de-DE" dirty="0" err="1"/>
+              <a:t>can</a:t>
+            </a:r>
+            <a:r>
+              <a:rPr lang="de-DE" dirty="0"/>
+              <a:t> </a:t>
+            </a:r>
+            <a:r>
+              <a:rPr lang="de-DE" dirty="0" err="1"/>
+              <a:t>define</a:t>
             </a:r>
             <a:r>
               <a:rPr lang="de-DE" dirty="0"/>
@@ -2291,7 +2381,111 @@
             </a:r>
             <a:r>
               <a:rPr lang="de-DE" dirty="0" err="1"/>
-              <a:t>values</a:t>
+              <a:t>graph</a:t>
+            </a:r>
+            <a:r>
+              <a:rPr lang="de-DE" dirty="0"/>
+              <a:t> </a:t>
+            </a:r>
+            <a:r>
+              <a:rPr lang="de-DE" dirty="0" err="1"/>
+              <a:t>autocorrelation</a:t>
+            </a:r>
+            <a:r>
+              <a:rPr lang="de-DE" dirty="0"/>
+              <a:t> </a:t>
+            </a:r>
+            <a:r>
+              <a:rPr lang="de-DE" dirty="0" err="1"/>
+              <a:t>as</a:t>
+            </a:r>
+            <a:r>
+              <a:rPr lang="de-DE" dirty="0"/>
+              <a:t> </a:t>
+            </a:r>
+            <a:r>
+              <a:rPr lang="de-DE" dirty="0" err="1"/>
+              <a:t>the</a:t>
+            </a:r>
+            <a:r>
+              <a:rPr lang="de-DE" dirty="0"/>
+              <a:t> </a:t>
+            </a:r>
+            <a:r>
+              <a:rPr lang="de-DE" dirty="0" err="1"/>
+              <a:t>correlation</a:t>
+            </a:r>
+            <a:r>
+              <a:rPr lang="de-DE" dirty="0"/>
+              <a:t> </a:t>
+            </a:r>
+            <a:r>
+              <a:rPr lang="de-DE" dirty="0" err="1"/>
+              <a:t>between</a:t>
+            </a:r>
+            <a:r>
+              <a:rPr lang="de-DE" dirty="0"/>
+              <a:t> </a:t>
+            </a:r>
+            <a:r>
+              <a:rPr lang="de-DE" dirty="0" err="1"/>
+              <a:t>the</a:t>
+            </a:r>
+            <a:r>
+              <a:rPr lang="de-DE" dirty="0"/>
+              <a:t> Signals X and </a:t>
+            </a:r>
+            <a:r>
+              <a:rPr lang="de-DE" dirty="0" err="1"/>
+              <a:t>the</a:t>
+            </a:r>
+            <a:r>
+              <a:rPr lang="de-DE" dirty="0"/>
+              <a:t> </a:t>
+            </a:r>
+            <a:r>
+              <a:rPr lang="de-DE" dirty="0" err="1"/>
+              <a:t>signals</a:t>
+            </a:r>
+            <a:r>
+              <a:rPr lang="de-DE" dirty="0"/>
+              <a:t> X at a lag k, </a:t>
+            </a:r>
+            <a:r>
+              <a:rPr lang="de-DE" dirty="0" err="1"/>
+              <a:t>meaning</a:t>
+            </a:r>
+            <a:r>
+              <a:rPr lang="de-DE" dirty="0"/>
+              <a:t> </a:t>
+            </a:r>
+            <a:r>
+              <a:rPr lang="de-DE" dirty="0" err="1"/>
+              <a:t>that</a:t>
+            </a:r>
+            <a:r>
+              <a:rPr lang="de-DE" dirty="0"/>
+              <a:t> </a:t>
+            </a:r>
+            <a:r>
+              <a:rPr lang="de-DE" dirty="0" err="1"/>
+              <a:t>it</a:t>
+            </a:r>
+            <a:r>
+              <a:rPr lang="de-DE" dirty="0"/>
+              <a:t> </a:t>
+            </a:r>
+            <a:r>
+              <a:rPr lang="de-DE" dirty="0" err="1"/>
+              <a:t>has</a:t>
+            </a:r>
+            <a:r>
+              <a:rPr lang="de-DE" dirty="0"/>
+              <a:t> </a:t>
+            </a:r>
+            <a:r>
+              <a:rPr lang="de-DE" dirty="0" err="1"/>
+              <a:t>been</a:t>
             </a:r>
             <a:r>
               <a:rPr lang="de-DE" dirty="0"/>
@@ -2307,44 +2501,33 @@
             </a:r>
             <a:r>
               <a:rPr lang="de-DE" dirty="0" err="1"/>
-              <a:t>from</a:t>
-            </a:r>
-            <a:r>
-              <a:rPr lang="de-DE" dirty="0"/>
-              <a:t> </a:t>
-            </a:r>
-            <a:r>
-              <a:rPr lang="de-DE" dirty="0" err="1"/>
-              <a:t>node</a:t>
-            </a:r>
-            <a:r>
-              <a:rPr lang="de-DE" dirty="0"/>
-              <a:t> 0 and </a:t>
-            </a:r>
-            <a:r>
-              <a:rPr lang="de-DE" dirty="0" err="1"/>
-              <a:t>node</a:t>
-            </a:r>
-            <a:r>
-              <a:rPr lang="de-DE" dirty="0"/>
-              <a:t> 2 </a:t>
-            </a:r>
-            <a:r>
-              <a:rPr lang="de-DE" dirty="0" err="1"/>
-              <a:t>into</a:t>
-            </a:r>
-            <a:r>
-              <a:rPr lang="de-DE" dirty="0"/>
-              <a:t> </a:t>
-            </a:r>
-            <a:r>
-              <a:rPr lang="de-DE" dirty="0" err="1"/>
-              <a:t>node</a:t>
-            </a:r>
-            <a:r>
-              <a:rPr lang="de-DE" dirty="0"/>
-              <a:t> 3</a:t>
-            </a:r>
+              <a:t>by</a:t>
+            </a:r>
+            <a:r>
+              <a:rPr lang="de-DE" dirty="0"/>
+              <a:t> k </a:t>
+            </a:r>
+            <a:r>
+              <a:rPr lang="de-DE" dirty="0" err="1"/>
+              <a:t>through</a:t>
+            </a:r>
+            <a:r>
+              <a:rPr lang="de-DE" dirty="0"/>
+              <a:t> </a:t>
+            </a:r>
+            <a:r>
+              <a:rPr lang="de-DE" dirty="0" err="1"/>
+              <a:t>the</a:t>
+            </a:r>
+            <a:r>
+              <a:rPr lang="de-DE" dirty="0"/>
+              <a:t> </a:t>
+            </a:r>
+            <a:r>
+              <a:rPr lang="de-DE" dirty="0" err="1"/>
+              <a:t>graph</a:t>
+            </a:r>
+            <a:endParaRPr lang="de-DE" dirty="0"/>
           </a:p>
           <a:p>
             <a:pPr marL="285750" indent="-285750">
@@ -2357,15 +2540,323 @@
             </a:r>
             <a:r>
               <a:rPr lang="de-DE" dirty="0"/>
-              <a:t> all </a:t>
-            </a:r>
-            <a:r>
-              <a:rPr lang="de-DE" dirty="0" err="1"/>
-              <a:t>of</a:t>
-            </a:r>
-            <a:r>
-              <a:rPr lang="de-DE" dirty="0"/>
-              <a:t> </a:t>
+              <a:t> </a:t>
+            </a:r>
+            <a:r>
+              <a:rPr lang="de-DE" dirty="0" err="1"/>
+              <a:t>that</a:t>
+            </a:r>
+            <a:r>
+              <a:rPr lang="de-DE" dirty="0"/>
+              <a:t> in </a:t>
+            </a:r>
+            <a:r>
+              <a:rPr lang="de-DE" dirty="0" err="1"/>
+              <a:t>mind</a:t>
+            </a:r>
+            <a:r>
+              <a:rPr lang="de-DE" dirty="0"/>
+              <a:t> </a:t>
+            </a:r>
+            <a:r>
+              <a:rPr lang="de-DE" dirty="0" err="1"/>
+              <a:t>it</a:t>
+            </a:r>
+            <a:r>
+              <a:rPr lang="de-DE" dirty="0"/>
+              <a:t> </a:t>
+            </a:r>
+            <a:r>
+              <a:rPr lang="de-DE" dirty="0" err="1"/>
+              <a:t>is</a:t>
+            </a:r>
+            <a:r>
+              <a:rPr lang="de-DE" dirty="0"/>
+              <a:t> easy </a:t>
+            </a:r>
+            <a:r>
+              <a:rPr lang="de-DE" dirty="0" err="1"/>
+              <a:t>to</a:t>
+            </a:r>
+            <a:r>
+              <a:rPr lang="de-DE" dirty="0"/>
+              <a:t> </a:t>
+            </a:r>
+            <a:r>
+              <a:rPr lang="de-DE" dirty="0" err="1"/>
+              <a:t>see</a:t>
+            </a:r>
+            <a:r>
+              <a:rPr lang="de-DE" dirty="0"/>
+              <a:t> </a:t>
+            </a:r>
+            <a:r>
+              <a:rPr lang="de-DE" dirty="0" err="1"/>
+              <a:t>that</a:t>
+            </a:r>
+            <a:r>
+              <a:rPr lang="de-DE" dirty="0"/>
+              <a:t> </a:t>
+            </a:r>
+            <a:r>
+              <a:rPr lang="de-DE" dirty="0" err="1"/>
+              <a:t>for</a:t>
+            </a:r>
+            <a:r>
+              <a:rPr lang="de-DE" dirty="0"/>
+              <a:t> k = 0 </a:t>
+            </a:r>
+            <a:r>
+              <a:rPr lang="de-DE" dirty="0" err="1"/>
+              <a:t>our</a:t>
+            </a:r>
+            <a:r>
+              <a:rPr lang="de-DE" dirty="0"/>
+              <a:t> Shift Operator will </a:t>
+            </a:r>
+            <a:r>
+              <a:rPr lang="de-DE" dirty="0" err="1"/>
+              <a:t>be</a:t>
+            </a:r>
+            <a:r>
+              <a:rPr lang="de-DE" dirty="0"/>
+              <a:t> </a:t>
+            </a:r>
+            <a:r>
+              <a:rPr lang="de-DE" dirty="0" err="1"/>
+              <a:t>equal</a:t>
+            </a:r>
+            <a:r>
+              <a:rPr lang="de-DE" dirty="0"/>
+              <a:t> </a:t>
+            </a:r>
+            <a:r>
+              <a:rPr lang="de-DE" dirty="0" err="1"/>
+              <a:t>to</a:t>
+            </a:r>
+            <a:r>
+              <a:rPr lang="de-DE" dirty="0"/>
+              <a:t> </a:t>
+            </a:r>
+            <a:r>
+              <a:rPr lang="de-DE" dirty="0" err="1"/>
+              <a:t>the</a:t>
+            </a:r>
+            <a:r>
+              <a:rPr lang="de-DE" dirty="0"/>
+              <a:t> Identity </a:t>
+            </a:r>
+            <a:r>
+              <a:rPr lang="de-DE" dirty="0" err="1"/>
+              <a:t>matrix</a:t>
+            </a:r>
+            <a:r>
+              <a:rPr lang="de-DE" dirty="0"/>
+              <a:t> and </a:t>
+            </a:r>
+            <a:r>
+              <a:rPr lang="de-DE" dirty="0" err="1"/>
+              <a:t>we</a:t>
+            </a:r>
+            <a:r>
+              <a:rPr lang="de-DE" dirty="0"/>
+              <a:t> end </a:t>
+            </a:r>
+            <a:r>
+              <a:rPr lang="de-DE" dirty="0" err="1"/>
+              <a:t>up</a:t>
+            </a:r>
+            <a:r>
+              <a:rPr lang="de-DE" dirty="0"/>
+              <a:t> </a:t>
+            </a:r>
+            <a:r>
+              <a:rPr lang="de-DE" dirty="0" err="1"/>
+              <a:t>with</a:t>
+            </a:r>
+            <a:r>
+              <a:rPr lang="de-DE" dirty="0"/>
+              <a:t> </a:t>
+            </a:r>
+            <a:r>
+              <a:rPr lang="de-DE" dirty="0" err="1"/>
+              <a:t>the</a:t>
+            </a:r>
+            <a:r>
+              <a:rPr lang="de-DE" dirty="0"/>
+              <a:t> sample </a:t>
+            </a:r>
+            <a:r>
+              <a:rPr lang="de-DE" dirty="0" err="1"/>
+              <a:t>autocorrelation</a:t>
+            </a:r>
+            <a:r>
+              <a:rPr lang="de-DE" dirty="0"/>
+              <a:t> </a:t>
+            </a:r>
+            <a:r>
+              <a:rPr lang="de-DE" dirty="0" err="1"/>
+              <a:t>matrix</a:t>
+            </a:r>
+            <a:r>
+              <a:rPr lang="de-DE" dirty="0"/>
+              <a:t> , </a:t>
+            </a:r>
+          </a:p>
+          <a:p>
+            <a:pPr marL="285750" indent="-285750">
+              <a:buFont typeface="Arial" panose="020B0604020202020204" pitchFamily="34" charset="0"/>
+              <a:buChar char="•"/>
+            </a:pPr>
+            <a:r>
+              <a:rPr lang="de-DE" dirty="0"/>
+              <a:t>This shift </a:t>
+            </a:r>
+            <a:r>
+              <a:rPr lang="de-DE" dirty="0" err="1"/>
+              <a:t>through</a:t>
+            </a:r>
+            <a:r>
+              <a:rPr lang="de-DE" dirty="0"/>
+              <a:t> </a:t>
+            </a:r>
+            <a:r>
+              <a:rPr lang="de-DE" dirty="0" err="1"/>
+              <a:t>the</a:t>
+            </a:r>
+            <a:r>
+              <a:rPr lang="de-DE" dirty="0"/>
+              <a:t> Graph, </a:t>
+            </a:r>
+            <a:r>
+              <a:rPr lang="de-DE" dirty="0" err="1"/>
+              <a:t>provides</a:t>
+            </a:r>
+            <a:r>
+              <a:rPr lang="de-DE" dirty="0"/>
+              <a:t> </a:t>
+            </a:r>
+            <a:r>
+              <a:rPr lang="de-DE" dirty="0" err="1"/>
+              <a:t>us</a:t>
+            </a:r>
+            <a:r>
+              <a:rPr lang="de-DE" dirty="0"/>
+              <a:t> </a:t>
+            </a:r>
+            <a:r>
+              <a:rPr lang="de-DE" dirty="0" err="1"/>
+              <a:t>with</a:t>
+            </a:r>
+            <a:r>
+              <a:rPr lang="de-DE" dirty="0"/>
+              <a:t> additional </a:t>
+            </a:r>
+            <a:r>
+              <a:rPr lang="de-DE" dirty="0" err="1"/>
+              <a:t>information</a:t>
+            </a:r>
+            <a:r>
+              <a:rPr lang="de-DE" dirty="0"/>
+              <a:t> </a:t>
+            </a:r>
+            <a:r>
+              <a:rPr lang="de-DE" dirty="0" err="1"/>
+              <a:t>about</a:t>
+            </a:r>
+            <a:r>
+              <a:rPr lang="de-DE" dirty="0"/>
+              <a:t> </a:t>
+            </a:r>
+            <a:r>
+              <a:rPr lang="de-DE" dirty="0" err="1"/>
+              <a:t>our</a:t>
+            </a:r>
+            <a:r>
+              <a:rPr lang="de-DE" dirty="0"/>
+              <a:t> </a:t>
+            </a:r>
+            <a:r>
+              <a:rPr lang="de-DE" dirty="0" err="1"/>
+              <a:t>sources</a:t>
+            </a:r>
+            <a:r>
+              <a:rPr lang="de-DE" dirty="0"/>
+              <a:t>, </a:t>
+            </a:r>
+            <a:r>
+              <a:rPr lang="de-DE" dirty="0" err="1"/>
+              <a:t>if</a:t>
+            </a:r>
+            <a:r>
+              <a:rPr lang="de-DE" dirty="0"/>
+              <a:t> </a:t>
+            </a:r>
+            <a:r>
+              <a:rPr lang="de-DE" dirty="0" err="1"/>
+              <a:t>they</a:t>
+            </a:r>
+            <a:r>
+              <a:rPr lang="de-DE" dirty="0"/>
+              <a:t> follow </a:t>
+            </a:r>
+            <a:r>
+              <a:rPr lang="de-DE" dirty="0" err="1"/>
+              <a:t>some</a:t>
+            </a:r>
+            <a:r>
+              <a:rPr lang="de-DE" dirty="0"/>
+              <a:t> </a:t>
+            </a:r>
+            <a:r>
+              <a:rPr lang="de-DE" dirty="0" err="1"/>
+              <a:t>other</a:t>
+            </a:r>
+            <a:r>
+              <a:rPr lang="de-DE" dirty="0"/>
+              <a:t> </a:t>
+            </a:r>
+            <a:r>
+              <a:rPr lang="de-DE" dirty="0" err="1"/>
+              <a:t>order</a:t>
+            </a:r>
+            <a:r>
+              <a:rPr lang="de-DE" dirty="0"/>
+              <a:t> </a:t>
+            </a:r>
+            <a:r>
+              <a:rPr lang="de-DE" dirty="0" err="1"/>
+              <a:t>than</a:t>
+            </a:r>
+            <a:r>
+              <a:rPr lang="de-DE" dirty="0"/>
+              <a:t> just </a:t>
+            </a:r>
+            <a:r>
+              <a:rPr lang="de-DE" dirty="0" err="1"/>
+              <a:t>the</a:t>
+            </a:r>
+            <a:r>
+              <a:rPr lang="de-DE" dirty="0"/>
+              <a:t> </a:t>
+            </a:r>
+            <a:r>
+              <a:rPr lang="de-DE" dirty="0" err="1"/>
+              <a:t>line</a:t>
+            </a:r>
+            <a:r>
+              <a:rPr lang="de-DE" dirty="0"/>
+              <a:t>-graph</a:t>
+            </a:r>
+          </a:p>
+          <a:p>
+            <a:pPr marL="285750" indent="-285750">
+              <a:buFont typeface="Arial" panose="020B0604020202020204" pitchFamily="34" charset="0"/>
+              <a:buChar char="•"/>
+            </a:pPr>
+            <a:r>
+              <a:rPr lang="de-DE" dirty="0"/>
+              <a:t>Having </a:t>
             </a:r>
             <a:r>
               <a:rPr lang="de-DE" dirty="0" err="1"/>
@@ -2373,7 +2864,7 @@
             </a:r>
             <a:r>
               <a:rPr lang="de-DE" dirty="0"/>
-              <a:t> </a:t>
+              <a:t> additional Information, </a:t>
             </a:r>
             <a:r>
               <a:rPr lang="de-DE" dirty="0" err="1"/>
@@ -2385,23 +2876,31 @@
             </a:r>
             <a:r>
               <a:rPr lang="de-DE" dirty="0" err="1"/>
-              <a:t>are</a:t>
-            </a:r>
-            <a:r>
-              <a:rPr lang="de-DE" dirty="0"/>
-              <a:t> </a:t>
-            </a:r>
-            <a:r>
-              <a:rPr lang="de-DE" dirty="0" err="1"/>
-              <a:t>now</a:t>
-            </a:r>
-            <a:r>
-              <a:rPr lang="de-DE" dirty="0"/>
-              <a:t> </a:t>
-            </a:r>
-            <a:r>
-              <a:rPr lang="de-DE" dirty="0" err="1"/>
-              <a:t>able</a:t>
+              <a:t>can</a:t>
+            </a:r>
+            <a:r>
+              <a:rPr lang="de-DE" dirty="0"/>
+              <a:t> </a:t>
+            </a:r>
+            <a:r>
+              <a:rPr lang="de-DE" dirty="0" err="1"/>
+              <a:t>use</a:t>
+            </a:r>
+            <a:r>
+              <a:rPr lang="de-DE" dirty="0"/>
+              <a:t> a </a:t>
+            </a:r>
+            <a:r>
+              <a:rPr lang="de-DE" dirty="0" err="1"/>
+              <a:t>decorrelation</a:t>
+            </a:r>
+            <a:r>
+              <a:rPr lang="de-DE" dirty="0"/>
+              <a:t> </a:t>
+            </a:r>
+            <a:r>
+              <a:rPr lang="de-DE" dirty="0" err="1"/>
+              <a:t>method</a:t>
             </a:r>
             <a:r>
               <a:rPr lang="de-DE" dirty="0"/>
@@ -2417,23 +2916,27 @@
             </a:r>
             <a:r>
               <a:rPr lang="de-DE" dirty="0" err="1"/>
-              <a:t>define</a:t>
-            </a:r>
-            <a:r>
-              <a:rPr lang="de-DE" dirty="0"/>
-              <a:t> </a:t>
-            </a:r>
-            <a:r>
-              <a:rPr lang="de-DE" dirty="0" err="1"/>
-              <a:t>the</a:t>
-            </a:r>
-            <a:r>
-              <a:rPr lang="de-DE" dirty="0"/>
-              <a:t> Graph </a:t>
-            </a:r>
-            <a:r>
-              <a:rPr lang="de-DE" dirty="0" err="1"/>
-              <a:t>autocorrelation</a:t>
+              <a:t>seperate</a:t>
+            </a:r>
+            <a:r>
+              <a:rPr lang="de-DE" dirty="0"/>
+              <a:t> </a:t>
+            </a:r>
+            <a:r>
+              <a:rPr lang="de-DE" dirty="0" err="1"/>
+              <a:t>our</a:t>
+            </a:r>
+            <a:r>
+              <a:rPr lang="de-DE" dirty="0"/>
+              <a:t> </a:t>
+            </a:r>
+            <a:r>
+              <a:rPr lang="de-DE" dirty="0" err="1"/>
+              <a:t>signals</a:t>
+            </a:r>
+            <a:r>
+              <a:rPr lang="de-DE" dirty="0"/>
+              <a:t> </a:t>
             </a:r>
             <a:endParaRPr lang="fr-FR" dirty="0"/>
           </a:p>
@@ -2456,7 +2959,7 @@
           <a:p>
             <a:fld id="{F67FF89E-6E98-44FE-9350-B39EE48E6D79}" type="slidenum">
               <a:rPr lang="de-DE" smtClean="0"/>
-              <a:t>11</a:t>
+              <a:t>12</a:t>
             </a:fld>
             <a:endParaRPr lang="de-DE"/>
           </a:p>
@@ -2465,7 +2968,7 @@
     </p:spTree>
     <p:extLst>
       <p:ext uri="{BB962C8B-B14F-4D97-AF65-F5344CB8AC3E}">
-        <p14:creationId xmlns:p14="http://schemas.microsoft.com/office/powerpoint/2010/main" val="677327517"/>
+        <p14:creationId xmlns:p14="http://schemas.microsoft.com/office/powerpoint/2010/main" val="2659050858"/>
       </p:ext>
     </p:extLst>
   </p:cSld>
@@ -2524,24 +3027,76 @@
               <a:buChar char="•"/>
             </a:pPr>
             <a:r>
-              <a:rPr lang="de-DE" dirty="0"/>
-              <a:t>Analog </a:t>
-            </a:r>
-            <a:r>
-              <a:rPr lang="de-DE" dirty="0" err="1"/>
-              <a:t>to</a:t>
-            </a:r>
-            <a:r>
-              <a:rPr lang="de-DE" dirty="0"/>
-              <a:t> </a:t>
-            </a:r>
-            <a:r>
-              <a:rPr lang="de-DE" dirty="0" err="1"/>
-              <a:t>the</a:t>
-            </a:r>
-            <a:r>
-              <a:rPr lang="de-DE" dirty="0"/>
-              <a:t> sample </a:t>
+              <a:rPr lang="de-DE" dirty="0" err="1"/>
+              <a:t>That</a:t>
+            </a:r>
+            <a:r>
+              <a:rPr lang="de-DE" dirty="0"/>
+              <a:t>, </a:t>
+            </a:r>
+            <a:r>
+              <a:rPr lang="de-DE" dirty="0" err="1"/>
+              <a:t>we</a:t>
+            </a:r>
+            <a:r>
+              <a:rPr lang="de-DE" dirty="0"/>
+              <a:t> do </a:t>
+            </a:r>
+            <a:r>
+              <a:rPr lang="de-DE" dirty="0" err="1"/>
+              <a:t>by</a:t>
+            </a:r>
+            <a:r>
+              <a:rPr lang="de-DE" dirty="0"/>
+              <a:t> </a:t>
+            </a:r>
+            <a:r>
+              <a:rPr lang="de-DE" dirty="0" err="1"/>
+              <a:t>finding</a:t>
+            </a:r>
+            <a:r>
+              <a:rPr lang="de-DE" dirty="0"/>
+              <a:t> a </a:t>
+            </a:r>
+            <a:r>
+              <a:rPr lang="de-DE" dirty="0" err="1"/>
+              <a:t>matrix</a:t>
+            </a:r>
+            <a:r>
+              <a:rPr lang="de-DE" dirty="0"/>
+              <a:t> W </a:t>
+            </a:r>
+            <a:r>
+              <a:rPr lang="de-DE" dirty="0" err="1"/>
+              <a:t>which</a:t>
+            </a:r>
+            <a:r>
+              <a:rPr lang="de-DE" dirty="0"/>
+              <a:t> </a:t>
+            </a:r>
+            <a:r>
+              <a:rPr lang="de-DE" dirty="0" err="1"/>
+              <a:t>diagonalizes</a:t>
+            </a:r>
+            <a:r>
+              <a:rPr lang="de-DE" dirty="0"/>
+              <a:t> </a:t>
+            </a:r>
+            <a:r>
+              <a:rPr lang="de-DE" dirty="0" err="1"/>
+              <a:t>our</a:t>
+            </a:r>
+            <a:r>
+              <a:rPr lang="de-DE" dirty="0"/>
+              <a:t> </a:t>
+            </a:r>
+            <a:r>
+              <a:rPr lang="de-DE" dirty="0" err="1"/>
+              <a:t>graph</a:t>
+            </a:r>
+            <a:r>
+              <a:rPr lang="de-DE" dirty="0"/>
+              <a:t> </a:t>
             </a:r>
             <a:r>
               <a:rPr lang="de-DE" dirty="0" err="1"/>
@@ -2553,55 +3108,41 @@
             </a:r>
             <a:r>
               <a:rPr lang="de-DE" dirty="0" err="1"/>
-              <a:t>matrix</a:t>
-            </a:r>
-            <a:r>
-              <a:rPr lang="de-DE" dirty="0"/>
-              <a:t>, </a:t>
-            </a:r>
-            <a:r>
-              <a:rPr lang="de-DE" dirty="0" err="1"/>
-              <a:t>which</a:t>
-            </a:r>
-            <a:r>
-              <a:rPr lang="de-DE" dirty="0"/>
-              <a:t> </a:t>
-            </a:r>
-            <a:r>
-              <a:rPr lang="de-DE" dirty="0" err="1"/>
-              <a:t>equals</a:t>
-            </a:r>
-            <a:r>
-              <a:rPr lang="de-DE" dirty="0"/>
-              <a:t> </a:t>
-            </a:r>
-            <a:r>
-              <a:rPr lang="de-DE" dirty="0" err="1"/>
-              <a:t>the</a:t>
-            </a:r>
-            <a:r>
-              <a:rPr lang="de-DE" dirty="0"/>
-              <a:t> sample </a:t>
-            </a:r>
-            <a:r>
-              <a:rPr lang="de-DE" dirty="0" err="1"/>
-              <a:t>covariance</a:t>
-            </a:r>
-            <a:r>
-              <a:rPr lang="de-DE" dirty="0"/>
-              <a:t> </a:t>
-            </a:r>
-            <a:r>
-              <a:rPr lang="de-DE" dirty="0" err="1"/>
-              <a:t>matrix</a:t>
-            </a:r>
-            <a:r>
-              <a:rPr lang="de-DE" dirty="0"/>
-              <a:t> </a:t>
-            </a:r>
-            <a:r>
-              <a:rPr lang="de-DE" dirty="0" err="1"/>
-              <a:t>because</a:t>
+              <a:t>as</a:t>
+            </a:r>
+            <a:r>
+              <a:rPr lang="de-DE" dirty="0"/>
+              <a:t> </a:t>
+            </a:r>
+            <a:r>
+              <a:rPr lang="de-DE" dirty="0" err="1"/>
+              <a:t>much</a:t>
+            </a:r>
+            <a:r>
+              <a:rPr lang="de-DE" dirty="0"/>
+              <a:t> possible</a:t>
+            </a:r>
+          </a:p>
+          <a:p>
+            <a:pPr marL="285750" indent="-285750">
+              <a:buFont typeface="Arial" panose="020B0604020202020204" pitchFamily="34" charset="0"/>
+              <a:buChar char="•"/>
+            </a:pPr>
+            <a:r>
+              <a:rPr lang="de-DE" dirty="0"/>
+              <a:t>In all </a:t>
+            </a:r>
+            <a:r>
+              <a:rPr lang="de-DE" dirty="0" err="1"/>
+              <a:t>of</a:t>
+            </a:r>
+            <a:r>
+              <a:rPr lang="de-DE" dirty="0"/>
+              <a:t> </a:t>
+            </a:r>
+            <a:r>
+              <a:rPr lang="de-DE" dirty="0" err="1"/>
+              <a:t>this</a:t>
             </a:r>
             <a:r>
               <a:rPr lang="de-DE" dirty="0"/>
@@ -2617,23 +3158,15 @@
             </a:r>
             <a:r>
               <a:rPr lang="de-DE" dirty="0" err="1"/>
-              <a:t>have</a:t>
-            </a:r>
-            <a:r>
-              <a:rPr lang="de-DE" dirty="0"/>
-              <a:t> </a:t>
-            </a:r>
-            <a:r>
-              <a:rPr lang="de-DE" dirty="0" err="1"/>
-              <a:t>centered</a:t>
-            </a:r>
-            <a:r>
-              <a:rPr lang="de-DE" dirty="0"/>
-              <a:t> </a:t>
-            </a:r>
-            <a:r>
-              <a:rPr lang="de-DE" dirty="0" err="1"/>
-              <a:t>our</a:t>
+              <a:t>asssume</a:t>
+            </a:r>
+            <a:r>
+              <a:rPr lang="de-DE" dirty="0"/>
+              <a:t> </a:t>
+            </a:r>
+            <a:r>
+              <a:rPr lang="de-DE" dirty="0" err="1"/>
+              <a:t>whitened</a:t>
             </a:r>
             <a:r>
               <a:rPr lang="de-DE" dirty="0"/>
@@ -2642,46 +3175,6 @@
             <a:r>
               <a:rPr lang="de-DE" dirty="0" err="1"/>
               <a:t>data</a:t>
-            </a:r>
-            <a:r>
-              <a:rPr lang="de-DE" dirty="0"/>
-              <a:t> </a:t>
-            </a:r>
-            <a:r>
-              <a:rPr lang="de-DE" dirty="0" err="1"/>
-              <a:t>beforehand</a:t>
-            </a:r>
-            <a:r>
-              <a:rPr lang="de-DE" dirty="0"/>
-              <a:t> </a:t>
-            </a:r>
-            <a:r>
-              <a:rPr lang="de-DE" dirty="0" err="1"/>
-              <a:t>to</a:t>
-            </a:r>
-            <a:r>
-              <a:rPr lang="de-DE" dirty="0"/>
-              <a:t> </a:t>
-            </a:r>
-            <a:r>
-              <a:rPr lang="de-DE" dirty="0" err="1"/>
-              <a:t>have</a:t>
-            </a:r>
-            <a:r>
-              <a:rPr lang="de-DE" dirty="0"/>
-              <a:t> </a:t>
-            </a:r>
-            <a:r>
-              <a:rPr lang="de-DE" dirty="0" err="1"/>
-              <a:t>zero</a:t>
-            </a:r>
-            <a:r>
-              <a:rPr lang="de-DE" dirty="0"/>
-              <a:t> </a:t>
-            </a:r>
-            <a:r>
-              <a:rPr lang="de-DE" dirty="0" err="1"/>
-              <a:t>mean</a:t>
             </a:r>
             <a:endParaRPr lang="de-DE" dirty="0"/>
           </a:p>
@@ -2692,23 +3185,31 @@
             </a:pPr>
             <a:r>
               <a:rPr lang="de-DE" dirty="0" err="1"/>
-              <a:t>We</a:t>
-            </a:r>
-            <a:r>
-              <a:rPr lang="de-DE" dirty="0"/>
-              <a:t> </a:t>
-            </a:r>
-            <a:r>
-              <a:rPr lang="de-DE" dirty="0" err="1"/>
-              <a:t>can</a:t>
-            </a:r>
-            <a:r>
-              <a:rPr lang="de-DE" dirty="0"/>
-              <a:t> </a:t>
-            </a:r>
-            <a:r>
-              <a:rPr lang="de-DE" dirty="0" err="1"/>
-              <a:t>define</a:t>
+              <a:t>Then</a:t>
+            </a:r>
+            <a:r>
+              <a:rPr lang="de-DE" dirty="0"/>
+              <a:t>, W </a:t>
+            </a:r>
+            <a:r>
+              <a:rPr lang="de-DE" dirty="0" err="1"/>
+              <a:t>is</a:t>
+            </a:r>
+            <a:r>
+              <a:rPr lang="de-DE" dirty="0"/>
+              <a:t> an </a:t>
+            </a:r>
+            <a:r>
+              <a:rPr lang="de-DE" dirty="0" err="1"/>
+              <a:t>estimate</a:t>
+            </a:r>
+            <a:r>
+              <a:rPr lang="de-DE" dirty="0"/>
+              <a:t> </a:t>
+            </a:r>
+            <a:r>
+              <a:rPr lang="de-DE" dirty="0" err="1"/>
+              <a:t>for</a:t>
             </a:r>
             <a:r>
               <a:rPr lang="de-DE" dirty="0"/>
@@ -2720,27 +3221,11 @@
             </a:r>
             <a:r>
               <a:rPr lang="de-DE" dirty="0"/>
-              <a:t> </a:t>
-            </a:r>
-            <a:r>
-              <a:rPr lang="de-DE" dirty="0" err="1"/>
-              <a:t>graph</a:t>
-            </a:r>
-            <a:r>
-              <a:rPr lang="de-DE" dirty="0"/>
-              <a:t> </a:t>
-            </a:r>
-            <a:r>
-              <a:rPr lang="de-DE" dirty="0" err="1"/>
-              <a:t>autocorrelation</a:t>
-            </a:r>
-            <a:r>
-              <a:rPr lang="de-DE" dirty="0"/>
-              <a:t> </a:t>
-            </a:r>
-            <a:r>
-              <a:rPr lang="de-DE" dirty="0" err="1"/>
-              <a:t>as</a:t>
+              <a:t> Solution </a:t>
+            </a:r>
+            <a:r>
+              <a:rPr lang="de-DE" dirty="0" err="1"/>
+              <a:t>of</a:t>
             </a:r>
             <a:r>
               <a:rPr lang="de-DE" dirty="0"/>
@@ -2752,125 +3237,8 @@
             </a:r>
             <a:r>
               <a:rPr lang="de-DE" dirty="0"/>
-              <a:t> </a:t>
-            </a:r>
-            <a:r>
-              <a:rPr lang="de-DE" dirty="0" err="1"/>
-              <a:t>correlation</a:t>
-            </a:r>
-            <a:r>
-              <a:rPr lang="de-DE" dirty="0"/>
-              <a:t> </a:t>
-            </a:r>
-            <a:r>
-              <a:rPr lang="de-DE" dirty="0" err="1"/>
-              <a:t>between</a:t>
-            </a:r>
-            <a:r>
-              <a:rPr lang="de-DE" dirty="0"/>
-              <a:t> </a:t>
-            </a:r>
-            <a:r>
-              <a:rPr lang="de-DE" dirty="0" err="1"/>
-              <a:t>the</a:t>
-            </a:r>
-            <a:r>
-              <a:rPr lang="de-DE" dirty="0"/>
-              <a:t> Signals X and </a:t>
-            </a:r>
-            <a:r>
-              <a:rPr lang="de-DE" dirty="0" err="1"/>
-              <a:t>the</a:t>
-            </a:r>
-            <a:r>
-              <a:rPr lang="de-DE" dirty="0"/>
-              <a:t> </a:t>
-            </a:r>
-            <a:r>
-              <a:rPr lang="de-DE" dirty="0" err="1"/>
-              <a:t>signals</a:t>
-            </a:r>
-            <a:r>
-              <a:rPr lang="de-DE" dirty="0"/>
-              <a:t> X at a lag k, </a:t>
-            </a:r>
-            <a:r>
-              <a:rPr lang="de-DE" dirty="0" err="1"/>
-              <a:t>meaning</a:t>
-            </a:r>
-            <a:r>
-              <a:rPr lang="de-DE" dirty="0"/>
-              <a:t> </a:t>
-            </a:r>
-            <a:r>
-              <a:rPr lang="de-DE" dirty="0" err="1"/>
-              <a:t>that</a:t>
-            </a:r>
-            <a:r>
-              <a:rPr lang="de-DE" dirty="0"/>
-              <a:t> </a:t>
-            </a:r>
-            <a:r>
-              <a:rPr lang="de-DE" dirty="0" err="1"/>
-              <a:t>it</a:t>
-            </a:r>
-            <a:r>
-              <a:rPr lang="de-DE" dirty="0"/>
-              <a:t> </a:t>
-            </a:r>
-            <a:r>
-              <a:rPr lang="de-DE" dirty="0" err="1"/>
-              <a:t>has</a:t>
-            </a:r>
-            <a:r>
-              <a:rPr lang="de-DE" dirty="0"/>
-              <a:t> </a:t>
-            </a:r>
-            <a:r>
-              <a:rPr lang="de-DE" dirty="0" err="1"/>
-              <a:t>been</a:t>
-            </a:r>
-            <a:r>
-              <a:rPr lang="de-DE" dirty="0"/>
-              <a:t> </a:t>
-            </a:r>
-            <a:r>
-              <a:rPr lang="de-DE" dirty="0" err="1"/>
-              <a:t>shifted</a:t>
-            </a:r>
-            <a:r>
-              <a:rPr lang="de-DE" dirty="0"/>
-              <a:t> </a:t>
-            </a:r>
-            <a:r>
-              <a:rPr lang="de-DE" dirty="0" err="1"/>
-              <a:t>by</a:t>
-            </a:r>
-            <a:r>
-              <a:rPr lang="de-DE" dirty="0"/>
-              <a:t> k </a:t>
-            </a:r>
-            <a:r>
-              <a:rPr lang="de-DE" dirty="0" err="1"/>
-              <a:t>through</a:t>
-            </a:r>
-            <a:r>
-              <a:rPr lang="de-DE" dirty="0"/>
-              <a:t> </a:t>
-            </a:r>
-            <a:r>
-              <a:rPr lang="de-DE" dirty="0" err="1"/>
-              <a:t>the</a:t>
-            </a:r>
-            <a:r>
-              <a:rPr lang="de-DE" dirty="0"/>
-              <a:t> </a:t>
-            </a:r>
-            <a:r>
-              <a:rPr lang="de-DE" dirty="0" err="1"/>
-              <a:t>graph</a:t>
-            </a:r>
-            <a:endParaRPr lang="de-DE" dirty="0"/>
+              <a:t> Source Separation Problem</a:t>
+            </a:r>
           </a:p>
           <a:p>
             <a:pPr marL="285750" indent="-285750">
@@ -2878,186 +3246,106 @@
               <a:buChar char="•"/>
             </a:pPr>
             <a:r>
-              <a:rPr lang="de-DE" dirty="0" err="1"/>
-              <a:t>With</a:t>
-            </a:r>
-            <a:r>
-              <a:rPr lang="de-DE" dirty="0"/>
-              <a:t> </a:t>
-            </a:r>
-            <a:r>
-              <a:rPr lang="de-DE" dirty="0" err="1"/>
-              <a:t>that</a:t>
-            </a:r>
-            <a:r>
-              <a:rPr lang="de-DE" dirty="0"/>
-              <a:t> in </a:t>
-            </a:r>
-            <a:r>
-              <a:rPr lang="de-DE" dirty="0" err="1"/>
-              <a:t>mind</a:t>
-            </a:r>
-            <a:r>
-              <a:rPr lang="de-DE" dirty="0"/>
-              <a:t> </a:t>
-            </a:r>
-            <a:r>
-              <a:rPr lang="de-DE" dirty="0" err="1"/>
-              <a:t>it</a:t>
-            </a:r>
-            <a:r>
-              <a:rPr lang="de-DE" dirty="0"/>
-              <a:t> </a:t>
-            </a:r>
-            <a:r>
-              <a:rPr lang="de-DE" dirty="0" err="1"/>
-              <a:t>is</a:t>
-            </a:r>
-            <a:r>
-              <a:rPr lang="de-DE" dirty="0"/>
-              <a:t> easy </a:t>
-            </a:r>
-            <a:r>
-              <a:rPr lang="de-DE" dirty="0" err="1"/>
-              <a:t>to</a:t>
-            </a:r>
-            <a:r>
-              <a:rPr lang="de-DE" dirty="0"/>
-              <a:t> </a:t>
-            </a:r>
-            <a:r>
-              <a:rPr lang="de-DE" dirty="0" err="1"/>
-              <a:t>see</a:t>
-            </a:r>
-            <a:r>
-              <a:rPr lang="de-DE" dirty="0"/>
-              <a:t> </a:t>
-            </a:r>
-            <a:r>
-              <a:rPr lang="de-DE" dirty="0" err="1"/>
-              <a:t>that</a:t>
-            </a:r>
-            <a:r>
-              <a:rPr lang="de-DE" dirty="0"/>
-              <a:t> </a:t>
-            </a:r>
-            <a:r>
-              <a:rPr lang="de-DE" dirty="0" err="1"/>
-              <a:t>for</a:t>
-            </a:r>
-            <a:r>
-              <a:rPr lang="de-DE" dirty="0"/>
-              <a:t> k = 0 </a:t>
-            </a:r>
-            <a:r>
-              <a:rPr lang="de-DE" dirty="0" err="1"/>
-              <a:t>our</a:t>
-            </a:r>
-            <a:r>
-              <a:rPr lang="de-DE" dirty="0"/>
-              <a:t> Shift Operator will </a:t>
-            </a:r>
-            <a:r>
-              <a:rPr lang="de-DE" dirty="0" err="1"/>
-              <a:t>be</a:t>
-            </a:r>
-            <a:r>
-              <a:rPr lang="de-DE" dirty="0"/>
-              <a:t> </a:t>
-            </a:r>
-            <a:r>
-              <a:rPr lang="de-DE" dirty="0" err="1"/>
-              <a:t>equal</a:t>
-            </a:r>
-            <a:r>
-              <a:rPr lang="de-DE" dirty="0"/>
-              <a:t> </a:t>
-            </a:r>
-            <a:r>
-              <a:rPr lang="de-DE" dirty="0" err="1"/>
-              <a:t>to</a:t>
-            </a:r>
-            <a:r>
-              <a:rPr lang="de-DE" dirty="0"/>
-              <a:t> </a:t>
-            </a:r>
-            <a:r>
-              <a:rPr lang="de-DE" dirty="0" err="1"/>
-              <a:t>the</a:t>
-            </a:r>
-            <a:r>
-              <a:rPr lang="de-DE" dirty="0"/>
-              <a:t> Identity </a:t>
-            </a:r>
-            <a:r>
-              <a:rPr lang="de-DE" dirty="0" err="1"/>
-              <a:t>matrix</a:t>
-            </a:r>
-            <a:r>
-              <a:rPr lang="de-DE" dirty="0"/>
-              <a:t> and </a:t>
-            </a:r>
-            <a:r>
-              <a:rPr lang="de-DE" dirty="0" err="1"/>
-              <a:t>we</a:t>
-            </a:r>
-            <a:r>
-              <a:rPr lang="de-DE" dirty="0"/>
-              <a:t> end </a:t>
-            </a:r>
-            <a:r>
-              <a:rPr lang="de-DE" dirty="0" err="1"/>
-              <a:t>up</a:t>
-            </a:r>
-            <a:r>
-              <a:rPr lang="de-DE" dirty="0"/>
-              <a:t> </a:t>
-            </a:r>
-            <a:r>
-              <a:rPr lang="de-DE" dirty="0" err="1"/>
-              <a:t>with</a:t>
-            </a:r>
-            <a:r>
-              <a:rPr lang="de-DE" dirty="0"/>
-              <a:t> </a:t>
-            </a:r>
-            <a:r>
-              <a:rPr lang="de-DE" dirty="0" err="1"/>
-              <a:t>the</a:t>
-            </a:r>
-            <a:r>
-              <a:rPr lang="de-DE" dirty="0"/>
-              <a:t> sample </a:t>
-            </a:r>
-            <a:r>
-              <a:rPr lang="de-DE" dirty="0" err="1"/>
-              <a:t>autocorrelation</a:t>
-            </a:r>
-            <a:r>
-              <a:rPr lang="de-DE" dirty="0"/>
-              <a:t> </a:t>
-            </a:r>
-            <a:r>
-              <a:rPr lang="de-DE" dirty="0" err="1"/>
-              <a:t>matrix</a:t>
-            </a:r>
-            <a:r>
-              <a:rPr lang="de-DE" dirty="0"/>
-              <a:t> , </a:t>
+              <a:rPr lang="de-DE" dirty="0"/>
+              <a:t>This Method, </a:t>
+            </a:r>
+            <a:r>
+              <a:rPr lang="de-DE" dirty="0" err="1"/>
+              <a:t>has</a:t>
+            </a:r>
+            <a:r>
+              <a:rPr lang="de-DE" dirty="0"/>
+              <a:t> </a:t>
+            </a:r>
+            <a:r>
+              <a:rPr lang="de-DE" dirty="0" err="1"/>
+              <a:t>some</a:t>
+            </a:r>
+            <a:r>
+              <a:rPr lang="de-DE" dirty="0"/>
+              <a:t> </a:t>
+            </a:r>
+            <a:r>
+              <a:rPr lang="de-DE" dirty="0" err="1"/>
+              <a:t>noteworthy</a:t>
+            </a:r>
+            <a:r>
+              <a:rPr lang="de-DE" dirty="0"/>
+              <a:t> </a:t>
+            </a:r>
+            <a:r>
+              <a:rPr lang="de-DE" dirty="0" err="1"/>
+              <a:t>advantages</a:t>
+            </a:r>
+            <a:r>
+              <a:rPr lang="de-DE" dirty="0"/>
+              <a:t>:</a:t>
             </a:r>
           </a:p>
           <a:p>
-            <a:pPr marL="285750" indent="-285750">
+            <a:pPr marL="925830" lvl="1" indent="-285750">
               <a:buFont typeface="Arial" panose="020B0604020202020204" pitchFamily="34" charset="0"/>
               <a:buChar char="•"/>
             </a:pPr>
             <a:r>
-              <a:rPr lang="de-DE" dirty="0"/>
-              <a:t>This shift </a:t>
-            </a:r>
-            <a:r>
-              <a:rPr lang="de-DE" dirty="0" err="1"/>
-              <a:t>through</a:t>
+              <a:rPr lang="de-DE" dirty="0" err="1"/>
+              <a:t>Unlike</a:t>
+            </a:r>
+            <a:r>
+              <a:rPr lang="de-DE" dirty="0"/>
+              <a:t> ICA </a:t>
+            </a:r>
+            <a:r>
+              <a:rPr lang="de-DE" dirty="0" err="1"/>
+              <a:t>it</a:t>
+            </a:r>
+            <a:r>
+              <a:rPr lang="de-DE" dirty="0"/>
+              <a:t> </a:t>
+            </a:r>
+            <a:r>
+              <a:rPr lang="de-DE" dirty="0" err="1"/>
+              <a:t>does</a:t>
+            </a:r>
+            <a:r>
+              <a:rPr lang="de-DE" dirty="0"/>
+              <a:t> not </a:t>
+            </a:r>
+            <a:r>
+              <a:rPr lang="de-DE" dirty="0" err="1"/>
+              <a:t>presume</a:t>
+            </a:r>
+            <a:r>
+              <a:rPr lang="de-DE" dirty="0"/>
+              <a:t> </a:t>
+            </a:r>
+            <a:r>
+              <a:rPr lang="de-DE" dirty="0" err="1"/>
+              <a:t>any</a:t>
+            </a:r>
+            <a:r>
+              <a:rPr lang="de-DE" dirty="0"/>
+              <a:t> </a:t>
+            </a:r>
+            <a:r>
+              <a:rPr lang="de-DE" dirty="0" err="1"/>
+              <a:t>specific</a:t>
+            </a:r>
+            <a:r>
+              <a:rPr lang="de-DE" dirty="0"/>
+              <a:t> </a:t>
+            </a:r>
+            <a:r>
+              <a:rPr lang="de-DE" dirty="0" err="1"/>
+              <a:t>distribution</a:t>
+            </a:r>
+            <a:r>
+              <a:rPr lang="de-DE" dirty="0"/>
+              <a:t> </a:t>
+            </a:r>
+            <a:r>
+              <a:rPr lang="de-DE" dirty="0" err="1"/>
+              <a:t>of</a:t>
             </a:r>
             <a:r>
               <a:rPr lang="de-DE" dirty="0"/>
@@ -3069,19 +3357,35 @@
             </a:r>
             <a:r>
               <a:rPr lang="de-DE" dirty="0"/>
-              <a:t> Graph, </a:t>
-            </a:r>
-            <a:r>
-              <a:rPr lang="de-DE" dirty="0" err="1"/>
-              <a:t>provides</a:t>
-            </a:r>
-            <a:r>
-              <a:rPr lang="de-DE" dirty="0"/>
-              <a:t> </a:t>
-            </a:r>
-            <a:r>
-              <a:rPr lang="de-DE" dirty="0" err="1"/>
-              <a:t>us</a:t>
+              <a:t> </a:t>
+            </a:r>
+            <a:r>
+              <a:rPr lang="de-DE" dirty="0" err="1"/>
+              <a:t>signals</a:t>
+            </a:r>
+            <a:r>
+              <a:rPr lang="de-DE" dirty="0"/>
+              <a:t>, </a:t>
+            </a:r>
+            <a:r>
+              <a:rPr lang="de-DE" dirty="0" err="1"/>
+              <a:t>meaning</a:t>
+            </a:r>
+            <a:r>
+              <a:rPr lang="de-DE" dirty="0"/>
+              <a:t> </a:t>
+            </a:r>
+            <a:r>
+              <a:rPr lang="de-DE" dirty="0" err="1"/>
+              <a:t>it</a:t>
+            </a:r>
+            <a:r>
+              <a:rPr lang="de-DE" dirty="0"/>
+              <a:t> </a:t>
+            </a:r>
+            <a:r>
+              <a:rPr lang="de-DE" dirty="0" err="1"/>
+              <a:t>works</a:t>
             </a:r>
             <a:r>
               <a:rPr lang="de-DE" dirty="0"/>
@@ -3093,125 +3397,50 @@
             </a:r>
             <a:r>
               <a:rPr lang="de-DE" dirty="0"/>
-              <a:t> additional </a:t>
-            </a:r>
-            <a:r>
-              <a:rPr lang="de-DE" dirty="0" err="1"/>
-              <a:t>information</a:t>
-            </a:r>
-            <a:r>
-              <a:rPr lang="de-DE" dirty="0"/>
-              <a:t> </a:t>
-            </a:r>
-            <a:r>
-              <a:rPr lang="de-DE" dirty="0" err="1"/>
-              <a:t>about</a:t>
-            </a:r>
-            <a:r>
-              <a:rPr lang="de-DE" dirty="0"/>
-              <a:t> </a:t>
-            </a:r>
-            <a:r>
-              <a:rPr lang="de-DE" dirty="0" err="1"/>
-              <a:t>our</a:t>
-            </a:r>
-            <a:r>
-              <a:rPr lang="de-DE" dirty="0"/>
-              <a:t> </a:t>
-            </a:r>
-            <a:r>
-              <a:rPr lang="de-DE" dirty="0" err="1"/>
-              <a:t>sources</a:t>
-            </a:r>
-            <a:r>
-              <a:rPr lang="de-DE" dirty="0"/>
-              <a:t>, </a:t>
-            </a:r>
-            <a:r>
-              <a:rPr lang="de-DE" dirty="0" err="1"/>
-              <a:t>if</a:t>
-            </a:r>
-            <a:r>
-              <a:rPr lang="de-DE" dirty="0"/>
-              <a:t> </a:t>
-            </a:r>
-            <a:r>
-              <a:rPr lang="de-DE" dirty="0" err="1"/>
-              <a:t>they</a:t>
-            </a:r>
-            <a:r>
-              <a:rPr lang="de-DE" dirty="0"/>
-              <a:t> follow </a:t>
-            </a:r>
-            <a:r>
-              <a:rPr lang="de-DE" dirty="0" err="1"/>
-              <a:t>some</a:t>
-            </a:r>
-            <a:r>
-              <a:rPr lang="de-DE" dirty="0"/>
-              <a:t> </a:t>
-            </a:r>
-            <a:r>
-              <a:rPr lang="de-DE" dirty="0" err="1"/>
-              <a:t>other</a:t>
-            </a:r>
-            <a:r>
-              <a:rPr lang="de-DE" dirty="0"/>
-              <a:t> </a:t>
-            </a:r>
-            <a:r>
-              <a:rPr lang="de-DE" dirty="0" err="1"/>
-              <a:t>order</a:t>
-            </a:r>
-            <a:r>
-              <a:rPr lang="de-DE" dirty="0"/>
-              <a:t> </a:t>
-            </a:r>
-            <a:r>
-              <a:rPr lang="de-DE" dirty="0" err="1"/>
-              <a:t>than</a:t>
-            </a:r>
-            <a:r>
-              <a:rPr lang="de-DE" dirty="0"/>
-              <a:t> just </a:t>
-            </a:r>
-            <a:r>
-              <a:rPr lang="de-DE" dirty="0" err="1"/>
-              <a:t>the</a:t>
-            </a:r>
-            <a:r>
-              <a:rPr lang="de-DE" dirty="0"/>
-              <a:t> </a:t>
-            </a:r>
-            <a:r>
-              <a:rPr lang="de-DE" dirty="0" err="1"/>
-              <a:t>line</a:t>
-            </a:r>
-            <a:r>
-              <a:rPr lang="de-DE" dirty="0"/>
-              <a:t>-graph</a:t>
-            </a:r>
+              <a:t> </a:t>
+            </a:r>
+            <a:r>
+              <a:rPr lang="de-DE" dirty="0" err="1"/>
+              <a:t>gaussian</a:t>
+            </a:r>
+            <a:r>
+              <a:rPr lang="de-DE" dirty="0"/>
+              <a:t> </a:t>
+            </a:r>
+            <a:r>
+              <a:rPr lang="de-DE" dirty="0" err="1"/>
+              <a:t>signals</a:t>
+            </a:r>
+            <a:r>
+              <a:rPr lang="de-DE" dirty="0"/>
+              <a:t> </a:t>
+            </a:r>
+            <a:r>
+              <a:rPr lang="de-DE" dirty="0" err="1"/>
+              <a:t>as</a:t>
+            </a:r>
+            <a:r>
+              <a:rPr lang="de-DE" dirty="0"/>
+              <a:t> </a:t>
+            </a:r>
+            <a:r>
+              <a:rPr lang="de-DE" dirty="0" err="1"/>
+              <a:t>well</a:t>
+            </a:r>
+            <a:endParaRPr lang="de-DE" dirty="0"/>
           </a:p>
           <a:p>
-            <a:pPr marL="285750" indent="-285750">
+            <a:pPr marL="925830" lvl="1" indent="-285750">
               <a:buFont typeface="Arial" panose="020B0604020202020204" pitchFamily="34" charset="0"/>
               <a:buChar char="•"/>
             </a:pPr>
             <a:r>
               <a:rPr lang="de-DE" dirty="0"/>
-              <a:t>Having </a:t>
-            </a:r>
-            <a:r>
-              <a:rPr lang="de-DE" dirty="0" err="1"/>
-              <a:t>this</a:t>
-            </a:r>
-            <a:r>
-              <a:rPr lang="de-DE" dirty="0"/>
-              <a:t> additional Information, </a:t>
-            </a:r>
-            <a:r>
-              <a:rPr lang="de-DE" dirty="0" err="1"/>
-              <a:t>we</a:t>
+              <a:t>The sample </a:t>
+            </a:r>
+            <a:r>
+              <a:rPr lang="de-DE" dirty="0" err="1"/>
+              <a:t>sizes</a:t>
             </a:r>
             <a:r>
               <a:rPr lang="de-DE" dirty="0"/>
@@ -3227,61 +3456,297 @@
             </a:r>
             <a:r>
               <a:rPr lang="de-DE" dirty="0" err="1"/>
-              <a:t>use</a:t>
-            </a:r>
-            <a:r>
-              <a:rPr lang="de-DE" dirty="0"/>
-              <a:t> a </a:t>
-            </a:r>
-            <a:r>
-              <a:rPr lang="de-DE" dirty="0" err="1"/>
-              <a:t>decorrelation</a:t>
-            </a:r>
-            <a:r>
-              <a:rPr lang="de-DE" dirty="0"/>
-              <a:t> </a:t>
-            </a:r>
-            <a:r>
-              <a:rPr lang="de-DE" dirty="0" err="1"/>
+              <a:t>be</a:t>
+            </a:r>
+            <a:r>
+              <a:rPr lang="de-DE" dirty="0"/>
+              <a:t> </a:t>
+            </a:r>
+            <a:r>
+              <a:rPr lang="de-DE" dirty="0" err="1"/>
+              <a:t>much</a:t>
+            </a:r>
+            <a:r>
+              <a:rPr lang="de-DE" dirty="0"/>
+              <a:t> </a:t>
+            </a:r>
+            <a:r>
+              <a:rPr lang="de-DE" dirty="0" err="1"/>
+              <a:t>lower</a:t>
+            </a:r>
+            <a:r>
+              <a:rPr lang="de-DE" dirty="0"/>
+              <a:t>, (</a:t>
+            </a:r>
+            <a:r>
+              <a:rPr lang="de-DE" dirty="0" err="1"/>
+              <a:t>performs</a:t>
+            </a:r>
+            <a:r>
+              <a:rPr lang="de-DE" dirty="0"/>
+              <a:t> </a:t>
+            </a:r>
+            <a:r>
+              <a:rPr lang="de-DE" dirty="0" err="1"/>
+              <a:t>well</a:t>
+            </a:r>
+            <a:r>
+              <a:rPr lang="de-DE" dirty="0"/>
+              <a:t> </a:t>
+            </a:r>
+            <a:r>
+              <a:rPr lang="de-DE" dirty="0" err="1"/>
+              <a:t>with</a:t>
+            </a:r>
+            <a:r>
+              <a:rPr lang="de-DE" dirty="0"/>
+              <a:t> 1000 </a:t>
+            </a:r>
+            <a:r>
+              <a:rPr lang="de-DE" dirty="0" err="1"/>
+              <a:t>samples</a:t>
+            </a:r>
+            <a:r>
+              <a:rPr lang="de-DE" dirty="0"/>
+              <a:t> </a:t>
+            </a:r>
+            <a:r>
+              <a:rPr lang="de-DE" dirty="0" err="1"/>
+              <a:t>already</a:t>
+            </a:r>
+            <a:r>
+              <a:rPr lang="de-DE" dirty="0"/>
+              <a:t>)</a:t>
+            </a:r>
+          </a:p>
+          <a:p>
+            <a:pPr marL="925830" lvl="1" indent="-285750">
+              <a:buFont typeface="Arial" panose="020B0604020202020204" pitchFamily="34" charset="0"/>
+              <a:buChar char="•"/>
+            </a:pPr>
+            <a:r>
+              <a:rPr lang="de-DE" dirty="0" err="1"/>
+              <a:t>There</a:t>
+            </a:r>
+            <a:r>
+              <a:rPr lang="de-DE" dirty="0"/>
+              <a:t> </a:t>
+            </a:r>
+            <a:r>
+              <a:rPr lang="de-DE" dirty="0" err="1"/>
+              <a:t>are</a:t>
+            </a:r>
+            <a:r>
+              <a:rPr lang="de-DE" dirty="0"/>
+              <a:t> </a:t>
+            </a:r>
+            <a:r>
+              <a:rPr lang="de-DE" dirty="0" err="1"/>
+              <a:t>numerous</a:t>
+            </a:r>
+            <a:r>
+              <a:rPr lang="de-DE" dirty="0"/>
+              <a:t> </a:t>
+            </a:r>
+            <a:r>
+              <a:rPr lang="de-DE" dirty="0" err="1"/>
+              <a:t>underlying</a:t>
+            </a:r>
+            <a:r>
+              <a:rPr lang="de-DE" dirty="0"/>
+              <a:t> network </a:t>
+            </a:r>
+            <a:r>
+              <a:rPr lang="de-DE" dirty="0" err="1"/>
+              <a:t>topologies</a:t>
+            </a:r>
+            <a:r>
+              <a:rPr lang="de-DE" dirty="0"/>
+              <a:t> in real </a:t>
+            </a:r>
+            <a:r>
+              <a:rPr lang="de-DE" dirty="0" err="1"/>
+              <a:t>world</a:t>
+            </a:r>
+            <a:r>
+              <a:rPr lang="de-DE" dirty="0"/>
+              <a:t> </a:t>
+            </a:r>
+            <a:r>
+              <a:rPr lang="de-DE" dirty="0" err="1"/>
+              <a:t>problems</a:t>
+            </a:r>
+            <a:endParaRPr lang="fr-FR" dirty="0"/>
+          </a:p>
+          <a:p>
+            <a:pPr marL="285750" lvl="0" indent="-285750">
+              <a:buFont typeface="Arial" panose="020B0604020202020204" pitchFamily="34" charset="0"/>
+              <a:buChar char="•"/>
+            </a:pPr>
+            <a:r>
+              <a:rPr lang="fr-FR" dirty="0" err="1"/>
+              <a:t>However</a:t>
+            </a:r>
+            <a:r>
+              <a:rPr lang="fr-FR" dirty="0"/>
+              <a:t>, </a:t>
+            </a:r>
+            <a:r>
+              <a:rPr lang="fr-FR" dirty="0" err="1"/>
+              <a:t>these</a:t>
+            </a:r>
+            <a:r>
+              <a:rPr lang="fr-FR" dirty="0"/>
+              <a:t> graph structures are </a:t>
+            </a:r>
+            <a:r>
+              <a:rPr lang="fr-FR" dirty="0" err="1"/>
+              <a:t>most</a:t>
+            </a:r>
+            <a:r>
+              <a:rPr lang="fr-FR" dirty="0"/>
+              <a:t> of the time not </a:t>
+            </a:r>
+            <a:r>
+              <a:rPr lang="fr-FR" dirty="0" err="1"/>
+              <a:t>directly</a:t>
+            </a:r>
+            <a:r>
+              <a:rPr lang="fr-FR" dirty="0"/>
+              <a:t> </a:t>
+            </a:r>
+            <a:r>
+              <a:rPr lang="fr-FR" dirty="0" err="1"/>
+              <a:t>available</a:t>
+            </a:r>
+            <a:r>
+              <a:rPr lang="fr-FR" dirty="0"/>
+              <a:t> and </a:t>
+            </a:r>
+            <a:r>
+              <a:rPr lang="fr-FR" dirty="0" err="1"/>
+              <a:t>need</a:t>
+            </a:r>
+            <a:r>
+              <a:rPr lang="fr-FR" dirty="0"/>
+              <a:t> to </a:t>
+            </a:r>
+            <a:r>
+              <a:rPr lang="fr-FR" dirty="0" err="1"/>
+              <a:t>be</a:t>
+            </a:r>
+            <a:r>
+              <a:rPr lang="fr-FR" dirty="0"/>
+              <a:t> </a:t>
+            </a:r>
+            <a:r>
+              <a:rPr lang="fr-FR" dirty="0" err="1"/>
+              <a:t>inferred</a:t>
+            </a:r>
+            <a:r>
+              <a:rPr lang="fr-FR" dirty="0"/>
+              <a:t> by </a:t>
+            </a:r>
+            <a:r>
+              <a:rPr lang="fr-FR" dirty="0" err="1"/>
+              <a:t>some</a:t>
+            </a:r>
+            <a:r>
+              <a:rPr lang="fr-FR" dirty="0"/>
+              <a:t> </a:t>
+            </a:r>
+            <a:r>
+              <a:rPr lang="fr-FR" dirty="0" err="1"/>
               <a:t>method</a:t>
             </a:r>
-            <a:r>
-              <a:rPr lang="de-DE" dirty="0"/>
-              <a:t> </a:t>
-            </a:r>
-            <a:r>
-              <a:rPr lang="de-DE" dirty="0" err="1"/>
-              <a:t>to</a:t>
-            </a:r>
-            <a:r>
-              <a:rPr lang="de-DE" dirty="0"/>
-              <a:t> </a:t>
-            </a:r>
-            <a:r>
-              <a:rPr lang="de-DE" dirty="0" err="1"/>
-              <a:t>seperate</a:t>
-            </a:r>
-            <a:r>
-              <a:rPr lang="de-DE" dirty="0"/>
-              <a:t> </a:t>
-            </a:r>
-            <a:r>
-              <a:rPr lang="de-DE" dirty="0" err="1"/>
-              <a:t>our</a:t>
-            </a:r>
-            <a:r>
-              <a:rPr lang="de-DE" dirty="0"/>
-              <a:t> </a:t>
-            </a:r>
-            <a:r>
-              <a:rPr lang="de-DE" dirty="0" err="1"/>
-              <a:t>signals</a:t>
-            </a:r>
-            <a:r>
-              <a:rPr lang="de-DE" dirty="0"/>
-              <a:t> </a:t>
-            </a:r>
             <a:endParaRPr lang="fr-FR" dirty="0"/>
+          </a:p>
+          <a:p>
+            <a:pPr marL="285750" lvl="0" indent="-285750">
+              <a:buFont typeface="Arial" panose="020B0604020202020204" pitchFamily="34" charset="0"/>
+              <a:buChar char="•"/>
+            </a:pPr>
+            <a:r>
+              <a:rPr lang="fr-FR" dirty="0" err="1"/>
+              <a:t>Therefore</a:t>
+            </a:r>
+            <a:r>
+              <a:rPr lang="fr-FR" dirty="0"/>
+              <a:t> </a:t>
+            </a:r>
+            <a:r>
+              <a:rPr lang="fr-FR" dirty="0" err="1"/>
+              <a:t>it</a:t>
+            </a:r>
+            <a:r>
+              <a:rPr lang="fr-FR" dirty="0"/>
+              <a:t> </a:t>
+            </a:r>
+            <a:r>
+              <a:rPr lang="fr-FR" dirty="0" err="1"/>
+              <a:t>is</a:t>
+            </a:r>
+            <a:r>
+              <a:rPr lang="fr-FR" dirty="0"/>
+              <a:t> a major </a:t>
+            </a:r>
+            <a:r>
+              <a:rPr lang="fr-FR" dirty="0" err="1"/>
+              <a:t>disadvantage</a:t>
+            </a:r>
+            <a:r>
+              <a:rPr lang="fr-FR" dirty="0"/>
+              <a:t>, </a:t>
+            </a:r>
+            <a:r>
+              <a:rPr lang="fr-FR" dirty="0" err="1"/>
+              <a:t>that</a:t>
+            </a:r>
+            <a:r>
+              <a:rPr lang="fr-FR" dirty="0"/>
+              <a:t> the performance of the </a:t>
+            </a:r>
+            <a:r>
+              <a:rPr lang="fr-FR" dirty="0" err="1"/>
+              <a:t>algorithm</a:t>
+            </a:r>
+            <a:r>
+              <a:rPr lang="fr-FR" dirty="0"/>
+              <a:t> </a:t>
+            </a:r>
+            <a:r>
+              <a:rPr lang="fr-FR" dirty="0" err="1"/>
+              <a:t>is</a:t>
+            </a:r>
+            <a:r>
+              <a:rPr lang="fr-FR" dirty="0"/>
+              <a:t> </a:t>
+            </a:r>
+            <a:r>
+              <a:rPr lang="fr-FR" dirty="0" err="1"/>
+              <a:t>highly</a:t>
+            </a:r>
+            <a:r>
+              <a:rPr lang="fr-FR" dirty="0"/>
+              <a:t> </a:t>
+            </a:r>
+            <a:r>
+              <a:rPr lang="fr-FR" dirty="0" err="1"/>
+              <a:t>dependent</a:t>
+            </a:r>
+            <a:r>
+              <a:rPr lang="fr-FR" dirty="0"/>
+              <a:t> on </a:t>
+            </a:r>
+            <a:r>
+              <a:rPr lang="fr-FR" dirty="0" err="1"/>
+              <a:t>accurate</a:t>
+            </a:r>
+            <a:r>
+              <a:rPr lang="fr-FR" dirty="0"/>
+              <a:t> graph estimations</a:t>
+            </a:r>
+            <a:endParaRPr lang="de-DE" dirty="0"/>
           </a:p>
         </p:txBody>
       </p:sp>
@@ -3302,7 +3767,7 @@
           <a:p>
             <a:fld id="{F67FF89E-6E98-44FE-9350-B39EE48E6D79}" type="slidenum">
               <a:rPr lang="de-DE" smtClean="0"/>
-              <a:t>12</a:t>
+              <a:t>13</a:t>
             </a:fld>
             <a:endParaRPr lang="de-DE"/>
           </a:p>
@@ -3311,7 +3776,7 @@
     </p:spTree>
     <p:extLst>
       <p:ext uri="{BB962C8B-B14F-4D97-AF65-F5344CB8AC3E}">
-        <p14:creationId xmlns:p14="http://schemas.microsoft.com/office/powerpoint/2010/main" val="2659050858"/>
+        <p14:creationId xmlns:p14="http://schemas.microsoft.com/office/powerpoint/2010/main" val="1690531568"/>
       </p:ext>
     </p:extLst>
   </p:cSld>
@@ -3371,814 +3836,6 @@
             </a:pPr>
             <a:r>
               <a:rPr lang="de-DE" dirty="0" err="1"/>
-              <a:t>That</a:t>
-            </a:r>
-            <a:r>
-              <a:rPr lang="de-DE" dirty="0"/>
-              <a:t>, </a:t>
-            </a:r>
-            <a:r>
-              <a:rPr lang="de-DE" dirty="0" err="1"/>
-              <a:t>we</a:t>
-            </a:r>
-            <a:r>
-              <a:rPr lang="de-DE" dirty="0"/>
-              <a:t> do </a:t>
-            </a:r>
-            <a:r>
-              <a:rPr lang="de-DE" dirty="0" err="1"/>
-              <a:t>by</a:t>
-            </a:r>
-            <a:r>
-              <a:rPr lang="de-DE" dirty="0"/>
-              <a:t> </a:t>
-            </a:r>
-            <a:r>
-              <a:rPr lang="de-DE" dirty="0" err="1"/>
-              <a:t>finding</a:t>
-            </a:r>
-            <a:r>
-              <a:rPr lang="de-DE" dirty="0"/>
-              <a:t> a </a:t>
-            </a:r>
-            <a:r>
-              <a:rPr lang="de-DE" dirty="0" err="1"/>
-              <a:t>matrix</a:t>
-            </a:r>
-            <a:r>
-              <a:rPr lang="de-DE" dirty="0"/>
-              <a:t> W </a:t>
-            </a:r>
-            <a:r>
-              <a:rPr lang="de-DE" dirty="0" err="1"/>
-              <a:t>which</a:t>
-            </a:r>
-            <a:r>
-              <a:rPr lang="de-DE" dirty="0"/>
-              <a:t> </a:t>
-            </a:r>
-            <a:r>
-              <a:rPr lang="de-DE" dirty="0" err="1"/>
-              <a:t>diagonalizes</a:t>
-            </a:r>
-            <a:r>
-              <a:rPr lang="de-DE" dirty="0"/>
-              <a:t> </a:t>
-            </a:r>
-            <a:r>
-              <a:rPr lang="de-DE" dirty="0" err="1"/>
-              <a:t>our</a:t>
-            </a:r>
-            <a:r>
-              <a:rPr lang="de-DE" dirty="0"/>
-              <a:t> </a:t>
-            </a:r>
-            <a:r>
-              <a:rPr lang="de-DE" dirty="0" err="1"/>
-              <a:t>graph</a:t>
-            </a:r>
-            <a:r>
-              <a:rPr lang="de-DE" dirty="0"/>
-              <a:t> </a:t>
-            </a:r>
-            <a:r>
-              <a:rPr lang="de-DE" dirty="0" err="1"/>
-              <a:t>autocorrelation</a:t>
-            </a:r>
-            <a:r>
-              <a:rPr lang="de-DE" dirty="0"/>
-              <a:t> </a:t>
-            </a:r>
-            <a:r>
-              <a:rPr lang="de-DE" dirty="0" err="1"/>
-              <a:t>as</a:t>
-            </a:r>
-            <a:r>
-              <a:rPr lang="de-DE" dirty="0"/>
-              <a:t> </a:t>
-            </a:r>
-            <a:r>
-              <a:rPr lang="de-DE" dirty="0" err="1"/>
-              <a:t>much</a:t>
-            </a:r>
-            <a:r>
-              <a:rPr lang="de-DE" dirty="0"/>
-              <a:t> possible</a:t>
-            </a:r>
-          </a:p>
-          <a:p>
-            <a:pPr marL="285750" indent="-285750">
-              <a:buFont typeface="Arial" panose="020B0604020202020204" pitchFamily="34" charset="0"/>
-              <a:buChar char="•"/>
-            </a:pPr>
-            <a:r>
-              <a:rPr lang="de-DE" dirty="0"/>
-              <a:t>In all </a:t>
-            </a:r>
-            <a:r>
-              <a:rPr lang="de-DE" dirty="0" err="1"/>
-              <a:t>of</a:t>
-            </a:r>
-            <a:r>
-              <a:rPr lang="de-DE" dirty="0"/>
-              <a:t> </a:t>
-            </a:r>
-            <a:r>
-              <a:rPr lang="de-DE" dirty="0" err="1"/>
-              <a:t>this</a:t>
-            </a:r>
-            <a:r>
-              <a:rPr lang="de-DE" dirty="0"/>
-              <a:t> </a:t>
-            </a:r>
-            <a:r>
-              <a:rPr lang="de-DE" dirty="0" err="1"/>
-              <a:t>we</a:t>
-            </a:r>
-            <a:r>
-              <a:rPr lang="de-DE" dirty="0"/>
-              <a:t> </a:t>
-            </a:r>
-            <a:r>
-              <a:rPr lang="de-DE" dirty="0" err="1"/>
-              <a:t>asssume</a:t>
-            </a:r>
-            <a:r>
-              <a:rPr lang="de-DE" dirty="0"/>
-              <a:t> </a:t>
-            </a:r>
-            <a:r>
-              <a:rPr lang="de-DE" dirty="0" err="1"/>
-              <a:t>whitened</a:t>
-            </a:r>
-            <a:r>
-              <a:rPr lang="de-DE" dirty="0"/>
-              <a:t> </a:t>
-            </a:r>
-            <a:r>
-              <a:rPr lang="de-DE" dirty="0" err="1"/>
-              <a:t>data</a:t>
-            </a:r>
-            <a:endParaRPr lang="de-DE" dirty="0"/>
-          </a:p>
-          <a:p>
-            <a:pPr marL="285750" indent="-285750">
-              <a:buFont typeface="Arial" panose="020B0604020202020204" pitchFamily="34" charset="0"/>
-              <a:buChar char="•"/>
-            </a:pPr>
-            <a:r>
-              <a:rPr lang="de-DE" dirty="0" err="1"/>
-              <a:t>Then</a:t>
-            </a:r>
-            <a:r>
-              <a:rPr lang="de-DE" dirty="0"/>
-              <a:t>, W </a:t>
-            </a:r>
-            <a:r>
-              <a:rPr lang="de-DE" dirty="0" err="1"/>
-              <a:t>is</a:t>
-            </a:r>
-            <a:r>
-              <a:rPr lang="de-DE" dirty="0"/>
-              <a:t> an </a:t>
-            </a:r>
-            <a:r>
-              <a:rPr lang="de-DE" dirty="0" err="1"/>
-              <a:t>estimate</a:t>
-            </a:r>
-            <a:r>
-              <a:rPr lang="de-DE" dirty="0"/>
-              <a:t> </a:t>
-            </a:r>
-            <a:r>
-              <a:rPr lang="de-DE" dirty="0" err="1"/>
-              <a:t>for</a:t>
-            </a:r>
-            <a:r>
-              <a:rPr lang="de-DE" dirty="0"/>
-              <a:t> </a:t>
-            </a:r>
-            <a:r>
-              <a:rPr lang="de-DE" dirty="0" err="1"/>
-              <a:t>the</a:t>
-            </a:r>
-            <a:r>
-              <a:rPr lang="de-DE" dirty="0"/>
-              <a:t> Solution </a:t>
-            </a:r>
-            <a:r>
-              <a:rPr lang="de-DE" dirty="0" err="1"/>
-              <a:t>of</a:t>
-            </a:r>
-            <a:r>
-              <a:rPr lang="de-DE" dirty="0"/>
-              <a:t> </a:t>
-            </a:r>
-            <a:r>
-              <a:rPr lang="de-DE" dirty="0" err="1"/>
-              <a:t>the</a:t>
-            </a:r>
-            <a:r>
-              <a:rPr lang="de-DE" dirty="0"/>
-              <a:t> Source Separation Problem</a:t>
-            </a:r>
-          </a:p>
-          <a:p>
-            <a:pPr marL="285750" indent="-285750">
-              <a:buFont typeface="Arial" panose="020B0604020202020204" pitchFamily="34" charset="0"/>
-              <a:buChar char="•"/>
-            </a:pPr>
-            <a:r>
-              <a:rPr lang="de-DE" dirty="0"/>
-              <a:t>This Method, </a:t>
-            </a:r>
-            <a:r>
-              <a:rPr lang="de-DE" dirty="0" err="1"/>
-              <a:t>has</a:t>
-            </a:r>
-            <a:r>
-              <a:rPr lang="de-DE" dirty="0"/>
-              <a:t> </a:t>
-            </a:r>
-            <a:r>
-              <a:rPr lang="de-DE" dirty="0" err="1"/>
-              <a:t>some</a:t>
-            </a:r>
-            <a:r>
-              <a:rPr lang="de-DE" dirty="0"/>
-              <a:t> </a:t>
-            </a:r>
-            <a:r>
-              <a:rPr lang="de-DE" dirty="0" err="1"/>
-              <a:t>noteworthy</a:t>
-            </a:r>
-            <a:r>
-              <a:rPr lang="de-DE" dirty="0"/>
-              <a:t> </a:t>
-            </a:r>
-            <a:r>
-              <a:rPr lang="de-DE" dirty="0" err="1"/>
-              <a:t>advantages</a:t>
-            </a:r>
-            <a:r>
-              <a:rPr lang="de-DE" dirty="0"/>
-              <a:t>:</a:t>
-            </a:r>
-          </a:p>
-          <a:p>
-            <a:pPr marL="925830" lvl="1" indent="-285750">
-              <a:buFont typeface="Arial" panose="020B0604020202020204" pitchFamily="34" charset="0"/>
-              <a:buChar char="•"/>
-            </a:pPr>
-            <a:r>
-              <a:rPr lang="de-DE" dirty="0" err="1"/>
-              <a:t>Unlike</a:t>
-            </a:r>
-            <a:r>
-              <a:rPr lang="de-DE" dirty="0"/>
-              <a:t> ICA </a:t>
-            </a:r>
-            <a:r>
-              <a:rPr lang="de-DE" dirty="0" err="1"/>
-              <a:t>it</a:t>
-            </a:r>
-            <a:r>
-              <a:rPr lang="de-DE" dirty="0"/>
-              <a:t> </a:t>
-            </a:r>
-            <a:r>
-              <a:rPr lang="de-DE" dirty="0" err="1"/>
-              <a:t>does</a:t>
-            </a:r>
-            <a:r>
-              <a:rPr lang="de-DE" dirty="0"/>
-              <a:t> not </a:t>
-            </a:r>
-            <a:r>
-              <a:rPr lang="de-DE" dirty="0" err="1"/>
-              <a:t>presume</a:t>
-            </a:r>
-            <a:r>
-              <a:rPr lang="de-DE" dirty="0"/>
-              <a:t> </a:t>
-            </a:r>
-            <a:r>
-              <a:rPr lang="de-DE" dirty="0" err="1"/>
-              <a:t>any</a:t>
-            </a:r>
-            <a:r>
-              <a:rPr lang="de-DE" dirty="0"/>
-              <a:t> </a:t>
-            </a:r>
-            <a:r>
-              <a:rPr lang="de-DE" dirty="0" err="1"/>
-              <a:t>specific</a:t>
-            </a:r>
-            <a:r>
-              <a:rPr lang="de-DE" dirty="0"/>
-              <a:t> </a:t>
-            </a:r>
-            <a:r>
-              <a:rPr lang="de-DE" dirty="0" err="1"/>
-              <a:t>distribution</a:t>
-            </a:r>
-            <a:r>
-              <a:rPr lang="de-DE" dirty="0"/>
-              <a:t> </a:t>
-            </a:r>
-            <a:r>
-              <a:rPr lang="de-DE" dirty="0" err="1"/>
-              <a:t>of</a:t>
-            </a:r>
-            <a:r>
-              <a:rPr lang="de-DE" dirty="0"/>
-              <a:t> </a:t>
-            </a:r>
-            <a:r>
-              <a:rPr lang="de-DE" dirty="0" err="1"/>
-              <a:t>the</a:t>
-            </a:r>
-            <a:r>
-              <a:rPr lang="de-DE" dirty="0"/>
-              <a:t> </a:t>
-            </a:r>
-            <a:r>
-              <a:rPr lang="de-DE" dirty="0" err="1"/>
-              <a:t>signals</a:t>
-            </a:r>
-            <a:r>
-              <a:rPr lang="de-DE" dirty="0"/>
-              <a:t>, </a:t>
-            </a:r>
-            <a:r>
-              <a:rPr lang="de-DE" dirty="0" err="1"/>
-              <a:t>meaning</a:t>
-            </a:r>
-            <a:r>
-              <a:rPr lang="de-DE" dirty="0"/>
-              <a:t> </a:t>
-            </a:r>
-            <a:r>
-              <a:rPr lang="de-DE" dirty="0" err="1"/>
-              <a:t>it</a:t>
-            </a:r>
-            <a:r>
-              <a:rPr lang="de-DE" dirty="0"/>
-              <a:t> </a:t>
-            </a:r>
-            <a:r>
-              <a:rPr lang="de-DE" dirty="0" err="1"/>
-              <a:t>works</a:t>
-            </a:r>
-            <a:r>
-              <a:rPr lang="de-DE" dirty="0"/>
-              <a:t> </a:t>
-            </a:r>
-            <a:r>
-              <a:rPr lang="de-DE" dirty="0" err="1"/>
-              <a:t>with</a:t>
-            </a:r>
-            <a:r>
-              <a:rPr lang="de-DE" dirty="0"/>
-              <a:t> </a:t>
-            </a:r>
-            <a:r>
-              <a:rPr lang="de-DE" dirty="0" err="1"/>
-              <a:t>gaussian</a:t>
-            </a:r>
-            <a:r>
-              <a:rPr lang="de-DE" dirty="0"/>
-              <a:t> </a:t>
-            </a:r>
-            <a:r>
-              <a:rPr lang="de-DE" dirty="0" err="1"/>
-              <a:t>signals</a:t>
-            </a:r>
-            <a:r>
-              <a:rPr lang="de-DE" dirty="0"/>
-              <a:t> </a:t>
-            </a:r>
-            <a:r>
-              <a:rPr lang="de-DE" dirty="0" err="1"/>
-              <a:t>as</a:t>
-            </a:r>
-            <a:r>
-              <a:rPr lang="de-DE" dirty="0"/>
-              <a:t> </a:t>
-            </a:r>
-            <a:r>
-              <a:rPr lang="de-DE" dirty="0" err="1"/>
-              <a:t>well</a:t>
-            </a:r>
-            <a:endParaRPr lang="de-DE" dirty="0"/>
-          </a:p>
-          <a:p>
-            <a:pPr marL="925830" lvl="1" indent="-285750">
-              <a:buFont typeface="Arial" panose="020B0604020202020204" pitchFamily="34" charset="0"/>
-              <a:buChar char="•"/>
-            </a:pPr>
-            <a:r>
-              <a:rPr lang="de-DE" dirty="0"/>
-              <a:t>The sample </a:t>
-            </a:r>
-            <a:r>
-              <a:rPr lang="de-DE" dirty="0" err="1"/>
-              <a:t>sizes</a:t>
-            </a:r>
-            <a:r>
-              <a:rPr lang="de-DE" dirty="0"/>
-              <a:t> </a:t>
-            </a:r>
-            <a:r>
-              <a:rPr lang="de-DE" dirty="0" err="1"/>
-              <a:t>can</a:t>
-            </a:r>
-            <a:r>
-              <a:rPr lang="de-DE" dirty="0"/>
-              <a:t> </a:t>
-            </a:r>
-            <a:r>
-              <a:rPr lang="de-DE" dirty="0" err="1"/>
-              <a:t>be</a:t>
-            </a:r>
-            <a:r>
-              <a:rPr lang="de-DE" dirty="0"/>
-              <a:t> </a:t>
-            </a:r>
-            <a:r>
-              <a:rPr lang="de-DE" dirty="0" err="1"/>
-              <a:t>much</a:t>
-            </a:r>
-            <a:r>
-              <a:rPr lang="de-DE" dirty="0"/>
-              <a:t> </a:t>
-            </a:r>
-            <a:r>
-              <a:rPr lang="de-DE" dirty="0" err="1"/>
-              <a:t>lower</a:t>
-            </a:r>
-            <a:r>
-              <a:rPr lang="de-DE" dirty="0"/>
-              <a:t>, (</a:t>
-            </a:r>
-            <a:r>
-              <a:rPr lang="de-DE" dirty="0" err="1"/>
-              <a:t>performs</a:t>
-            </a:r>
-            <a:r>
-              <a:rPr lang="de-DE" dirty="0"/>
-              <a:t> </a:t>
-            </a:r>
-            <a:r>
-              <a:rPr lang="de-DE" dirty="0" err="1"/>
-              <a:t>well</a:t>
-            </a:r>
-            <a:r>
-              <a:rPr lang="de-DE" dirty="0"/>
-              <a:t> </a:t>
-            </a:r>
-            <a:r>
-              <a:rPr lang="de-DE" dirty="0" err="1"/>
-              <a:t>with</a:t>
-            </a:r>
-            <a:r>
-              <a:rPr lang="de-DE" dirty="0"/>
-              <a:t> 1000 </a:t>
-            </a:r>
-            <a:r>
-              <a:rPr lang="de-DE" dirty="0" err="1"/>
-              <a:t>samples</a:t>
-            </a:r>
-            <a:r>
-              <a:rPr lang="de-DE" dirty="0"/>
-              <a:t> </a:t>
-            </a:r>
-            <a:r>
-              <a:rPr lang="de-DE" dirty="0" err="1"/>
-              <a:t>already</a:t>
-            </a:r>
-            <a:r>
-              <a:rPr lang="de-DE" dirty="0"/>
-              <a:t>)</a:t>
-            </a:r>
-          </a:p>
-          <a:p>
-            <a:pPr marL="925830" lvl="1" indent="-285750">
-              <a:buFont typeface="Arial" panose="020B0604020202020204" pitchFamily="34" charset="0"/>
-              <a:buChar char="•"/>
-            </a:pPr>
-            <a:r>
-              <a:rPr lang="de-DE" dirty="0" err="1"/>
-              <a:t>There</a:t>
-            </a:r>
-            <a:r>
-              <a:rPr lang="de-DE" dirty="0"/>
-              <a:t> </a:t>
-            </a:r>
-            <a:r>
-              <a:rPr lang="de-DE" dirty="0" err="1"/>
-              <a:t>are</a:t>
-            </a:r>
-            <a:r>
-              <a:rPr lang="de-DE" dirty="0"/>
-              <a:t> </a:t>
-            </a:r>
-            <a:r>
-              <a:rPr lang="de-DE" dirty="0" err="1"/>
-              <a:t>numerous</a:t>
-            </a:r>
-            <a:r>
-              <a:rPr lang="de-DE" dirty="0"/>
-              <a:t> </a:t>
-            </a:r>
-            <a:r>
-              <a:rPr lang="de-DE" dirty="0" err="1"/>
-              <a:t>underlying</a:t>
-            </a:r>
-            <a:r>
-              <a:rPr lang="de-DE" dirty="0"/>
-              <a:t> network </a:t>
-            </a:r>
-            <a:r>
-              <a:rPr lang="de-DE" dirty="0" err="1"/>
-              <a:t>topologies</a:t>
-            </a:r>
-            <a:r>
-              <a:rPr lang="de-DE" dirty="0"/>
-              <a:t> in real </a:t>
-            </a:r>
-            <a:r>
-              <a:rPr lang="de-DE" dirty="0" err="1"/>
-              <a:t>world</a:t>
-            </a:r>
-            <a:r>
-              <a:rPr lang="de-DE" dirty="0"/>
-              <a:t> </a:t>
-            </a:r>
-            <a:r>
-              <a:rPr lang="de-DE" dirty="0" err="1"/>
-              <a:t>problems</a:t>
-            </a:r>
-            <a:endParaRPr lang="fr-FR" dirty="0"/>
-          </a:p>
-          <a:p>
-            <a:pPr marL="285750" lvl="0" indent="-285750">
-              <a:buFont typeface="Arial" panose="020B0604020202020204" pitchFamily="34" charset="0"/>
-              <a:buChar char="•"/>
-            </a:pPr>
-            <a:r>
-              <a:rPr lang="fr-FR" dirty="0" err="1"/>
-              <a:t>However</a:t>
-            </a:r>
-            <a:r>
-              <a:rPr lang="fr-FR" dirty="0"/>
-              <a:t>, </a:t>
-            </a:r>
-            <a:r>
-              <a:rPr lang="fr-FR" dirty="0" err="1"/>
-              <a:t>these</a:t>
-            </a:r>
-            <a:r>
-              <a:rPr lang="fr-FR" dirty="0"/>
-              <a:t> graph structures are </a:t>
-            </a:r>
-            <a:r>
-              <a:rPr lang="fr-FR" dirty="0" err="1"/>
-              <a:t>most</a:t>
-            </a:r>
-            <a:r>
-              <a:rPr lang="fr-FR" dirty="0"/>
-              <a:t> of the time not </a:t>
-            </a:r>
-            <a:r>
-              <a:rPr lang="fr-FR" dirty="0" err="1"/>
-              <a:t>directly</a:t>
-            </a:r>
-            <a:r>
-              <a:rPr lang="fr-FR" dirty="0"/>
-              <a:t> </a:t>
-            </a:r>
-            <a:r>
-              <a:rPr lang="fr-FR" dirty="0" err="1"/>
-              <a:t>available</a:t>
-            </a:r>
-            <a:r>
-              <a:rPr lang="fr-FR" dirty="0"/>
-              <a:t> and </a:t>
-            </a:r>
-            <a:r>
-              <a:rPr lang="fr-FR" dirty="0" err="1"/>
-              <a:t>need</a:t>
-            </a:r>
-            <a:r>
-              <a:rPr lang="fr-FR" dirty="0"/>
-              <a:t> to </a:t>
-            </a:r>
-            <a:r>
-              <a:rPr lang="fr-FR" dirty="0" err="1"/>
-              <a:t>be</a:t>
-            </a:r>
-            <a:r>
-              <a:rPr lang="fr-FR" dirty="0"/>
-              <a:t> </a:t>
-            </a:r>
-            <a:r>
-              <a:rPr lang="fr-FR" dirty="0" err="1"/>
-              <a:t>inferred</a:t>
-            </a:r>
-            <a:r>
-              <a:rPr lang="fr-FR" dirty="0"/>
-              <a:t> by </a:t>
-            </a:r>
-            <a:r>
-              <a:rPr lang="fr-FR" dirty="0" err="1"/>
-              <a:t>some</a:t>
-            </a:r>
-            <a:r>
-              <a:rPr lang="fr-FR" dirty="0"/>
-              <a:t> </a:t>
-            </a:r>
-            <a:r>
-              <a:rPr lang="fr-FR" dirty="0" err="1"/>
-              <a:t>method</a:t>
-            </a:r>
-            <a:endParaRPr lang="fr-FR" dirty="0"/>
-          </a:p>
-          <a:p>
-            <a:pPr marL="285750" lvl="0" indent="-285750">
-              <a:buFont typeface="Arial" panose="020B0604020202020204" pitchFamily="34" charset="0"/>
-              <a:buChar char="•"/>
-            </a:pPr>
-            <a:r>
-              <a:rPr lang="fr-FR" dirty="0" err="1"/>
-              <a:t>Therefore</a:t>
-            </a:r>
-            <a:r>
-              <a:rPr lang="fr-FR" dirty="0"/>
-              <a:t> </a:t>
-            </a:r>
-            <a:r>
-              <a:rPr lang="fr-FR" dirty="0" err="1"/>
-              <a:t>it</a:t>
-            </a:r>
-            <a:r>
-              <a:rPr lang="fr-FR" dirty="0"/>
-              <a:t> </a:t>
-            </a:r>
-            <a:r>
-              <a:rPr lang="fr-FR" dirty="0" err="1"/>
-              <a:t>is</a:t>
-            </a:r>
-            <a:r>
-              <a:rPr lang="fr-FR" dirty="0"/>
-              <a:t> a major </a:t>
-            </a:r>
-            <a:r>
-              <a:rPr lang="fr-FR" dirty="0" err="1"/>
-              <a:t>disadvantage</a:t>
-            </a:r>
-            <a:r>
-              <a:rPr lang="fr-FR" dirty="0"/>
-              <a:t>, </a:t>
-            </a:r>
-            <a:r>
-              <a:rPr lang="fr-FR" dirty="0" err="1"/>
-              <a:t>that</a:t>
-            </a:r>
-            <a:r>
-              <a:rPr lang="fr-FR" dirty="0"/>
-              <a:t> the performance of the </a:t>
-            </a:r>
-            <a:r>
-              <a:rPr lang="fr-FR" dirty="0" err="1"/>
-              <a:t>algorithm</a:t>
-            </a:r>
-            <a:r>
-              <a:rPr lang="fr-FR" dirty="0"/>
-              <a:t> </a:t>
-            </a:r>
-            <a:r>
-              <a:rPr lang="fr-FR" dirty="0" err="1"/>
-              <a:t>is</a:t>
-            </a:r>
-            <a:r>
-              <a:rPr lang="fr-FR" dirty="0"/>
-              <a:t> </a:t>
-            </a:r>
-            <a:r>
-              <a:rPr lang="fr-FR" dirty="0" err="1"/>
-              <a:t>highly</a:t>
-            </a:r>
-            <a:r>
-              <a:rPr lang="fr-FR" dirty="0"/>
-              <a:t> </a:t>
-            </a:r>
-            <a:r>
-              <a:rPr lang="fr-FR" dirty="0" err="1"/>
-              <a:t>dependent</a:t>
-            </a:r>
-            <a:r>
-              <a:rPr lang="fr-FR" dirty="0"/>
-              <a:t> on </a:t>
-            </a:r>
-            <a:r>
-              <a:rPr lang="fr-FR" dirty="0" err="1"/>
-              <a:t>accurate</a:t>
-            </a:r>
-            <a:r>
-              <a:rPr lang="fr-FR" dirty="0"/>
-              <a:t> graph estimations</a:t>
-            </a:r>
-            <a:endParaRPr lang="de-DE" dirty="0"/>
-          </a:p>
-        </p:txBody>
-      </p:sp>
-      <p:sp>
-        <p:nvSpPr>
-          <p:cNvPr id="4" name="Slide Number Placeholder 3"/>
-          <p:cNvSpPr>
-            <a:spLocks noGrp="1"/>
-          </p:cNvSpPr>
-          <p:nvPr>
-            <p:ph type="sldNum" sz="quarter" idx="5"/>
-          </p:nvPr>
-        </p:nvSpPr>
-        <p:spPr/>
-        <p:txBody>
-          <a:bodyPr/>
-          <a:lstStyle/>
-          <a:p>
-            <a:fld id="{F67FF89E-6E98-44FE-9350-B39EE48E6D79}" type="slidenum">
-              <a:rPr lang="de-DE" smtClean="0"/>
-              <a:t>13</a:t>
-            </a:fld>
-            <a:endParaRPr lang="de-DE"/>
-          </a:p>
-        </p:txBody>
-      </p:sp>
-    </p:spTree>
-    <p:extLst>
-      <p:ext uri="{BB962C8B-B14F-4D97-AF65-F5344CB8AC3E}">
-        <p14:creationId xmlns:p14="http://schemas.microsoft.com/office/powerpoint/2010/main" val="1690531568"/>
-      </p:ext>
-    </p:extLst>
-  </p:cSld>
-  <p:clrMapOvr>
-    <a:masterClrMapping/>
-  </p:clrMapOvr>
-</p:notes>
-</file>
-
-<file path=ppt/notesSlides/notesSlide14.xml><?xml version="1.0" encoding="utf-8"?>
-<p:notes xmlns:a="http://schemas.openxmlformats.org/drawingml/2006/main" xmlns:r="http://schemas.openxmlformats.org/officeDocument/2006/relationships" xmlns:p="http://schemas.openxmlformats.org/presentationml/2006/main">
-  <p:cSld>
-    <p:spTree>
-      <p:nvGrpSpPr>
-        <p:cNvPr id="1" name=""/>
-        <p:cNvGrpSpPr/>
-        <p:nvPr/>
-      </p:nvGrpSpPr>
-      <p:grpSpPr>
-        <a:xfrm>
-          <a:off x="0" y="0"/>
-          <a:ext cx="0" cy="0"/>
-          <a:chOff x="0" y="0"/>
-          <a:chExt cx="0" cy="0"/>
-        </a:xfrm>
-      </p:grpSpPr>
-      <p:sp>
-        <p:nvSpPr>
-          <p:cNvPr id="2" name="Slide Image Placeholder 1"/>
-          <p:cNvSpPr>
-            <a:spLocks noGrp="1" noRot="1" noChangeAspect="1"/>
-          </p:cNvSpPr>
-          <p:nvPr>
-            <p:ph type="sldImg"/>
-          </p:nvPr>
-        </p:nvSpPr>
-        <p:spPr/>
-      </p:sp>
-      <p:sp>
-        <p:nvSpPr>
-          <p:cNvPr id="3" name="Notes Placeholder 2"/>
-          <p:cNvSpPr>
-            <a:spLocks noGrp="1"/>
-          </p:cNvSpPr>
-          <p:nvPr>
-            <p:ph type="body" idx="1"/>
-          </p:nvPr>
-        </p:nvSpPr>
-        <p:spPr/>
-        <p:txBody>
-          <a:bodyPr/>
-          <a:lstStyle/>
-          <a:p>
-            <a:pPr marL="285750" indent="-285750">
-              <a:buFont typeface="Arial" panose="020B0604020202020204" pitchFamily="34" charset="0"/>
-              <a:buChar char="•"/>
-            </a:pPr>
-            <a:r>
-              <a:rPr lang="de-DE" dirty="0" err="1"/>
               <a:t>Comparing</a:t>
             </a:r>
             <a:r>
@@ -4379,7 +4036,7 @@
 </p:notes>
 </file>
 
-<file path=ppt/notesSlides/notesSlide15.xml><?xml version="1.0" encoding="utf-8"?>
+<file path=ppt/notesSlides/notesSlide14.xml><?xml version="1.0" encoding="utf-8"?>
 <p:notes xmlns:a="http://schemas.openxmlformats.org/drawingml/2006/main" xmlns:r="http://schemas.openxmlformats.org/officeDocument/2006/relationships" xmlns:p="http://schemas.openxmlformats.org/presentationml/2006/main">
   <p:cSld>
     <p:spTree>
@@ -4904,15 +4561,265 @@
             </a:pPr>
             <a:r>
               <a:rPr lang="de-DE" dirty="0"/>
-              <a:t>As Korbinian </a:t>
-            </a:r>
-            <a:r>
-              <a:rPr lang="de-DE" dirty="0" err="1"/>
-              <a:t>pointed</a:t>
-            </a:r>
-            <a:r>
-              <a:rPr lang="de-DE" dirty="0"/>
-              <a:t> out: </a:t>
+              <a:t>In 2010 a </a:t>
+            </a:r>
+            <a:r>
+              <a:rPr lang="de-DE" dirty="0" err="1"/>
+              <a:t>research</a:t>
+            </a:r>
+            <a:r>
+              <a:rPr lang="de-DE" dirty="0"/>
+              <a:t> </a:t>
+            </a:r>
+            <a:r>
+              <a:rPr lang="de-DE" dirty="0" err="1"/>
+              <a:t>team</a:t>
+            </a:r>
+            <a:r>
+              <a:rPr lang="de-DE" dirty="0"/>
+              <a:t> </a:t>
+            </a:r>
+            <a:r>
+              <a:rPr lang="de-DE" dirty="0" err="1"/>
+              <a:t>from</a:t>
+            </a:r>
+            <a:r>
+              <a:rPr lang="de-DE" dirty="0"/>
+              <a:t> Helmholtz Research Center </a:t>
+            </a:r>
+            <a:r>
+              <a:rPr lang="de-DE" dirty="0" err="1"/>
+              <a:t>came</a:t>
+            </a:r>
+            <a:r>
+              <a:rPr lang="de-DE" dirty="0"/>
+              <a:t> </a:t>
+            </a:r>
+            <a:r>
+              <a:rPr lang="de-DE" dirty="0" err="1"/>
+              <a:t>up</a:t>
+            </a:r>
+            <a:r>
+              <a:rPr lang="de-DE" dirty="0"/>
+              <a:t> </a:t>
+            </a:r>
+            <a:r>
+              <a:rPr lang="de-DE" dirty="0" err="1"/>
+              <a:t>with</a:t>
+            </a:r>
+            <a:r>
+              <a:rPr lang="de-DE" dirty="0"/>
+              <a:t> a </a:t>
+            </a:r>
+            <a:r>
+              <a:rPr lang="de-DE" dirty="0" err="1"/>
+              <a:t>method</a:t>
+            </a:r>
+            <a:r>
+              <a:rPr lang="de-DE" dirty="0"/>
+              <a:t> </a:t>
+            </a:r>
+            <a:r>
+              <a:rPr lang="de-DE" dirty="0" err="1"/>
+              <a:t>to</a:t>
+            </a:r>
+            <a:r>
+              <a:rPr lang="de-DE" dirty="0"/>
+              <a:t> </a:t>
+            </a:r>
+            <a:r>
+              <a:rPr lang="de-DE" dirty="0" err="1"/>
+              <a:t>use</a:t>
+            </a:r>
+            <a:r>
+              <a:rPr lang="de-DE" dirty="0"/>
+              <a:t> </a:t>
+            </a:r>
+            <a:r>
+              <a:rPr lang="de-DE" dirty="0" err="1"/>
+              <a:t>graph</a:t>
+            </a:r>
+            <a:r>
+              <a:rPr lang="de-DE" dirty="0"/>
+              <a:t> </a:t>
+            </a:r>
+            <a:r>
+              <a:rPr lang="de-DE" dirty="0" err="1"/>
+              <a:t>theory</a:t>
+            </a:r>
+            <a:r>
+              <a:rPr lang="de-DE" dirty="0"/>
+              <a:t> </a:t>
+            </a:r>
+            <a:r>
+              <a:rPr lang="de-DE" dirty="0" err="1"/>
+              <a:t>based</a:t>
+            </a:r>
+            <a:r>
+              <a:rPr lang="de-DE" dirty="0"/>
+              <a:t> Signal Separation </a:t>
+            </a:r>
+          </a:p>
+          <a:p>
+            <a:pPr marL="285750" indent="-285750">
+              <a:buFont typeface="Arial" panose="020B0604020202020204" pitchFamily="34" charset="0"/>
+              <a:buChar char="•"/>
+            </a:pPr>
+            <a:r>
+              <a:rPr lang="de-DE" dirty="0"/>
+              <a:t>10 </a:t>
+            </a:r>
+            <a:r>
+              <a:rPr lang="de-DE" dirty="0" err="1"/>
+              <a:t>years</a:t>
+            </a:r>
+            <a:r>
+              <a:rPr lang="de-DE" dirty="0"/>
+              <a:t> </a:t>
+            </a:r>
+            <a:r>
+              <a:rPr lang="de-DE" dirty="0" err="1"/>
+              <a:t>later</a:t>
+            </a:r>
+            <a:r>
+              <a:rPr lang="de-DE" dirty="0"/>
+              <a:t> - &gt; Aalto </a:t>
+            </a:r>
+            <a:r>
+              <a:rPr lang="de-DE" dirty="0" err="1"/>
+              <a:t>research</a:t>
+            </a:r>
+            <a:r>
+              <a:rPr lang="de-DE" dirty="0"/>
+              <a:t> </a:t>
+            </a:r>
+            <a:r>
+              <a:rPr lang="de-DE" dirty="0" err="1"/>
+              <a:t>group</a:t>
+            </a:r>
+            <a:r>
+              <a:rPr lang="de-DE" dirty="0"/>
+              <a:t> </a:t>
+            </a:r>
+            <a:r>
+              <a:rPr lang="de-DE" dirty="0" err="1"/>
+              <a:t>around</a:t>
+            </a:r>
+            <a:r>
+              <a:rPr lang="de-DE" dirty="0"/>
+              <a:t> Esa </a:t>
+            </a:r>
+            <a:r>
+              <a:rPr lang="de-DE" dirty="0" err="1"/>
+              <a:t>Ollila</a:t>
+            </a:r>
+            <a:r>
+              <a:rPr lang="de-DE" dirty="0"/>
+              <a:t> and Jari Miettinen </a:t>
+            </a:r>
+            <a:r>
+              <a:rPr lang="de-DE" dirty="0" err="1"/>
+              <a:t>came</a:t>
+            </a:r>
+            <a:r>
+              <a:rPr lang="de-DE" dirty="0"/>
+              <a:t> </a:t>
+            </a:r>
+            <a:r>
+              <a:rPr lang="de-DE" dirty="0" err="1"/>
+              <a:t>up</a:t>
+            </a:r>
+            <a:r>
+              <a:rPr lang="de-DE" dirty="0"/>
+              <a:t> </a:t>
+            </a:r>
+            <a:r>
+              <a:rPr lang="de-DE" dirty="0" err="1"/>
+              <a:t>with</a:t>
+            </a:r>
+            <a:r>
+              <a:rPr lang="de-DE" dirty="0"/>
+              <a:t> an </a:t>
+            </a:r>
+            <a:r>
+              <a:rPr lang="de-DE" dirty="0" err="1"/>
+              <a:t>approach</a:t>
+            </a:r>
+            <a:r>
+              <a:rPr lang="de-DE" dirty="0"/>
+              <a:t> </a:t>
+            </a:r>
+            <a:r>
+              <a:rPr lang="de-DE" dirty="0" err="1"/>
+              <a:t>to</a:t>
+            </a:r>
+            <a:r>
+              <a:rPr lang="de-DE" dirty="0"/>
+              <a:t> </a:t>
+            </a:r>
+            <a:r>
+              <a:rPr lang="de-DE" dirty="0" err="1"/>
+              <a:t>combine</a:t>
+            </a:r>
+            <a:r>
+              <a:rPr lang="de-DE" dirty="0"/>
+              <a:t> </a:t>
+            </a:r>
+            <a:r>
+              <a:rPr lang="de-DE" dirty="0" err="1"/>
+              <a:t>this</a:t>
+            </a:r>
+            <a:r>
+              <a:rPr lang="de-DE" dirty="0"/>
+              <a:t> </a:t>
+            </a:r>
+            <a:r>
+              <a:rPr lang="de-DE" dirty="0" err="1"/>
+              <a:t>graph</a:t>
+            </a:r>
+            <a:r>
+              <a:rPr lang="de-DE" dirty="0"/>
+              <a:t> </a:t>
+            </a:r>
+            <a:r>
+              <a:rPr lang="de-DE" dirty="0" err="1"/>
+              <a:t>based</a:t>
+            </a:r>
+            <a:r>
+              <a:rPr lang="de-DE" dirty="0"/>
+              <a:t> Method </a:t>
+            </a:r>
+            <a:r>
+              <a:rPr lang="de-DE" dirty="0" err="1"/>
+              <a:t>with</a:t>
+            </a:r>
+            <a:r>
+              <a:rPr lang="de-DE" dirty="0"/>
+              <a:t> non-</a:t>
+            </a:r>
+            <a:r>
+              <a:rPr lang="de-DE" dirty="0" err="1"/>
+              <a:t>Gaussianity</a:t>
+            </a:r>
+            <a:r>
+              <a:rPr lang="de-DE" dirty="0"/>
+              <a:t> </a:t>
+            </a:r>
+            <a:r>
+              <a:rPr lang="de-DE" dirty="0" err="1"/>
+              <a:t>based</a:t>
+            </a:r>
+            <a:r>
+              <a:rPr lang="de-DE" dirty="0"/>
+              <a:t> ICA </a:t>
+            </a:r>
+            <a:r>
+              <a:rPr lang="de-DE" dirty="0" err="1"/>
+              <a:t>by</a:t>
+            </a:r>
+            <a:r>
+              <a:rPr lang="de-DE" dirty="0"/>
+              <a:t>:</a:t>
             </a:r>
           </a:p>
           <a:p>
@@ -4922,382 +4829,43 @@
             </a:pPr>
             <a:r>
               <a:rPr lang="de-DE" dirty="0" err="1"/>
-              <a:t>we</a:t>
-            </a:r>
-            <a:r>
-              <a:rPr lang="de-DE" dirty="0"/>
-              <a:t> </a:t>
-            </a:r>
-            <a:r>
-              <a:rPr lang="de-DE" dirty="0" err="1"/>
-              <a:t>observe</a:t>
-            </a:r>
-            <a:r>
-              <a:rPr lang="de-DE" dirty="0"/>
-              <a:t> </a:t>
-            </a:r>
-            <a:r>
-              <a:rPr lang="de-DE" dirty="0" err="1"/>
-              <a:t>several</a:t>
-            </a:r>
-            <a:r>
-              <a:rPr lang="de-DE" dirty="0"/>
-              <a:t> </a:t>
-            </a:r>
-            <a:r>
-              <a:rPr lang="de-DE" dirty="0" err="1"/>
-              <a:t>deficits</a:t>
-            </a:r>
-            <a:r>
-              <a:rPr lang="de-DE" dirty="0"/>
-              <a:t> </a:t>
-            </a:r>
-            <a:r>
-              <a:rPr lang="de-DE" dirty="0" err="1"/>
-              <a:t>of</a:t>
-            </a:r>
-            <a:r>
-              <a:rPr lang="de-DE" dirty="0"/>
-              <a:t> </a:t>
-            </a:r>
-            <a:r>
-              <a:rPr lang="de-DE" dirty="0" err="1"/>
-              <a:t>the</a:t>
-            </a:r>
-            <a:r>
-              <a:rPr lang="de-DE" dirty="0"/>
-              <a:t> </a:t>
-            </a:r>
-            <a:r>
-              <a:rPr lang="de-DE" dirty="0" err="1"/>
-              <a:t>method</a:t>
-            </a:r>
-            <a:r>
-              <a:rPr lang="de-DE" dirty="0"/>
-              <a:t> ,</a:t>
-            </a:r>
-            <a:r>
-              <a:rPr lang="de-DE" dirty="0" err="1"/>
-              <a:t>which</a:t>
-            </a:r>
-            <a:r>
-              <a:rPr lang="de-DE" dirty="0"/>
-              <a:t> </a:t>
-            </a:r>
-            <a:r>
-              <a:rPr lang="de-DE" dirty="0" err="1"/>
-              <a:t>are</a:t>
-            </a:r>
-            <a:r>
-              <a:rPr lang="de-DE" dirty="0"/>
-              <a:t> </a:t>
-            </a:r>
-            <a:r>
-              <a:rPr lang="de-DE" dirty="0" err="1"/>
-              <a:t>cloesly</a:t>
-            </a:r>
-            <a:r>
-              <a:rPr lang="de-DE" dirty="0"/>
-              <a:t> </a:t>
-            </a:r>
-            <a:r>
-              <a:rPr lang="de-DE" dirty="0" err="1"/>
-              <a:t>related</a:t>
-            </a:r>
-            <a:r>
-              <a:rPr lang="de-DE" dirty="0"/>
-              <a:t> </a:t>
-            </a:r>
-            <a:r>
-              <a:rPr lang="de-DE" dirty="0" err="1"/>
-              <a:t>to</a:t>
-            </a:r>
-            <a:r>
-              <a:rPr lang="de-DE" dirty="0"/>
-              <a:t> </a:t>
-            </a:r>
-            <a:r>
-              <a:rPr lang="de-DE" dirty="0" err="1"/>
-              <a:t>the</a:t>
-            </a:r>
-            <a:r>
-              <a:rPr lang="de-DE" dirty="0"/>
-              <a:t> </a:t>
-            </a:r>
-            <a:r>
-              <a:rPr lang="de-DE" dirty="0" err="1"/>
-              <a:t>assumptions</a:t>
-            </a:r>
-            <a:r>
-              <a:rPr lang="de-DE" dirty="0"/>
-              <a:t> </a:t>
-            </a:r>
-            <a:r>
-              <a:rPr lang="de-DE" dirty="0" err="1"/>
-              <a:t>we</a:t>
-            </a:r>
-            <a:r>
-              <a:rPr lang="de-DE" dirty="0"/>
-              <a:t> </a:t>
-            </a:r>
-            <a:r>
-              <a:rPr lang="de-DE" dirty="0" err="1"/>
-              <a:t>made</a:t>
-            </a:r>
-            <a:r>
-              <a:rPr lang="de-DE" dirty="0"/>
-              <a:t> </a:t>
-            </a:r>
-            <a:r>
-              <a:rPr lang="de-DE" dirty="0" err="1"/>
-              <a:t>for</a:t>
-            </a:r>
-            <a:r>
-              <a:rPr lang="de-DE" dirty="0"/>
-              <a:t> ICA in </a:t>
-            </a:r>
-            <a:r>
-              <a:rPr lang="de-DE" dirty="0" err="1"/>
-              <a:t>general</a:t>
-            </a:r>
-            <a:endParaRPr lang="fr-FR" dirty="0"/>
+              <a:t>Maximizing</a:t>
+            </a:r>
+            <a:r>
+              <a:rPr lang="de-DE" dirty="0"/>
+              <a:t> </a:t>
+            </a:r>
+            <a:r>
+              <a:rPr lang="de-DE" dirty="0" err="1"/>
+              <a:t>some</a:t>
+            </a:r>
+            <a:r>
+              <a:rPr lang="de-DE" dirty="0"/>
+              <a:t> Non-</a:t>
+            </a:r>
+            <a:r>
+              <a:rPr lang="de-DE" dirty="0" err="1"/>
+              <a:t>Gaussianity</a:t>
+            </a:r>
+            <a:r>
+              <a:rPr lang="de-DE" dirty="0"/>
+              <a:t> </a:t>
+            </a:r>
+            <a:r>
+              <a:rPr lang="de-DE" dirty="0" err="1"/>
+              <a:t>measure</a:t>
+            </a:r>
+            <a:r>
+              <a:rPr lang="de-DE" dirty="0"/>
+              <a:t> and</a:t>
+            </a:r>
           </a:p>
           <a:p>
             <a:pPr marL="925830" lvl="1" indent="-285750">
               <a:buFont typeface="Arial" panose="020B0604020202020204" pitchFamily="34" charset="0"/>
               <a:buChar char="•"/>
             </a:pPr>
-            <a:r>
-              <a:rPr lang="fr-FR" dirty="0"/>
-              <a:t>1. The </a:t>
-            </a:r>
-            <a:r>
-              <a:rPr lang="fr-FR" dirty="0" err="1"/>
-              <a:t>Algorithm</a:t>
-            </a:r>
-            <a:r>
-              <a:rPr lang="fr-FR" dirty="0"/>
-              <a:t> </a:t>
-            </a:r>
-            <a:r>
-              <a:rPr lang="fr-FR" dirty="0" err="1"/>
-              <a:t>struggled</a:t>
-            </a:r>
-            <a:r>
-              <a:rPr lang="fr-FR" dirty="0"/>
-              <a:t> </a:t>
-            </a:r>
-            <a:r>
-              <a:rPr lang="fr-FR" dirty="0" err="1"/>
-              <a:t>with</a:t>
-            </a:r>
-            <a:r>
-              <a:rPr lang="fr-FR" dirty="0"/>
-              <a:t> </a:t>
-            </a:r>
-            <a:r>
-              <a:rPr lang="fr-FR" dirty="0" err="1"/>
-              <a:t>low</a:t>
-            </a:r>
-            <a:r>
-              <a:rPr lang="fr-FR" dirty="0"/>
-              <a:t> </a:t>
-            </a:r>
-            <a:r>
-              <a:rPr lang="fr-FR" dirty="0" err="1"/>
-              <a:t>numbers</a:t>
-            </a:r>
-            <a:r>
-              <a:rPr lang="fr-FR" dirty="0"/>
-              <a:t> of observations of the </a:t>
-            </a:r>
-            <a:r>
-              <a:rPr lang="fr-FR" dirty="0" err="1"/>
-              <a:t>signals</a:t>
-            </a:r>
-            <a:r>
-              <a:rPr lang="fr-FR" dirty="0"/>
-              <a:t>, </a:t>
-            </a:r>
-            <a:r>
-              <a:rPr lang="fr-FR" dirty="0" err="1"/>
-              <a:t>needed</a:t>
-            </a:r>
-            <a:r>
-              <a:rPr lang="fr-FR" dirty="0"/>
-              <a:t> at least 5000 to </a:t>
-            </a:r>
-            <a:r>
-              <a:rPr lang="fr-FR" dirty="0" err="1"/>
-              <a:t>perform</a:t>
-            </a:r>
-            <a:r>
-              <a:rPr lang="fr-FR" dirty="0"/>
-              <a:t> </a:t>
-            </a:r>
-            <a:r>
-              <a:rPr lang="fr-FR" dirty="0" err="1"/>
-              <a:t>well</a:t>
-            </a:r>
-            <a:r>
-              <a:rPr lang="fr-FR" dirty="0"/>
-              <a:t> </a:t>
-            </a:r>
-            <a:r>
-              <a:rPr lang="fr-FR" dirty="0" err="1"/>
-              <a:t>consistently</a:t>
-            </a:r>
-            <a:endParaRPr lang="fr-FR" dirty="0"/>
-          </a:p>
-          <a:p>
-            <a:pPr marL="925830" lvl="1" indent="-285750">
-              <a:buFont typeface="Arial" panose="020B0604020202020204" pitchFamily="34" charset="0"/>
-              <a:buChar char="•"/>
-            </a:pPr>
-            <a:r>
-              <a:rPr lang="fr-FR" dirty="0"/>
-              <a:t>2. </a:t>
-            </a:r>
-            <a:r>
-              <a:rPr lang="fr-FR" dirty="0" err="1"/>
-              <a:t>can’t</a:t>
-            </a:r>
-            <a:r>
-              <a:rPr lang="fr-FR" dirty="0"/>
-              <a:t> </a:t>
-            </a:r>
-            <a:r>
-              <a:rPr lang="fr-FR" dirty="0" err="1"/>
-              <a:t>recover</a:t>
-            </a:r>
-            <a:r>
-              <a:rPr lang="fr-FR" dirty="0"/>
-              <a:t> more </a:t>
-            </a:r>
-            <a:r>
-              <a:rPr lang="fr-FR" dirty="0" err="1"/>
-              <a:t>than</a:t>
-            </a:r>
-            <a:r>
-              <a:rPr lang="fr-FR" dirty="0"/>
-              <a:t> one </a:t>
-            </a:r>
-            <a:r>
-              <a:rPr lang="fr-FR" dirty="0" err="1"/>
-              <a:t>gaussian</a:t>
-            </a:r>
-            <a:r>
-              <a:rPr lang="fr-FR" dirty="0"/>
-              <a:t> signal</a:t>
-            </a:r>
-          </a:p>
-          <a:p>
-            <a:pPr marL="925830" lvl="1" indent="-285750">
-              <a:buFont typeface="Arial" panose="020B0604020202020204" pitchFamily="34" charset="0"/>
-              <a:buChar char="•"/>
-            </a:pPr>
-            <a:r>
-              <a:rPr lang="fr-FR" dirty="0"/>
-              <a:t>3. If  SNR &lt; 20dB, the </a:t>
-            </a:r>
-            <a:r>
-              <a:rPr lang="fr-FR" dirty="0" err="1"/>
-              <a:t>number</a:t>
-            </a:r>
-            <a:r>
-              <a:rPr lang="fr-FR" dirty="0"/>
-              <a:t> of </a:t>
-            </a:r>
-            <a:r>
-              <a:rPr lang="fr-FR" dirty="0" err="1"/>
-              <a:t>failures</a:t>
-            </a:r>
-            <a:r>
-              <a:rPr lang="fr-FR" dirty="0"/>
-              <a:t> </a:t>
-            </a:r>
-            <a:r>
-              <a:rPr lang="fr-FR" dirty="0" err="1"/>
-              <a:t>increases</a:t>
-            </a:r>
-            <a:endParaRPr lang="fr-FR" dirty="0"/>
-          </a:p>
-          <a:p>
-            <a:pPr marL="925830" lvl="1" indent="-285750">
-              <a:buFont typeface="Arial" panose="020B0604020202020204" pitchFamily="34" charset="0"/>
-              <a:buChar char="•"/>
-            </a:pPr>
-            <a:r>
-              <a:rPr lang="fr-FR" dirty="0"/>
-              <a:t>4. </a:t>
-            </a:r>
-            <a:r>
-              <a:rPr lang="fr-FR" dirty="0" err="1"/>
-              <a:t>Early</a:t>
-            </a:r>
-            <a:r>
-              <a:rPr lang="fr-FR" dirty="0"/>
-              <a:t> Breakdown for a single </a:t>
-            </a:r>
-            <a:r>
-              <a:rPr lang="fr-FR" dirty="0" err="1"/>
-              <a:t>outlier</a:t>
-            </a:r>
-            <a:r>
-              <a:rPr lang="fr-FR" dirty="0"/>
-              <a:t> </a:t>
-            </a:r>
-            <a:r>
-              <a:rPr lang="fr-FR" dirty="0" err="1"/>
-              <a:t>already</a:t>
-            </a:r>
-            <a:endParaRPr lang="fr-FR" dirty="0"/>
-          </a:p>
-          <a:p>
-            <a:pPr marL="285750" lvl="0" indent="-285750">
-              <a:buFont typeface="Arial" panose="020B0604020202020204" pitchFamily="34" charset="0"/>
-              <a:buChar char="•"/>
-            </a:pPr>
-            <a:r>
-              <a:rPr lang="fr-FR" dirty="0" err="1"/>
-              <a:t>Raises</a:t>
-            </a:r>
-            <a:r>
-              <a:rPr lang="fr-FR" dirty="0"/>
-              <a:t> the Question: </a:t>
-            </a:r>
-            <a:r>
-              <a:rPr lang="fr-FR" dirty="0" err="1"/>
-              <a:t>What</a:t>
-            </a:r>
-            <a:r>
-              <a:rPr lang="fr-FR" dirty="0"/>
-              <a:t> </a:t>
-            </a:r>
-            <a:r>
-              <a:rPr lang="fr-FR" dirty="0" err="1"/>
-              <a:t>other</a:t>
-            </a:r>
-            <a:r>
-              <a:rPr lang="fr-FR" dirty="0"/>
-              <a:t> </a:t>
-            </a:r>
-            <a:r>
-              <a:rPr lang="fr-FR" dirty="0" err="1"/>
-              <a:t>approaches</a:t>
-            </a:r>
-            <a:r>
-              <a:rPr lang="fr-FR" dirty="0"/>
-              <a:t> to ICA are </a:t>
-            </a:r>
-            <a:r>
-              <a:rPr lang="fr-FR" dirty="0" err="1"/>
-              <a:t>there</a:t>
-            </a:r>
-            <a:r>
-              <a:rPr lang="fr-FR" dirty="0"/>
-              <a:t>?</a:t>
-            </a:r>
+            <a:endParaRPr lang="de-DE" dirty="0"/>
           </a:p>
         </p:txBody>
       </p:sp>
@@ -5318,7 +4886,7 @@
           <a:p>
             <a:fld id="{F67FF89E-6E98-44FE-9350-B39EE48E6D79}" type="slidenum">
               <a:rPr lang="de-DE" smtClean="0"/>
-              <a:t>2</a:t>
+              <a:t>3</a:t>
             </a:fld>
             <a:endParaRPr lang="de-DE"/>
           </a:p>
@@ -5327,7 +4895,7 @@
     </p:spTree>
     <p:extLst>
       <p:ext uri="{BB962C8B-B14F-4D97-AF65-F5344CB8AC3E}">
-        <p14:creationId xmlns:p14="http://schemas.microsoft.com/office/powerpoint/2010/main" val="1634521839"/>
+        <p14:creationId xmlns:p14="http://schemas.microsoft.com/office/powerpoint/2010/main" val="2818449470"/>
       </p:ext>
     </p:extLst>
   </p:cSld>
@@ -5655,7 +5223,7 @@
             </a:pPr>
             <a:r>
               <a:rPr lang="de-DE" dirty="0" err="1"/>
-              <a:t>Maximizing</a:t>
+              <a:t>Using</a:t>
             </a:r>
             <a:r>
               <a:rPr lang="de-DE" dirty="0"/>
@@ -5683,15 +5251,135 @@
             </a:r>
             <a:r>
               <a:rPr lang="de-DE" dirty="0"/>
-              <a:t> and</a:t>
-            </a:r>
+              <a:t> and </a:t>
+            </a:r>
+            <a:r>
+              <a:rPr lang="de-DE" dirty="0" err="1"/>
+              <a:t>information</a:t>
+            </a:r>
+            <a:r>
+              <a:rPr lang="de-DE" dirty="0"/>
+              <a:t> </a:t>
+            </a:r>
+            <a:r>
+              <a:rPr lang="de-DE" dirty="0" err="1"/>
+              <a:t>about</a:t>
+            </a:r>
+            <a:r>
+              <a:rPr lang="de-DE" dirty="0"/>
+              <a:t> </a:t>
+            </a:r>
+            <a:r>
+              <a:rPr lang="de-DE" dirty="0" err="1"/>
+              <a:t>some</a:t>
+            </a:r>
+            <a:r>
+              <a:rPr lang="de-DE" dirty="0"/>
+              <a:t> network </a:t>
+            </a:r>
+            <a:r>
+              <a:rPr lang="de-DE" dirty="0" err="1"/>
+              <a:t>topology</a:t>
+            </a:r>
+            <a:endParaRPr lang="de-DE" dirty="0"/>
           </a:p>
           <a:p>
-            <a:pPr marL="925830" lvl="1" indent="-285750">
+            <a:pPr marL="285750" lvl="0" indent="-285750">
               <a:buFont typeface="Arial" panose="020B0604020202020204" pitchFamily="34" charset="0"/>
               <a:buChar char="•"/>
             </a:pPr>
-            <a:endParaRPr lang="de-DE" dirty="0"/>
+            <a:r>
+              <a:rPr lang="de-DE" dirty="0"/>
+              <a:t>At </a:t>
+            </a:r>
+            <a:r>
+              <a:rPr lang="de-DE" dirty="0" err="1"/>
+              <a:t>first</a:t>
+            </a:r>
+            <a:r>
+              <a:rPr lang="de-DE" dirty="0"/>
+              <a:t> </a:t>
+            </a:r>
+            <a:r>
+              <a:rPr lang="de-DE" dirty="0" err="1"/>
+              <a:t>this</a:t>
+            </a:r>
+            <a:r>
+              <a:rPr lang="de-DE" dirty="0"/>
+              <a:t> </a:t>
+            </a:r>
+            <a:r>
+              <a:rPr lang="de-DE" dirty="0" err="1"/>
+              <a:t>sounds</a:t>
+            </a:r>
+            <a:r>
+              <a:rPr lang="de-DE" dirty="0"/>
+              <a:t> </a:t>
+            </a:r>
+            <a:r>
+              <a:rPr lang="de-DE" dirty="0" err="1"/>
+              <a:t>very</a:t>
+            </a:r>
+            <a:r>
+              <a:rPr lang="de-DE" dirty="0"/>
+              <a:t> </a:t>
+            </a:r>
+            <a:r>
+              <a:rPr lang="de-DE" dirty="0" err="1"/>
+              <a:t>appealing</a:t>
+            </a:r>
+            <a:r>
+              <a:rPr lang="de-DE" dirty="0"/>
+              <a:t>, but </a:t>
+            </a:r>
+            <a:r>
+              <a:rPr lang="de-DE" dirty="0" err="1"/>
+              <a:t>one</a:t>
+            </a:r>
+            <a:r>
+              <a:rPr lang="de-DE" dirty="0"/>
+              <a:t> </a:t>
+            </a:r>
+            <a:r>
+              <a:rPr lang="de-DE" dirty="0" err="1"/>
+              <a:t>might</a:t>
+            </a:r>
+            <a:r>
+              <a:rPr lang="de-DE" dirty="0"/>
+              <a:t> </a:t>
+            </a:r>
+            <a:r>
+              <a:rPr lang="de-DE" dirty="0" err="1"/>
+              <a:t>ask</a:t>
+            </a:r>
+            <a:r>
+              <a:rPr lang="de-DE" dirty="0"/>
+              <a:t>: </a:t>
+            </a:r>
+            <a:r>
+              <a:rPr lang="de-DE" dirty="0" err="1"/>
+              <a:t>What</a:t>
+            </a:r>
+            <a:r>
+              <a:rPr lang="de-DE" dirty="0"/>
+              <a:t> </a:t>
+            </a:r>
+            <a:r>
+              <a:rPr lang="de-DE" dirty="0" err="1"/>
+              <a:t>are</a:t>
+            </a:r>
+            <a:r>
+              <a:rPr lang="de-DE" dirty="0"/>
+              <a:t> </a:t>
+            </a:r>
+            <a:r>
+              <a:rPr lang="de-DE" dirty="0" err="1"/>
+              <a:t>graphs</a:t>
+            </a:r>
+            <a:r>
+              <a:rPr lang="de-DE" dirty="0"/>
+              <a:t>?</a:t>
+            </a:r>
           </a:p>
         </p:txBody>
       </p:sp>
@@ -5712,7 +5400,7 @@
           <a:p>
             <a:fld id="{F67FF89E-6E98-44FE-9350-B39EE48E6D79}" type="slidenum">
               <a:rPr lang="de-DE" smtClean="0"/>
-              <a:t>3</a:t>
+              <a:t>4</a:t>
             </a:fld>
             <a:endParaRPr lang="de-DE"/>
           </a:p>
@@ -5721,7 +5409,7 @@
     </p:spTree>
     <p:extLst>
       <p:ext uri="{BB962C8B-B14F-4D97-AF65-F5344CB8AC3E}">
-        <p14:creationId xmlns:p14="http://schemas.microsoft.com/office/powerpoint/2010/main" val="2818449470"/>
+        <p14:creationId xmlns:p14="http://schemas.microsoft.com/office/powerpoint/2010/main" val="756678008"/>
       </p:ext>
     </p:extLst>
   </p:cSld>
@@ -5781,59 +5469,27 @@
             </a:pPr>
             <a:r>
               <a:rPr lang="de-DE" dirty="0"/>
-              <a:t>In 2010 a </a:t>
-            </a:r>
-            <a:r>
-              <a:rPr lang="de-DE" dirty="0" err="1"/>
-              <a:t>research</a:t>
-            </a:r>
-            <a:r>
-              <a:rPr lang="de-DE" dirty="0"/>
-              <a:t> </a:t>
-            </a:r>
-            <a:r>
-              <a:rPr lang="de-DE" dirty="0" err="1"/>
-              <a:t>team</a:t>
-            </a:r>
-            <a:r>
-              <a:rPr lang="de-DE" dirty="0"/>
-              <a:t> </a:t>
-            </a:r>
-            <a:r>
-              <a:rPr lang="de-DE" dirty="0" err="1"/>
-              <a:t>from</a:t>
-            </a:r>
-            <a:r>
-              <a:rPr lang="de-DE" dirty="0"/>
-              <a:t> Helmholtz Research Center </a:t>
-            </a:r>
-            <a:r>
-              <a:rPr lang="de-DE" dirty="0" err="1"/>
-              <a:t>came</a:t>
-            </a:r>
-            <a:r>
-              <a:rPr lang="de-DE" dirty="0"/>
-              <a:t> </a:t>
-            </a:r>
-            <a:r>
-              <a:rPr lang="de-DE" dirty="0" err="1"/>
-              <a:t>up</a:t>
-            </a:r>
-            <a:r>
-              <a:rPr lang="de-DE" dirty="0"/>
-              <a:t> </a:t>
-            </a:r>
-            <a:r>
-              <a:rPr lang="de-DE" dirty="0" err="1"/>
-              <a:t>with</a:t>
-            </a:r>
-            <a:r>
-              <a:rPr lang="de-DE" dirty="0"/>
-              <a:t> a </a:t>
-            </a:r>
-            <a:r>
-              <a:rPr lang="de-DE" dirty="0" err="1"/>
-              <a:t>method</a:t>
+              <a:t>In </a:t>
+            </a:r>
+            <a:r>
+              <a:rPr lang="de-DE" dirty="0" err="1"/>
+              <a:t>following</a:t>
+            </a:r>
+            <a:r>
+              <a:rPr lang="de-DE" dirty="0"/>
+              <a:t>: A </a:t>
+            </a:r>
+            <a:r>
+              <a:rPr lang="de-DE" dirty="0" err="1"/>
+              <a:t>short</a:t>
+            </a:r>
+            <a:r>
+              <a:rPr lang="de-DE" dirty="0"/>
+              <a:t> </a:t>
+            </a:r>
+            <a:r>
+              <a:rPr lang="de-DE" dirty="0" err="1"/>
+              <a:t>introduction</a:t>
             </a:r>
             <a:r>
               <a:rPr lang="de-DE" dirty="0"/>
@@ -5849,363 +5505,33 @@
             </a:r>
             <a:r>
               <a:rPr lang="de-DE" dirty="0" err="1"/>
-              <a:t>use</a:t>
-            </a:r>
-            <a:r>
-              <a:rPr lang="de-DE" dirty="0"/>
-              <a:t> </a:t>
-            </a:r>
-            <a:r>
-              <a:rPr lang="de-DE" dirty="0" err="1"/>
-              <a:t>graph</a:t>
-            </a:r>
-            <a:r>
-              <a:rPr lang="de-DE" dirty="0"/>
-              <a:t> </a:t>
-            </a:r>
-            <a:r>
-              <a:rPr lang="de-DE" dirty="0" err="1"/>
-              <a:t>theory</a:t>
-            </a:r>
-            <a:r>
-              <a:rPr lang="de-DE" dirty="0"/>
-              <a:t> </a:t>
-            </a:r>
-            <a:r>
-              <a:rPr lang="de-DE" dirty="0" err="1"/>
-              <a:t>based</a:t>
-            </a:r>
-            <a:r>
-              <a:rPr lang="de-DE" dirty="0"/>
-              <a:t> Signal Separation </a:t>
-            </a:r>
-          </a:p>
-          <a:p>
-            <a:pPr marL="285750" indent="-285750">
-              <a:buFont typeface="Arial" panose="020B0604020202020204" pitchFamily="34" charset="0"/>
-              <a:buChar char="•"/>
-            </a:pPr>
-            <a:r>
-              <a:rPr lang="de-DE" dirty="0"/>
-              <a:t>10 </a:t>
-            </a:r>
-            <a:r>
-              <a:rPr lang="de-DE" dirty="0" err="1"/>
-              <a:t>years</a:t>
-            </a:r>
-            <a:r>
-              <a:rPr lang="de-DE" dirty="0"/>
-              <a:t> </a:t>
-            </a:r>
-            <a:r>
-              <a:rPr lang="de-DE" dirty="0" err="1"/>
-              <a:t>later</a:t>
-            </a:r>
-            <a:r>
-              <a:rPr lang="de-DE" dirty="0"/>
-              <a:t> - &gt; Aalto </a:t>
-            </a:r>
-            <a:r>
-              <a:rPr lang="de-DE" dirty="0" err="1"/>
-              <a:t>research</a:t>
-            </a:r>
-            <a:r>
-              <a:rPr lang="de-DE" dirty="0"/>
-              <a:t> </a:t>
-            </a:r>
-            <a:r>
-              <a:rPr lang="de-DE" dirty="0" err="1"/>
-              <a:t>group</a:t>
-            </a:r>
-            <a:r>
-              <a:rPr lang="de-DE" dirty="0"/>
-              <a:t> </a:t>
-            </a:r>
-            <a:r>
-              <a:rPr lang="de-DE" dirty="0" err="1"/>
-              <a:t>around</a:t>
-            </a:r>
-            <a:r>
-              <a:rPr lang="de-DE" dirty="0"/>
-              <a:t> Esa </a:t>
-            </a:r>
-            <a:r>
-              <a:rPr lang="de-DE" dirty="0" err="1"/>
-              <a:t>Ollila</a:t>
-            </a:r>
-            <a:r>
-              <a:rPr lang="de-DE" dirty="0"/>
-              <a:t> and Jari Miettinen </a:t>
-            </a:r>
-            <a:r>
-              <a:rPr lang="de-DE" dirty="0" err="1"/>
-              <a:t>came</a:t>
-            </a:r>
-            <a:r>
-              <a:rPr lang="de-DE" dirty="0"/>
-              <a:t> </a:t>
-            </a:r>
-            <a:r>
-              <a:rPr lang="de-DE" dirty="0" err="1"/>
-              <a:t>up</a:t>
-            </a:r>
-            <a:r>
-              <a:rPr lang="de-DE" dirty="0"/>
-              <a:t> </a:t>
-            </a:r>
-            <a:r>
-              <a:rPr lang="de-DE" dirty="0" err="1"/>
-              <a:t>with</a:t>
-            </a:r>
-            <a:r>
-              <a:rPr lang="de-DE" dirty="0"/>
-              <a:t> an </a:t>
-            </a:r>
-            <a:r>
-              <a:rPr lang="de-DE" dirty="0" err="1"/>
-              <a:t>approach</a:t>
-            </a:r>
-            <a:r>
-              <a:rPr lang="de-DE" dirty="0"/>
-              <a:t> </a:t>
-            </a:r>
-            <a:r>
-              <a:rPr lang="de-DE" dirty="0" err="1"/>
-              <a:t>to</a:t>
-            </a:r>
-            <a:r>
-              <a:rPr lang="de-DE" dirty="0"/>
-              <a:t> </a:t>
-            </a:r>
-            <a:r>
-              <a:rPr lang="de-DE" dirty="0" err="1"/>
-              <a:t>combine</a:t>
-            </a:r>
-            <a:r>
-              <a:rPr lang="de-DE" dirty="0"/>
-              <a:t> </a:t>
-            </a:r>
-            <a:r>
-              <a:rPr lang="de-DE" dirty="0" err="1"/>
-              <a:t>this</a:t>
-            </a:r>
-            <a:r>
-              <a:rPr lang="de-DE" dirty="0"/>
-              <a:t> </a:t>
-            </a:r>
-            <a:r>
-              <a:rPr lang="de-DE" dirty="0" err="1"/>
-              <a:t>graph</a:t>
-            </a:r>
-            <a:r>
-              <a:rPr lang="de-DE" dirty="0"/>
-              <a:t> </a:t>
-            </a:r>
-            <a:r>
-              <a:rPr lang="de-DE" dirty="0" err="1"/>
-              <a:t>based</a:t>
-            </a:r>
-            <a:r>
-              <a:rPr lang="de-DE" dirty="0"/>
-              <a:t> Method </a:t>
-            </a:r>
-            <a:r>
-              <a:rPr lang="de-DE" dirty="0" err="1"/>
-              <a:t>with</a:t>
-            </a:r>
-            <a:r>
-              <a:rPr lang="de-DE" dirty="0"/>
-              <a:t> non-</a:t>
-            </a:r>
-            <a:r>
-              <a:rPr lang="de-DE" dirty="0" err="1"/>
-              <a:t>Gaussianity</a:t>
-            </a:r>
-            <a:r>
-              <a:rPr lang="de-DE" dirty="0"/>
-              <a:t> </a:t>
-            </a:r>
-            <a:r>
-              <a:rPr lang="de-DE" dirty="0" err="1"/>
-              <a:t>based</a:t>
-            </a:r>
-            <a:r>
-              <a:rPr lang="de-DE" dirty="0"/>
-              <a:t> ICA </a:t>
-            </a:r>
-            <a:r>
-              <a:rPr lang="de-DE" dirty="0" err="1"/>
-              <a:t>by</a:t>
-            </a:r>
-            <a:r>
-              <a:rPr lang="de-DE" dirty="0"/>
-              <a:t>:</a:t>
-            </a:r>
-          </a:p>
-          <a:p>
-            <a:pPr marL="925830" lvl="1" indent="-285750">
-              <a:buFont typeface="Arial" panose="020B0604020202020204" pitchFamily="34" charset="0"/>
-              <a:buChar char="•"/>
-            </a:pPr>
-            <a:r>
-              <a:rPr lang="de-DE" dirty="0" err="1"/>
-              <a:t>Using</a:t>
-            </a:r>
-            <a:r>
-              <a:rPr lang="de-DE" dirty="0"/>
-              <a:t> </a:t>
-            </a:r>
-            <a:r>
-              <a:rPr lang="de-DE" dirty="0" err="1"/>
-              <a:t>some</a:t>
-            </a:r>
-            <a:r>
-              <a:rPr lang="de-DE" dirty="0"/>
-              <a:t> Non-</a:t>
-            </a:r>
-            <a:r>
-              <a:rPr lang="de-DE" dirty="0" err="1"/>
-              <a:t>Gaussianity</a:t>
-            </a:r>
-            <a:r>
-              <a:rPr lang="de-DE" dirty="0"/>
-              <a:t> </a:t>
-            </a:r>
-            <a:r>
-              <a:rPr lang="de-DE" dirty="0" err="1"/>
-              <a:t>measure</a:t>
-            </a:r>
-            <a:r>
-              <a:rPr lang="de-DE" dirty="0"/>
-              <a:t> and </a:t>
-            </a:r>
-            <a:r>
-              <a:rPr lang="de-DE" dirty="0" err="1"/>
-              <a:t>information</a:t>
-            </a:r>
-            <a:r>
-              <a:rPr lang="de-DE" dirty="0"/>
-              <a:t> </a:t>
-            </a:r>
-            <a:r>
-              <a:rPr lang="de-DE" dirty="0" err="1"/>
-              <a:t>about</a:t>
-            </a:r>
-            <a:r>
-              <a:rPr lang="de-DE" dirty="0"/>
-              <a:t> </a:t>
-            </a:r>
-            <a:r>
-              <a:rPr lang="de-DE" dirty="0" err="1"/>
-              <a:t>some</a:t>
-            </a:r>
-            <a:r>
-              <a:rPr lang="de-DE" dirty="0"/>
-              <a:t> network </a:t>
-            </a:r>
-            <a:r>
-              <a:rPr lang="de-DE" dirty="0" err="1"/>
-              <a:t>topology</a:t>
-            </a:r>
-            <a:endParaRPr lang="de-DE" dirty="0"/>
-          </a:p>
-          <a:p>
-            <a:pPr marL="285750" lvl="0" indent="-285750">
-              <a:buFont typeface="Arial" panose="020B0604020202020204" pitchFamily="34" charset="0"/>
-              <a:buChar char="•"/>
-            </a:pPr>
-            <a:r>
-              <a:rPr lang="de-DE" dirty="0"/>
-              <a:t>At </a:t>
-            </a:r>
-            <a:r>
-              <a:rPr lang="de-DE" dirty="0" err="1"/>
-              <a:t>first</a:t>
-            </a:r>
-            <a:r>
-              <a:rPr lang="de-DE" dirty="0"/>
-              <a:t> </a:t>
-            </a:r>
-            <a:r>
-              <a:rPr lang="de-DE" dirty="0" err="1"/>
-              <a:t>this</a:t>
-            </a:r>
-            <a:r>
-              <a:rPr lang="de-DE" dirty="0"/>
-              <a:t> </a:t>
-            </a:r>
-            <a:r>
-              <a:rPr lang="de-DE" dirty="0" err="1"/>
-              <a:t>sounds</a:t>
-            </a:r>
-            <a:r>
-              <a:rPr lang="de-DE" dirty="0"/>
-              <a:t> </a:t>
-            </a:r>
-            <a:r>
-              <a:rPr lang="de-DE" dirty="0" err="1"/>
-              <a:t>very</a:t>
-            </a:r>
-            <a:r>
-              <a:rPr lang="de-DE" dirty="0"/>
-              <a:t> </a:t>
-            </a:r>
-            <a:r>
-              <a:rPr lang="de-DE" dirty="0" err="1"/>
-              <a:t>appealing</a:t>
-            </a:r>
-            <a:r>
-              <a:rPr lang="de-DE" dirty="0"/>
-              <a:t>, but </a:t>
-            </a:r>
-            <a:r>
-              <a:rPr lang="de-DE" dirty="0" err="1"/>
-              <a:t>one</a:t>
-            </a:r>
-            <a:r>
-              <a:rPr lang="de-DE" dirty="0"/>
-              <a:t> </a:t>
-            </a:r>
-            <a:r>
-              <a:rPr lang="de-DE" dirty="0" err="1"/>
-              <a:t>might</a:t>
-            </a:r>
-            <a:r>
-              <a:rPr lang="de-DE" dirty="0"/>
-              <a:t> </a:t>
-            </a:r>
-            <a:r>
-              <a:rPr lang="de-DE" dirty="0" err="1"/>
-              <a:t>ask</a:t>
-            </a:r>
-            <a:r>
-              <a:rPr lang="de-DE" dirty="0"/>
-              <a:t>: </a:t>
-            </a:r>
-            <a:r>
-              <a:rPr lang="de-DE" dirty="0" err="1"/>
-              <a:t>What</a:t>
-            </a:r>
-            <a:r>
-              <a:rPr lang="de-DE" dirty="0"/>
-              <a:t> </a:t>
-            </a:r>
-            <a:r>
-              <a:rPr lang="de-DE" dirty="0" err="1"/>
-              <a:t>are</a:t>
-            </a:r>
-            <a:r>
-              <a:rPr lang="de-DE" dirty="0"/>
-              <a:t> </a:t>
-            </a:r>
-            <a:r>
-              <a:rPr lang="de-DE" dirty="0" err="1"/>
-              <a:t>graphs</a:t>
-            </a:r>
-            <a:r>
-              <a:rPr lang="de-DE" dirty="0"/>
-              <a:t>?</a:t>
-            </a:r>
+              <a:t>the</a:t>
+            </a:r>
+            <a:r>
+              <a:rPr lang="de-DE" dirty="0"/>
+              <a:t> </a:t>
+            </a:r>
+            <a:r>
+              <a:rPr lang="de-DE" dirty="0" err="1"/>
+              <a:t>concepts</a:t>
+            </a:r>
+            <a:r>
+              <a:rPr lang="de-DE" dirty="0"/>
+              <a:t> </a:t>
+            </a:r>
+            <a:r>
+              <a:rPr lang="de-DE" dirty="0" err="1"/>
+              <a:t>we</a:t>
+            </a:r>
+            <a:r>
+              <a:rPr lang="de-DE" dirty="0"/>
+              <a:t> </a:t>
+            </a:r>
+            <a:r>
+              <a:rPr lang="de-DE" dirty="0" err="1"/>
+              <a:t>used</a:t>
+            </a:r>
+            <a:endParaRPr lang="fr-FR" dirty="0"/>
           </a:p>
         </p:txBody>
       </p:sp>
@@ -6226,7 +5552,7 @@
           <a:p>
             <a:fld id="{F67FF89E-6E98-44FE-9350-B39EE48E6D79}" type="slidenum">
               <a:rPr lang="de-DE" smtClean="0"/>
-              <a:t>4</a:t>
+              <a:t>5</a:t>
             </a:fld>
             <a:endParaRPr lang="de-DE"/>
           </a:p>
@@ -6235,7 +5561,7 @@
     </p:spTree>
     <p:extLst>
       <p:ext uri="{BB962C8B-B14F-4D97-AF65-F5344CB8AC3E}">
-        <p14:creationId xmlns:p14="http://schemas.microsoft.com/office/powerpoint/2010/main" val="756678008"/>
+        <p14:creationId xmlns:p14="http://schemas.microsoft.com/office/powerpoint/2010/main" val="1291923590"/>
       </p:ext>
     </p:extLst>
   </p:cSld>
@@ -6294,158 +5620,6 @@
               <a:buChar char="•"/>
             </a:pPr>
             <a:r>
-              <a:rPr lang="de-DE" dirty="0"/>
-              <a:t>In </a:t>
-            </a:r>
-            <a:r>
-              <a:rPr lang="de-DE" dirty="0" err="1"/>
-              <a:t>following</a:t>
-            </a:r>
-            <a:r>
-              <a:rPr lang="de-DE" dirty="0"/>
-              <a:t>: A </a:t>
-            </a:r>
-            <a:r>
-              <a:rPr lang="de-DE" dirty="0" err="1"/>
-              <a:t>short</a:t>
-            </a:r>
-            <a:r>
-              <a:rPr lang="de-DE" dirty="0"/>
-              <a:t> </a:t>
-            </a:r>
-            <a:r>
-              <a:rPr lang="de-DE" dirty="0" err="1"/>
-              <a:t>introduction</a:t>
-            </a:r>
-            <a:r>
-              <a:rPr lang="de-DE" dirty="0"/>
-              <a:t> </a:t>
-            </a:r>
-            <a:r>
-              <a:rPr lang="de-DE" dirty="0" err="1"/>
-              <a:t>to</a:t>
-            </a:r>
-            <a:r>
-              <a:rPr lang="de-DE" dirty="0"/>
-              <a:t> </a:t>
-            </a:r>
-            <a:r>
-              <a:rPr lang="de-DE" dirty="0" err="1"/>
-              <a:t>the</a:t>
-            </a:r>
-            <a:r>
-              <a:rPr lang="de-DE" dirty="0"/>
-              <a:t> </a:t>
-            </a:r>
-            <a:r>
-              <a:rPr lang="de-DE" dirty="0" err="1"/>
-              <a:t>concepts</a:t>
-            </a:r>
-            <a:r>
-              <a:rPr lang="de-DE" dirty="0"/>
-              <a:t> </a:t>
-            </a:r>
-            <a:r>
-              <a:rPr lang="de-DE" dirty="0" err="1"/>
-              <a:t>we</a:t>
-            </a:r>
-            <a:r>
-              <a:rPr lang="de-DE" dirty="0"/>
-              <a:t> </a:t>
-            </a:r>
-            <a:r>
-              <a:rPr lang="de-DE" dirty="0" err="1"/>
-              <a:t>used</a:t>
-            </a:r>
-            <a:endParaRPr lang="fr-FR" dirty="0"/>
-          </a:p>
-        </p:txBody>
-      </p:sp>
-      <p:sp>
-        <p:nvSpPr>
-          <p:cNvPr id="4" name="Slide Number Placeholder 3"/>
-          <p:cNvSpPr>
-            <a:spLocks noGrp="1"/>
-          </p:cNvSpPr>
-          <p:nvPr>
-            <p:ph type="sldNum" sz="quarter" idx="5"/>
-          </p:nvPr>
-        </p:nvSpPr>
-        <p:spPr/>
-        <p:txBody>
-          <a:bodyPr/>
-          <a:lstStyle/>
-          <a:p>
-            <a:fld id="{F67FF89E-6E98-44FE-9350-B39EE48E6D79}" type="slidenum">
-              <a:rPr lang="de-DE" smtClean="0"/>
-              <a:t>5</a:t>
-            </a:fld>
-            <a:endParaRPr lang="de-DE"/>
-          </a:p>
-        </p:txBody>
-      </p:sp>
-    </p:spTree>
-    <p:extLst>
-      <p:ext uri="{BB962C8B-B14F-4D97-AF65-F5344CB8AC3E}">
-        <p14:creationId xmlns:p14="http://schemas.microsoft.com/office/powerpoint/2010/main" val="1291923590"/>
-      </p:ext>
-    </p:extLst>
-  </p:cSld>
-  <p:clrMapOvr>
-    <a:masterClrMapping/>
-  </p:clrMapOvr>
-</p:notes>
-</file>
-
-<file path=ppt/notesSlides/notesSlide6.xml><?xml version="1.0" encoding="utf-8"?>
-<p:notes xmlns:a="http://schemas.openxmlformats.org/drawingml/2006/main" xmlns:r="http://schemas.openxmlformats.org/officeDocument/2006/relationships" xmlns:p="http://schemas.openxmlformats.org/presentationml/2006/main">
-  <p:cSld>
-    <p:spTree>
-      <p:nvGrpSpPr>
-        <p:cNvPr id="1" name=""/>
-        <p:cNvGrpSpPr/>
-        <p:nvPr/>
-      </p:nvGrpSpPr>
-      <p:grpSpPr>
-        <a:xfrm>
-          <a:off x="0" y="0"/>
-          <a:ext cx="0" cy="0"/>
-          <a:chOff x="0" y="0"/>
-          <a:chExt cx="0" cy="0"/>
-        </a:xfrm>
-      </p:grpSpPr>
-      <p:sp>
-        <p:nvSpPr>
-          <p:cNvPr id="2" name="Slide Image Placeholder 1"/>
-          <p:cNvSpPr>
-            <a:spLocks noGrp="1" noRot="1" noChangeAspect="1"/>
-          </p:cNvSpPr>
-          <p:nvPr>
-            <p:ph type="sldImg"/>
-          </p:nvPr>
-        </p:nvSpPr>
-        <p:spPr/>
-      </p:sp>
-      <p:sp>
-        <p:nvSpPr>
-          <p:cNvPr id="3" name="Notes Placeholder 2"/>
-          <p:cNvSpPr>
-            <a:spLocks noGrp="1"/>
-          </p:cNvSpPr>
-          <p:nvPr>
-            <p:ph type="body" idx="1"/>
-          </p:nvPr>
-        </p:nvSpPr>
-        <p:spPr/>
-        <p:txBody>
-          <a:bodyPr/>
-          <a:lstStyle/>
-          <a:p>
-            <a:pPr marL="285750" indent="-285750">
-              <a:buFont typeface="Arial" panose="020B0604020202020204" pitchFamily="34" charset="0"/>
-              <a:buChar char="•"/>
-            </a:pPr>
-            <a:r>
               <a:rPr lang="de-DE" dirty="0" err="1"/>
               <a:t>Firs</a:t>
             </a:r>
@@ -7063,7 +6237,7 @@
 </p:notes>
 </file>
 
-<file path=ppt/notesSlides/notesSlide7.xml><?xml version="1.0" encoding="utf-8"?>
+<file path=ppt/notesSlides/notesSlide6.xml><?xml version="1.0" encoding="utf-8"?>
 <p:notes xmlns:a="http://schemas.openxmlformats.org/drawingml/2006/main" xmlns:r="http://schemas.openxmlformats.org/officeDocument/2006/relationships" xmlns:p="http://schemas.openxmlformats.org/presentationml/2006/main">
   <p:cSld>
     <p:spTree>
@@ -7458,6 +6632,615 @@
 </p:notes>
 </file>
 
+<file path=ppt/notesSlides/notesSlide7.xml><?xml version="1.0" encoding="utf-8"?>
+<p:notes xmlns:a="http://schemas.openxmlformats.org/drawingml/2006/main" xmlns:r="http://schemas.openxmlformats.org/officeDocument/2006/relationships" xmlns:p="http://schemas.openxmlformats.org/presentationml/2006/main">
+  <p:cSld>
+    <p:spTree>
+      <p:nvGrpSpPr>
+        <p:cNvPr id="1" name=""/>
+        <p:cNvGrpSpPr/>
+        <p:nvPr/>
+      </p:nvGrpSpPr>
+      <p:grpSpPr>
+        <a:xfrm>
+          <a:off x="0" y="0"/>
+          <a:ext cx="0" cy="0"/>
+          <a:chOff x="0" y="0"/>
+          <a:chExt cx="0" cy="0"/>
+        </a:xfrm>
+      </p:grpSpPr>
+      <p:sp>
+        <p:nvSpPr>
+          <p:cNvPr id="2" name="Slide Image Placeholder 1"/>
+          <p:cNvSpPr>
+            <a:spLocks noGrp="1" noRot="1" noChangeAspect="1"/>
+          </p:cNvSpPr>
+          <p:nvPr>
+            <p:ph type="sldImg"/>
+          </p:nvPr>
+        </p:nvSpPr>
+        <p:spPr/>
+      </p:sp>
+      <p:sp>
+        <p:nvSpPr>
+          <p:cNvPr id="3" name="Notes Placeholder 2"/>
+          <p:cNvSpPr>
+            <a:spLocks noGrp="1"/>
+          </p:cNvSpPr>
+          <p:nvPr>
+            <p:ph type="body" idx="1"/>
+          </p:nvPr>
+        </p:nvSpPr>
+        <p:spPr/>
+        <p:txBody>
+          <a:bodyPr/>
+          <a:lstStyle/>
+          <a:p>
+            <a:pPr marL="285750" indent="-285750">
+              <a:buFont typeface="Arial" panose="020B0604020202020204" pitchFamily="34" charset="0"/>
+              <a:buChar char="•"/>
+            </a:pPr>
+            <a:r>
+              <a:rPr lang="de-DE" dirty="0" err="1"/>
+              <a:t>Now</a:t>
+            </a:r>
+            <a:r>
+              <a:rPr lang="de-DE" dirty="0"/>
+              <a:t> </a:t>
+            </a:r>
+            <a:r>
+              <a:rPr lang="de-DE" dirty="0" err="1"/>
+              <a:t>that</a:t>
+            </a:r>
+            <a:r>
+              <a:rPr lang="de-DE" dirty="0"/>
+              <a:t> </a:t>
+            </a:r>
+            <a:r>
+              <a:rPr lang="de-DE" dirty="0" err="1"/>
+              <a:t>we</a:t>
+            </a:r>
+            <a:r>
+              <a:rPr lang="de-DE" dirty="0"/>
+              <a:t> </a:t>
+            </a:r>
+            <a:r>
+              <a:rPr lang="de-DE" dirty="0" err="1"/>
+              <a:t>know</a:t>
+            </a:r>
+            <a:r>
+              <a:rPr lang="de-DE" dirty="0"/>
+              <a:t> Graphs, </a:t>
+            </a:r>
+            <a:r>
+              <a:rPr lang="de-DE" dirty="0" err="1"/>
+              <a:t>we</a:t>
+            </a:r>
+            <a:r>
+              <a:rPr lang="de-DE" dirty="0"/>
+              <a:t> </a:t>
+            </a:r>
+            <a:r>
+              <a:rPr lang="de-DE" dirty="0" err="1"/>
+              <a:t>can</a:t>
+            </a:r>
+            <a:r>
+              <a:rPr lang="de-DE" dirty="0"/>
+              <a:t> </a:t>
+            </a:r>
+            <a:r>
+              <a:rPr lang="de-DE" dirty="0" err="1"/>
+              <a:t>introduce</a:t>
+            </a:r>
+            <a:r>
+              <a:rPr lang="de-DE" dirty="0"/>
+              <a:t> </a:t>
+            </a:r>
+            <a:r>
+              <a:rPr lang="de-DE" dirty="0" err="1"/>
+              <a:t>the</a:t>
+            </a:r>
+            <a:r>
+              <a:rPr lang="de-DE" dirty="0"/>
+              <a:t> </a:t>
+            </a:r>
+            <a:r>
+              <a:rPr lang="de-DE" dirty="0" err="1"/>
+              <a:t>concept</a:t>
+            </a:r>
+            <a:r>
+              <a:rPr lang="de-DE" dirty="0"/>
+              <a:t> </a:t>
+            </a:r>
+            <a:r>
+              <a:rPr lang="de-DE" dirty="0" err="1"/>
+              <a:t>of</a:t>
+            </a:r>
+            <a:r>
+              <a:rPr lang="de-DE" dirty="0"/>
+              <a:t> Signals on </a:t>
+            </a:r>
+            <a:r>
+              <a:rPr lang="de-DE" dirty="0" err="1"/>
+              <a:t>this</a:t>
+            </a:r>
+            <a:r>
+              <a:rPr lang="de-DE" dirty="0"/>
+              <a:t> </a:t>
+            </a:r>
+            <a:r>
+              <a:rPr lang="de-DE" dirty="0" err="1"/>
+              <a:t>graph</a:t>
+            </a:r>
+            <a:endParaRPr lang="de-DE" dirty="0"/>
+          </a:p>
+          <a:p>
+            <a:pPr marL="285750" indent="-285750">
+              <a:buFont typeface="Arial" panose="020B0604020202020204" pitchFamily="34" charset="0"/>
+              <a:buChar char="•"/>
+            </a:pPr>
+            <a:r>
+              <a:rPr lang="de-DE" dirty="0" err="1"/>
+              <a:t>Actually</a:t>
+            </a:r>
+            <a:r>
+              <a:rPr lang="de-DE" dirty="0"/>
+              <a:t> </a:t>
+            </a:r>
+            <a:r>
+              <a:rPr lang="de-DE" dirty="0" err="1"/>
+              <a:t>we</a:t>
+            </a:r>
+            <a:r>
+              <a:rPr lang="de-DE" dirty="0"/>
+              <a:t> </a:t>
+            </a:r>
+            <a:r>
+              <a:rPr lang="de-DE" dirty="0" err="1"/>
+              <a:t>already</a:t>
+            </a:r>
+            <a:r>
+              <a:rPr lang="de-DE" dirty="0"/>
+              <a:t> </a:t>
+            </a:r>
+            <a:r>
+              <a:rPr lang="de-DE" dirty="0" err="1"/>
+              <a:t>know</a:t>
+            </a:r>
+            <a:r>
+              <a:rPr lang="de-DE" dirty="0"/>
+              <a:t> </a:t>
+            </a:r>
+            <a:r>
+              <a:rPr lang="de-DE" dirty="0" err="1"/>
+              <a:t>one</a:t>
+            </a:r>
+            <a:r>
+              <a:rPr lang="de-DE" dirty="0"/>
+              <a:t> =&gt; </a:t>
+            </a:r>
+            <a:r>
+              <a:rPr lang="de-DE" dirty="0" err="1"/>
+              <a:t>the</a:t>
+            </a:r>
+            <a:r>
+              <a:rPr lang="de-DE" dirty="0"/>
+              <a:t> time </a:t>
+            </a:r>
+            <a:r>
+              <a:rPr lang="de-DE" dirty="0" err="1"/>
+              <a:t>axis</a:t>
+            </a:r>
+            <a:r>
+              <a:rPr lang="de-DE" dirty="0"/>
+              <a:t> in </a:t>
+            </a:r>
+            <a:r>
+              <a:rPr lang="de-DE" dirty="0" err="1"/>
+              <a:t>discrete</a:t>
+            </a:r>
+            <a:r>
+              <a:rPr lang="de-DE" dirty="0"/>
+              <a:t> time </a:t>
+            </a:r>
+            <a:r>
+              <a:rPr lang="de-DE" dirty="0" err="1"/>
+              <a:t>signals</a:t>
+            </a:r>
+            <a:r>
+              <a:rPr lang="de-DE" dirty="0"/>
+              <a:t> </a:t>
+            </a:r>
+            <a:r>
+              <a:rPr lang="de-DE" dirty="0" err="1"/>
+              <a:t>can</a:t>
+            </a:r>
+            <a:r>
+              <a:rPr lang="de-DE" dirty="0"/>
+              <a:t> </a:t>
+            </a:r>
+            <a:r>
+              <a:rPr lang="de-DE" dirty="0" err="1"/>
+              <a:t>be</a:t>
+            </a:r>
+            <a:r>
+              <a:rPr lang="de-DE" dirty="0"/>
+              <a:t> </a:t>
+            </a:r>
+            <a:r>
+              <a:rPr lang="de-DE" dirty="0" err="1"/>
+              <a:t>represented</a:t>
+            </a:r>
+            <a:r>
+              <a:rPr lang="de-DE" dirty="0"/>
+              <a:t> </a:t>
+            </a:r>
+            <a:r>
+              <a:rPr lang="de-DE" dirty="0" err="1"/>
+              <a:t>as</a:t>
+            </a:r>
+            <a:r>
+              <a:rPr lang="de-DE" dirty="0"/>
+              <a:t> Line </a:t>
+            </a:r>
+            <a:r>
+              <a:rPr lang="de-DE" dirty="0" err="1"/>
+              <a:t>graph</a:t>
+            </a:r>
+            <a:r>
+              <a:rPr lang="de-DE" dirty="0"/>
+              <a:t>, in </a:t>
+            </a:r>
+            <a:r>
+              <a:rPr lang="de-DE" dirty="0" err="1"/>
+              <a:t>the</a:t>
+            </a:r>
+            <a:r>
+              <a:rPr lang="de-DE" dirty="0"/>
+              <a:t> </a:t>
+            </a:r>
+            <a:r>
+              <a:rPr lang="de-DE" dirty="0" err="1"/>
+              <a:t>case</a:t>
+            </a:r>
+            <a:r>
+              <a:rPr lang="de-DE" dirty="0"/>
+              <a:t> </a:t>
+            </a:r>
+            <a:r>
+              <a:rPr lang="de-DE" dirty="0" err="1"/>
+              <a:t>of</a:t>
+            </a:r>
+            <a:r>
+              <a:rPr lang="de-DE" dirty="0"/>
+              <a:t> </a:t>
+            </a:r>
+            <a:r>
+              <a:rPr lang="de-DE" dirty="0" err="1"/>
+              <a:t>periodic</a:t>
+            </a:r>
+            <a:r>
+              <a:rPr lang="de-DE" dirty="0"/>
+              <a:t> </a:t>
+            </a:r>
+            <a:r>
+              <a:rPr lang="de-DE" dirty="0" err="1"/>
+              <a:t>signals</a:t>
+            </a:r>
+            <a:r>
+              <a:rPr lang="de-DE" dirty="0"/>
+              <a:t> </a:t>
+            </a:r>
+            <a:r>
+              <a:rPr lang="de-DE" dirty="0" err="1"/>
+              <a:t>it</a:t>
+            </a:r>
+            <a:r>
+              <a:rPr lang="de-DE" dirty="0"/>
+              <a:t> </a:t>
+            </a:r>
+            <a:r>
+              <a:rPr lang="de-DE" dirty="0" err="1"/>
+              <a:t>woul</a:t>
+            </a:r>
+            <a:r>
+              <a:rPr lang="de-DE" dirty="0"/>
+              <a:t> </a:t>
+            </a:r>
+            <a:r>
+              <a:rPr lang="de-DE" dirty="0" err="1"/>
+              <a:t>be</a:t>
+            </a:r>
+            <a:r>
+              <a:rPr lang="de-DE" dirty="0"/>
+              <a:t> a </a:t>
+            </a:r>
+            <a:r>
+              <a:rPr lang="de-DE" dirty="0" err="1"/>
+              <a:t>recursive</a:t>
+            </a:r>
+            <a:r>
+              <a:rPr lang="de-DE" dirty="0"/>
+              <a:t> </a:t>
+            </a:r>
+            <a:r>
+              <a:rPr lang="de-DE" dirty="0" err="1"/>
+              <a:t>or</a:t>
+            </a:r>
+            <a:r>
+              <a:rPr lang="de-DE" dirty="0"/>
+              <a:t> </a:t>
+            </a:r>
+            <a:r>
+              <a:rPr lang="de-DE" dirty="0" err="1"/>
+              <a:t>cyclic</a:t>
+            </a:r>
+            <a:r>
+              <a:rPr lang="de-DE" dirty="0"/>
+              <a:t> </a:t>
+            </a:r>
+            <a:r>
+              <a:rPr lang="de-DE" dirty="0" err="1"/>
+              <a:t>line</a:t>
+            </a:r>
+            <a:r>
+              <a:rPr lang="de-DE" dirty="0"/>
+              <a:t> </a:t>
+            </a:r>
+            <a:r>
+              <a:rPr lang="de-DE" dirty="0" err="1"/>
+              <a:t>graph</a:t>
+            </a:r>
+            <a:r>
+              <a:rPr lang="de-DE" dirty="0"/>
+              <a:t> </a:t>
+            </a:r>
+            <a:r>
+              <a:rPr lang="de-DE" dirty="0" err="1"/>
+              <a:t>as</a:t>
+            </a:r>
+            <a:r>
+              <a:rPr lang="de-DE" dirty="0"/>
+              <a:t> </a:t>
+            </a:r>
+            <a:r>
+              <a:rPr lang="de-DE" dirty="0" err="1"/>
+              <a:t>shown</a:t>
+            </a:r>
+            <a:r>
+              <a:rPr lang="de-DE" dirty="0"/>
+              <a:t> </a:t>
+            </a:r>
+            <a:r>
+              <a:rPr lang="de-DE" dirty="0" err="1"/>
+              <a:t>here</a:t>
+            </a:r>
+            <a:endParaRPr lang="de-DE" dirty="0"/>
+          </a:p>
+          <a:p>
+            <a:pPr marL="285750" indent="-285750">
+              <a:buFont typeface="Arial" panose="020B0604020202020204" pitchFamily="34" charset="0"/>
+              <a:buChar char="•"/>
+            </a:pPr>
+            <a:r>
+              <a:rPr lang="de-DE" dirty="0"/>
+              <a:t>This </a:t>
+            </a:r>
+            <a:r>
+              <a:rPr lang="de-DE" dirty="0" err="1"/>
+              <a:t>graph</a:t>
+            </a:r>
+            <a:r>
+              <a:rPr lang="de-DE" dirty="0"/>
+              <a:t> </a:t>
+            </a:r>
+            <a:r>
+              <a:rPr lang="de-DE" dirty="0" err="1"/>
+              <a:t>is</a:t>
+            </a:r>
+            <a:r>
+              <a:rPr lang="de-DE" dirty="0"/>
+              <a:t> </a:t>
+            </a:r>
+            <a:r>
+              <a:rPr lang="de-DE" dirty="0" err="1"/>
+              <a:t>directed</a:t>
+            </a:r>
+            <a:r>
+              <a:rPr lang="de-DE" dirty="0"/>
+              <a:t> (</a:t>
+            </a:r>
+            <a:r>
+              <a:rPr lang="de-DE" dirty="0" err="1"/>
+              <a:t>because</a:t>
+            </a:r>
+            <a:r>
+              <a:rPr lang="de-DE" dirty="0"/>
+              <a:t> </a:t>
+            </a:r>
+            <a:r>
+              <a:rPr lang="de-DE" dirty="0" err="1"/>
+              <a:t>flow</a:t>
+            </a:r>
+            <a:r>
+              <a:rPr lang="de-DE" dirty="0"/>
+              <a:t> </a:t>
+            </a:r>
+            <a:r>
+              <a:rPr lang="de-DE" dirty="0" err="1"/>
+              <a:t>of</a:t>
+            </a:r>
+            <a:r>
+              <a:rPr lang="de-DE" dirty="0"/>
+              <a:t> time </a:t>
+            </a:r>
+            <a:r>
+              <a:rPr lang="de-DE" dirty="0" err="1"/>
+              <a:t>is</a:t>
+            </a:r>
+            <a:r>
+              <a:rPr lang="de-DE" dirty="0"/>
+              <a:t> </a:t>
+            </a:r>
+            <a:r>
+              <a:rPr lang="de-DE" dirty="0" err="1"/>
+              <a:t>directed</a:t>
+            </a:r>
+            <a:r>
+              <a:rPr lang="de-DE" dirty="0"/>
+              <a:t>) =&gt; </a:t>
+            </a:r>
+            <a:r>
+              <a:rPr lang="de-DE" dirty="0" err="1"/>
+              <a:t>leads</a:t>
+            </a:r>
+            <a:r>
+              <a:rPr lang="de-DE" dirty="0"/>
+              <a:t> </a:t>
+            </a:r>
+            <a:r>
+              <a:rPr lang="de-DE" dirty="0" err="1"/>
+              <a:t>to</a:t>
+            </a:r>
+            <a:r>
+              <a:rPr lang="de-DE" dirty="0"/>
+              <a:t> A </a:t>
+            </a:r>
+            <a:r>
+              <a:rPr lang="de-DE" dirty="0" err="1"/>
+              <a:t>unsymmetric</a:t>
+            </a:r>
+            <a:endParaRPr lang="de-DE" dirty="0"/>
+          </a:p>
+          <a:p>
+            <a:pPr marL="285750" indent="-285750">
+              <a:buFont typeface="Arial" panose="020B0604020202020204" pitchFamily="34" charset="0"/>
+              <a:buChar char="•"/>
+            </a:pPr>
+            <a:r>
+              <a:rPr lang="de-DE" dirty="0"/>
+              <a:t>In </a:t>
+            </a:r>
+            <a:r>
+              <a:rPr lang="de-DE" dirty="0" err="1"/>
+              <a:t>this</a:t>
+            </a:r>
+            <a:r>
+              <a:rPr lang="de-DE" dirty="0"/>
+              <a:t> </a:t>
+            </a:r>
+            <a:r>
+              <a:rPr lang="de-DE" dirty="0" err="1"/>
+              <a:t>representation</a:t>
+            </a:r>
+            <a:r>
+              <a:rPr lang="de-DE" dirty="0"/>
+              <a:t> </a:t>
+            </a:r>
+            <a:r>
+              <a:rPr lang="de-DE" dirty="0" err="1"/>
+              <a:t>each</a:t>
+            </a:r>
+            <a:r>
+              <a:rPr lang="de-DE" dirty="0"/>
+              <a:t> </a:t>
+            </a:r>
+            <a:r>
+              <a:rPr lang="de-DE" dirty="0" err="1"/>
+              <a:t>node</a:t>
+            </a:r>
+            <a:r>
+              <a:rPr lang="de-DE" dirty="0"/>
+              <a:t> </a:t>
+            </a:r>
+            <a:r>
+              <a:rPr lang="de-DE" dirty="0" err="1"/>
+              <a:t>of</a:t>
+            </a:r>
+            <a:r>
+              <a:rPr lang="de-DE" dirty="0"/>
+              <a:t> </a:t>
+            </a:r>
+            <a:r>
+              <a:rPr lang="de-DE" dirty="0" err="1"/>
+              <a:t>the</a:t>
+            </a:r>
+            <a:r>
+              <a:rPr lang="de-DE" dirty="0"/>
+              <a:t> Graph </a:t>
+            </a:r>
+            <a:r>
+              <a:rPr lang="de-DE" dirty="0" err="1"/>
+              <a:t>represents</a:t>
+            </a:r>
+            <a:r>
+              <a:rPr lang="de-DE" dirty="0"/>
+              <a:t> a time </a:t>
+            </a:r>
+            <a:r>
+              <a:rPr lang="de-DE" dirty="0" err="1"/>
+              <a:t>instance</a:t>
+            </a:r>
+            <a:r>
+              <a:rPr lang="de-DE" dirty="0"/>
+              <a:t> </a:t>
+            </a:r>
+            <a:r>
+              <a:rPr lang="de-DE" dirty="0" err="1"/>
+              <a:t>of</a:t>
+            </a:r>
+            <a:r>
+              <a:rPr lang="de-DE" dirty="0"/>
+              <a:t> </a:t>
+            </a:r>
+            <a:r>
+              <a:rPr lang="de-DE" dirty="0" err="1"/>
+              <a:t>the</a:t>
+            </a:r>
+            <a:r>
+              <a:rPr lang="de-DE" dirty="0"/>
+              <a:t> Signal</a:t>
+            </a:r>
+            <a:endParaRPr lang="fr-FR" dirty="0"/>
+          </a:p>
+        </p:txBody>
+      </p:sp>
+      <p:sp>
+        <p:nvSpPr>
+          <p:cNvPr id="4" name="Slide Number Placeholder 3"/>
+          <p:cNvSpPr>
+            <a:spLocks noGrp="1"/>
+          </p:cNvSpPr>
+          <p:nvPr>
+            <p:ph type="sldNum" sz="quarter" idx="5"/>
+          </p:nvPr>
+        </p:nvSpPr>
+        <p:spPr/>
+        <p:txBody>
+          <a:bodyPr/>
+          <a:lstStyle/>
+          <a:p>
+            <a:fld id="{F67FF89E-6E98-44FE-9350-B39EE48E6D79}" type="slidenum">
+              <a:rPr lang="de-DE" smtClean="0"/>
+              <a:t>8</a:t>
+            </a:fld>
+            <a:endParaRPr lang="de-DE"/>
+          </a:p>
+        </p:txBody>
+      </p:sp>
+    </p:spTree>
+    <p:extLst>
+      <p:ext uri="{BB962C8B-B14F-4D97-AF65-F5344CB8AC3E}">
+        <p14:creationId xmlns:p14="http://schemas.microsoft.com/office/powerpoint/2010/main" val="404587693"/>
+      </p:ext>
+    </p:extLst>
+  </p:cSld>
+  <p:clrMapOvr>
+    <a:masterClrMapping/>
+  </p:clrMapOvr>
+</p:notes>
+</file>
+
 <file path=ppt/notesSlides/notesSlide8.xml><?xml version="1.0" encoding="utf-8"?>
 <p:notes xmlns:a="http://schemas.openxmlformats.org/drawingml/2006/main" xmlns:r="http://schemas.openxmlformats.org/officeDocument/2006/relationships" xmlns:p="http://schemas.openxmlformats.org/presentationml/2006/main">
   <p:cSld>
@@ -7508,59 +7291,35 @@
             </a:pPr>
             <a:r>
               <a:rPr lang="de-DE" dirty="0" err="1"/>
-              <a:t>Now</a:t>
-            </a:r>
-            <a:r>
-              <a:rPr lang="de-DE" dirty="0"/>
-              <a:t> </a:t>
-            </a:r>
-            <a:r>
-              <a:rPr lang="de-DE" dirty="0" err="1"/>
-              <a:t>that</a:t>
-            </a:r>
-            <a:r>
-              <a:rPr lang="de-DE" dirty="0"/>
-              <a:t> </a:t>
-            </a:r>
-            <a:r>
-              <a:rPr lang="de-DE" dirty="0" err="1"/>
-              <a:t>we</a:t>
-            </a:r>
-            <a:r>
-              <a:rPr lang="de-DE" dirty="0"/>
-              <a:t> </a:t>
-            </a:r>
-            <a:r>
-              <a:rPr lang="de-DE" dirty="0" err="1"/>
-              <a:t>know</a:t>
-            </a:r>
-            <a:r>
-              <a:rPr lang="de-DE" dirty="0"/>
-              <a:t> Graphs, </a:t>
-            </a:r>
-            <a:r>
-              <a:rPr lang="de-DE" dirty="0" err="1"/>
-              <a:t>we</a:t>
-            </a:r>
-            <a:r>
-              <a:rPr lang="de-DE" dirty="0"/>
-              <a:t> </a:t>
-            </a:r>
-            <a:r>
-              <a:rPr lang="de-DE" dirty="0" err="1"/>
-              <a:t>can</a:t>
-            </a:r>
-            <a:r>
-              <a:rPr lang="de-DE" dirty="0"/>
-              <a:t> </a:t>
-            </a:r>
-            <a:r>
-              <a:rPr lang="de-DE" dirty="0" err="1"/>
-              <a:t>introduce</a:t>
-            </a:r>
-            <a:r>
-              <a:rPr lang="de-DE" dirty="0"/>
-              <a:t> </a:t>
+              <a:t>Examples</a:t>
+            </a:r>
+            <a:r>
+              <a:rPr lang="de-DE" dirty="0"/>
+              <a:t> </a:t>
+            </a:r>
+            <a:r>
+              <a:rPr lang="de-DE" dirty="0" err="1"/>
+              <a:t>of</a:t>
+            </a:r>
+            <a:r>
+              <a:rPr lang="de-DE" dirty="0"/>
+              <a:t> </a:t>
+            </a:r>
+            <a:r>
+              <a:rPr lang="de-DE" dirty="0" err="1"/>
+              <a:t>corresponding</a:t>
+            </a:r>
+            <a:r>
+              <a:rPr lang="de-DE" dirty="0"/>
+              <a:t> </a:t>
+            </a:r>
+            <a:r>
+              <a:rPr lang="de-DE" dirty="0" err="1"/>
+              <a:t>edges</a:t>
+            </a:r>
+            <a:r>
+              <a:rPr lang="de-DE" dirty="0"/>
+              <a:t> in </a:t>
             </a:r>
             <a:r>
               <a:rPr lang="de-DE" dirty="0" err="1"/>
@@ -7572,33 +7331,92 @@
             </a:r>
             <a:r>
               <a:rPr lang="de-DE" dirty="0" err="1"/>
-              <a:t>concept</a:t>
-            </a:r>
-            <a:r>
-              <a:rPr lang="de-DE" dirty="0"/>
-              <a:t> </a:t>
-            </a:r>
-            <a:r>
-              <a:rPr lang="de-DE" dirty="0" err="1"/>
-              <a:t>of</a:t>
-            </a:r>
-            <a:r>
-              <a:rPr lang="de-DE" dirty="0"/>
-              <a:t> Signals on </a:t>
-            </a:r>
-            <a:r>
-              <a:rPr lang="de-DE" dirty="0" err="1"/>
-              <a:t>this</a:t>
-            </a:r>
-            <a:r>
-              <a:rPr lang="de-DE" dirty="0"/>
-              <a:t> </a:t>
-            </a:r>
-            <a:r>
-              <a:rPr lang="de-DE" dirty="0" err="1"/>
-              <a:t>graph</a:t>
-            </a:r>
-            <a:endParaRPr lang="de-DE" dirty="0"/>
+              <a:t>Adjacency</a:t>
+            </a:r>
+            <a:r>
+              <a:rPr lang="de-DE" dirty="0"/>
+              <a:t> </a:t>
+            </a:r>
+            <a:r>
+              <a:rPr lang="de-DE" dirty="0" err="1"/>
+              <a:t>matrix</a:t>
+            </a:r>
+            <a:r>
+              <a:rPr lang="de-DE" dirty="0"/>
+              <a:t> </a:t>
+            </a:r>
+            <a:r>
+              <a:rPr lang="de-DE" dirty="0" err="1"/>
+              <a:t>are</a:t>
+            </a:r>
+            <a:r>
+              <a:rPr lang="de-DE" dirty="0"/>
+              <a:t> </a:t>
+            </a:r>
+            <a:r>
+              <a:rPr lang="de-DE" dirty="0" err="1"/>
+              <a:t>depicted</a:t>
+            </a:r>
+            <a:r>
+              <a:rPr lang="de-DE" dirty="0"/>
+              <a:t> in </a:t>
+            </a:r>
+            <a:r>
+              <a:rPr lang="de-DE" dirty="0" err="1"/>
+              <a:t>colors</a:t>
+            </a:r>
+            <a:r>
+              <a:rPr lang="de-DE" dirty="0"/>
+              <a:t> ( </a:t>
+            </a:r>
+            <a:r>
+              <a:rPr lang="de-DE" dirty="0" err="1"/>
+              <a:t>green</a:t>
+            </a:r>
+            <a:r>
+              <a:rPr lang="de-DE" dirty="0"/>
+              <a:t> </a:t>
+            </a:r>
+            <a:r>
+              <a:rPr lang="de-DE" dirty="0" err="1"/>
+              <a:t>to</a:t>
+            </a:r>
+            <a:r>
+              <a:rPr lang="de-DE" dirty="0"/>
+              <a:t> last </a:t>
+            </a:r>
+            <a:r>
+              <a:rPr lang="de-DE" dirty="0" err="1"/>
+              <a:t>node</a:t>
+            </a:r>
+            <a:r>
+              <a:rPr lang="de-DE" dirty="0"/>
+              <a:t>, orange </a:t>
+            </a:r>
+            <a:r>
+              <a:rPr lang="de-DE" dirty="0" err="1"/>
+              <a:t>to</a:t>
+            </a:r>
+            <a:r>
+              <a:rPr lang="de-DE" dirty="0"/>
+              <a:t> </a:t>
+            </a:r>
+            <a:r>
+              <a:rPr lang="de-DE" dirty="0" err="1"/>
+              <a:t>first</a:t>
+            </a:r>
+            <a:r>
+              <a:rPr lang="de-DE" dirty="0"/>
+              <a:t> </a:t>
+            </a:r>
+            <a:r>
+              <a:rPr lang="de-DE" dirty="0" err="1"/>
+              <a:t>node</a:t>
+            </a:r>
+            <a:r>
+              <a:rPr lang="de-DE" dirty="0"/>
+              <a:t>) </a:t>
+            </a:r>
           </a:p>
           <a:p>
             <a:pPr marL="285750" indent="-285750">
@@ -7606,242 +7424,81 @@
               <a:buChar char="•"/>
             </a:pPr>
             <a:r>
-              <a:rPr lang="de-DE" dirty="0" err="1"/>
-              <a:t>Actually</a:t>
-            </a:r>
-            <a:r>
-              <a:rPr lang="de-DE" dirty="0"/>
-              <a:t> </a:t>
-            </a:r>
-            <a:r>
-              <a:rPr lang="de-DE" dirty="0" err="1"/>
-              <a:t>we</a:t>
-            </a:r>
-            <a:r>
-              <a:rPr lang="de-DE" dirty="0"/>
-              <a:t> </a:t>
-            </a:r>
-            <a:r>
-              <a:rPr lang="de-DE" dirty="0" err="1"/>
-              <a:t>already</a:t>
-            </a:r>
-            <a:r>
-              <a:rPr lang="de-DE" dirty="0"/>
-              <a:t> </a:t>
-            </a:r>
-            <a:r>
-              <a:rPr lang="de-DE" dirty="0" err="1"/>
-              <a:t>know</a:t>
-            </a:r>
-            <a:r>
-              <a:rPr lang="de-DE" dirty="0"/>
-              <a:t> </a:t>
-            </a:r>
-            <a:r>
-              <a:rPr lang="de-DE" dirty="0" err="1"/>
-              <a:t>one</a:t>
-            </a:r>
-            <a:r>
-              <a:rPr lang="de-DE" dirty="0"/>
-              <a:t> =&gt; </a:t>
-            </a:r>
-            <a:r>
-              <a:rPr lang="de-DE" dirty="0" err="1"/>
-              <a:t>the</a:t>
-            </a:r>
-            <a:r>
-              <a:rPr lang="de-DE" dirty="0"/>
-              <a:t> time </a:t>
-            </a:r>
-            <a:r>
-              <a:rPr lang="de-DE" dirty="0" err="1"/>
-              <a:t>axis</a:t>
-            </a:r>
-            <a:r>
-              <a:rPr lang="de-DE" dirty="0"/>
-              <a:t> in </a:t>
-            </a:r>
-            <a:r>
-              <a:rPr lang="de-DE" dirty="0" err="1"/>
-              <a:t>discrete</a:t>
-            </a:r>
-            <a:r>
-              <a:rPr lang="de-DE" dirty="0"/>
-              <a:t> time </a:t>
-            </a:r>
-            <a:r>
-              <a:rPr lang="de-DE" dirty="0" err="1"/>
+              <a:rPr lang="fr-FR" dirty="0"/>
+              <a:t>It </a:t>
+            </a:r>
+            <a:r>
+              <a:rPr lang="fr-FR" dirty="0" err="1"/>
+              <a:t>is</a:t>
+            </a:r>
+            <a:r>
+              <a:rPr lang="fr-FR" dirty="0"/>
+              <a:t> important to note, </a:t>
+            </a:r>
+            <a:r>
+              <a:rPr lang="fr-FR" dirty="0" err="1"/>
+              <a:t>that</a:t>
+            </a:r>
+            <a:r>
+              <a:rPr lang="fr-FR" dirty="0"/>
+              <a:t> </a:t>
+            </a:r>
+            <a:r>
+              <a:rPr lang="fr-FR" dirty="0" err="1"/>
+              <a:t>there</a:t>
+            </a:r>
+            <a:r>
+              <a:rPr lang="fr-FR" dirty="0"/>
+              <a:t> can </a:t>
+            </a:r>
+            <a:r>
+              <a:rPr lang="fr-FR" dirty="0" err="1"/>
+              <a:t>be</a:t>
+            </a:r>
+            <a:r>
+              <a:rPr lang="fr-FR" dirty="0"/>
+              <a:t> </a:t>
+            </a:r>
+            <a:r>
+              <a:rPr lang="fr-FR" dirty="0" err="1"/>
+              <a:t>various</a:t>
+            </a:r>
+            <a:r>
+              <a:rPr lang="fr-FR" dirty="0"/>
+              <a:t> </a:t>
+            </a:r>
+            <a:r>
+              <a:rPr lang="fr-FR" dirty="0" err="1"/>
               <a:t>signals</a:t>
             </a:r>
             <a:r>
-              <a:rPr lang="de-DE" dirty="0"/>
-              <a:t> </a:t>
-            </a:r>
-            <a:r>
-              <a:rPr lang="de-DE" dirty="0" err="1"/>
-              <a:t>can</a:t>
-            </a:r>
-            <a:r>
-              <a:rPr lang="de-DE" dirty="0"/>
-              <a:t> </a:t>
-            </a:r>
-            <a:r>
-              <a:rPr lang="de-DE" dirty="0" err="1"/>
-              <a:t>be</a:t>
-            </a:r>
-            <a:r>
-              <a:rPr lang="de-DE" dirty="0"/>
-              <a:t> </a:t>
-            </a:r>
-            <a:r>
-              <a:rPr lang="de-DE" dirty="0" err="1"/>
-              <a:t>represented</a:t>
-            </a:r>
-            <a:r>
-              <a:rPr lang="de-DE" dirty="0"/>
-              <a:t> </a:t>
-            </a:r>
-            <a:r>
-              <a:rPr lang="de-DE" dirty="0" err="1"/>
-              <a:t>as</a:t>
-            </a:r>
-            <a:r>
-              <a:rPr lang="de-DE" dirty="0"/>
-              <a:t> Line </a:t>
-            </a:r>
-            <a:r>
-              <a:rPr lang="de-DE" dirty="0" err="1"/>
-              <a:t>graph</a:t>
-            </a:r>
-            <a:r>
-              <a:rPr lang="de-DE" dirty="0"/>
-              <a:t>, in </a:t>
-            </a:r>
-            <a:r>
-              <a:rPr lang="de-DE" dirty="0" err="1"/>
-              <a:t>the</a:t>
-            </a:r>
-            <a:r>
-              <a:rPr lang="de-DE" dirty="0"/>
-              <a:t> </a:t>
-            </a:r>
-            <a:r>
-              <a:rPr lang="de-DE" dirty="0" err="1"/>
-              <a:t>case</a:t>
-            </a:r>
-            <a:r>
-              <a:rPr lang="de-DE" dirty="0"/>
-              <a:t> </a:t>
-            </a:r>
-            <a:r>
-              <a:rPr lang="de-DE" dirty="0" err="1"/>
-              <a:t>of</a:t>
-            </a:r>
-            <a:r>
-              <a:rPr lang="de-DE" dirty="0"/>
-              <a:t> </a:t>
-            </a:r>
-            <a:r>
-              <a:rPr lang="de-DE" dirty="0" err="1"/>
-              <a:t>periodic</a:t>
-            </a:r>
-            <a:r>
-              <a:rPr lang="de-DE" dirty="0"/>
-              <a:t> </a:t>
-            </a:r>
-            <a:r>
-              <a:rPr lang="de-DE" dirty="0" err="1"/>
-              <a:t>signals</a:t>
-            </a:r>
-            <a:r>
-              <a:rPr lang="de-DE" dirty="0"/>
-              <a:t> </a:t>
-            </a:r>
-            <a:r>
-              <a:rPr lang="de-DE" dirty="0" err="1"/>
-              <a:t>it</a:t>
-            </a:r>
-            <a:r>
-              <a:rPr lang="de-DE" dirty="0"/>
-              <a:t> </a:t>
-            </a:r>
-            <a:r>
-              <a:rPr lang="de-DE" dirty="0" err="1"/>
-              <a:t>woul</a:t>
-            </a:r>
-            <a:r>
-              <a:rPr lang="de-DE" dirty="0"/>
-              <a:t> </a:t>
-            </a:r>
-            <a:r>
-              <a:rPr lang="de-DE" dirty="0" err="1"/>
-              <a:t>be</a:t>
-            </a:r>
-            <a:r>
-              <a:rPr lang="de-DE" dirty="0"/>
-              <a:t> a </a:t>
-            </a:r>
-            <a:r>
-              <a:rPr lang="de-DE" dirty="0" err="1"/>
-              <a:t>recursive</a:t>
-            </a:r>
-            <a:r>
-              <a:rPr lang="de-DE" dirty="0"/>
-              <a:t> </a:t>
-            </a:r>
-            <a:r>
-              <a:rPr lang="de-DE" dirty="0" err="1"/>
-              <a:t>or</a:t>
-            </a:r>
-            <a:r>
-              <a:rPr lang="de-DE" dirty="0"/>
-              <a:t> </a:t>
-            </a:r>
-            <a:r>
-              <a:rPr lang="de-DE" dirty="0" err="1"/>
-              <a:t>cyclic</a:t>
-            </a:r>
-            <a:r>
-              <a:rPr lang="de-DE" dirty="0"/>
-              <a:t> </a:t>
-            </a:r>
-            <a:r>
-              <a:rPr lang="de-DE" dirty="0" err="1"/>
-              <a:t>line</a:t>
-            </a:r>
-            <a:r>
-              <a:rPr lang="de-DE" dirty="0"/>
-              <a:t> </a:t>
-            </a:r>
-            <a:r>
-              <a:rPr lang="de-DE" dirty="0" err="1"/>
-              <a:t>graph</a:t>
-            </a:r>
-            <a:r>
-              <a:rPr lang="de-DE" dirty="0"/>
-              <a:t> </a:t>
-            </a:r>
-            <a:r>
-              <a:rPr lang="de-DE" dirty="0" err="1"/>
-              <a:t>as</a:t>
-            </a:r>
-            <a:r>
-              <a:rPr lang="de-DE" dirty="0"/>
-              <a:t> </a:t>
-            </a:r>
-            <a:r>
-              <a:rPr lang="de-DE" dirty="0" err="1"/>
-              <a:t>shown</a:t>
-            </a:r>
-            <a:r>
-              <a:rPr lang="de-DE" dirty="0"/>
-              <a:t> </a:t>
-            </a:r>
-            <a:r>
-              <a:rPr lang="de-DE" dirty="0" err="1"/>
-              <a:t>here</a:t>
-            </a:r>
-            <a:endParaRPr lang="de-DE" dirty="0"/>
+              <a:rPr lang="fr-FR" dirty="0"/>
+              <a:t> </a:t>
+            </a:r>
+            <a:r>
+              <a:rPr lang="fr-FR" dirty="0" err="1"/>
+              <a:t>that</a:t>
+            </a:r>
+            <a:r>
+              <a:rPr lang="fr-FR" dirty="0"/>
+              <a:t> </a:t>
+            </a:r>
+            <a:r>
+              <a:rPr lang="fr-FR" dirty="0" err="1"/>
+              <a:t>share</a:t>
+            </a:r>
+            <a:r>
+              <a:rPr lang="fr-FR" dirty="0"/>
+              <a:t> the </a:t>
+            </a:r>
+            <a:r>
+              <a:rPr lang="fr-FR" dirty="0" err="1"/>
+              <a:t>same</a:t>
+            </a:r>
+            <a:r>
+              <a:rPr lang="fr-FR" dirty="0"/>
+              <a:t> graph structure</a:t>
+            </a:r>
           </a:p>
           <a:p>
             <a:pPr marL="285750" indent="-285750">
@@ -7849,94 +7506,81 @@
               <a:buChar char="•"/>
             </a:pPr>
             <a:r>
-              <a:rPr lang="de-DE" dirty="0"/>
-              <a:t>This </a:t>
-            </a:r>
-            <a:r>
-              <a:rPr lang="de-DE" dirty="0" err="1"/>
-              <a:t>graph</a:t>
-            </a:r>
-            <a:r>
-              <a:rPr lang="de-DE" dirty="0"/>
-              <a:t> </a:t>
-            </a:r>
-            <a:r>
-              <a:rPr lang="de-DE" dirty="0" err="1"/>
-              <a:t>is</a:t>
-            </a:r>
-            <a:r>
-              <a:rPr lang="de-DE" dirty="0"/>
-              <a:t> </a:t>
-            </a:r>
-            <a:r>
-              <a:rPr lang="de-DE" dirty="0" err="1"/>
-              <a:t>directed</a:t>
-            </a:r>
-            <a:r>
-              <a:rPr lang="de-DE" dirty="0"/>
-              <a:t> (</a:t>
-            </a:r>
-            <a:r>
-              <a:rPr lang="de-DE" dirty="0" err="1"/>
-              <a:t>because</a:t>
-            </a:r>
-            <a:r>
-              <a:rPr lang="de-DE" dirty="0"/>
-              <a:t> </a:t>
-            </a:r>
-            <a:r>
-              <a:rPr lang="de-DE" dirty="0" err="1"/>
-              <a:t>flow</a:t>
-            </a:r>
-            <a:r>
-              <a:rPr lang="de-DE" dirty="0"/>
-              <a:t> </a:t>
-            </a:r>
-            <a:r>
-              <a:rPr lang="de-DE" dirty="0" err="1"/>
-              <a:t>of</a:t>
-            </a:r>
-            <a:r>
-              <a:rPr lang="de-DE" dirty="0"/>
-              <a:t> time </a:t>
-            </a:r>
-            <a:r>
-              <a:rPr lang="de-DE" dirty="0" err="1"/>
-              <a:t>is</a:t>
-            </a:r>
-            <a:r>
-              <a:rPr lang="de-DE" dirty="0"/>
-              <a:t> </a:t>
-            </a:r>
-            <a:r>
-              <a:rPr lang="de-DE" dirty="0" err="1"/>
-              <a:t>directed</a:t>
-            </a:r>
-            <a:r>
-              <a:rPr lang="de-DE" dirty="0"/>
-              <a:t>) =&gt; </a:t>
-            </a:r>
-            <a:r>
-              <a:rPr lang="de-DE" dirty="0" err="1"/>
-              <a:t>leads</a:t>
-            </a:r>
-            <a:r>
-              <a:rPr lang="de-DE" dirty="0"/>
-              <a:t> </a:t>
-            </a:r>
-            <a:r>
-              <a:rPr lang="de-DE" dirty="0" err="1"/>
-              <a:t>to</a:t>
-            </a:r>
-            <a:r>
-              <a:rPr lang="de-DE" dirty="0"/>
-              <a:t> A </a:t>
-            </a:r>
-            <a:r>
-              <a:rPr lang="de-DE" dirty="0" err="1"/>
-              <a:t>unsymmetric</a:t>
-            </a:r>
-            <a:endParaRPr lang="de-DE" dirty="0"/>
+              <a:rPr lang="fr-FR" dirty="0"/>
+              <a:t>In </a:t>
+            </a:r>
+            <a:r>
+              <a:rPr lang="fr-FR" dirty="0" err="1"/>
+              <a:t>this</a:t>
+            </a:r>
+            <a:r>
+              <a:rPr lang="fr-FR" dirty="0"/>
+              <a:t> case </a:t>
+            </a:r>
+            <a:r>
+              <a:rPr lang="fr-FR" dirty="0" err="1"/>
+              <a:t>that</a:t>
+            </a:r>
+            <a:r>
+              <a:rPr lang="fr-FR" dirty="0"/>
+              <a:t> </a:t>
+            </a:r>
+            <a:r>
+              <a:rPr lang="fr-FR" dirty="0" err="1"/>
+              <a:t>would</a:t>
+            </a:r>
+            <a:r>
+              <a:rPr lang="fr-FR" dirty="0"/>
+              <a:t> </a:t>
+            </a:r>
+            <a:r>
+              <a:rPr lang="fr-FR" dirty="0" err="1"/>
+              <a:t>be</a:t>
+            </a:r>
+            <a:r>
+              <a:rPr lang="fr-FR" dirty="0"/>
+              <a:t> : all </a:t>
+            </a:r>
+            <a:r>
+              <a:rPr lang="fr-FR" dirty="0" err="1"/>
+              <a:t>periodic</a:t>
+            </a:r>
+            <a:r>
+              <a:rPr lang="fr-FR" dirty="0"/>
+              <a:t> </a:t>
+            </a:r>
+            <a:r>
+              <a:rPr lang="fr-FR" dirty="0" err="1"/>
+              <a:t>signals</a:t>
+            </a:r>
+            <a:r>
+              <a:rPr lang="fr-FR" dirty="0"/>
+              <a:t> </a:t>
+            </a:r>
+            <a:r>
+              <a:rPr lang="fr-FR" dirty="0" err="1"/>
+              <a:t>with</a:t>
+            </a:r>
+            <a:r>
+              <a:rPr lang="fr-FR" dirty="0"/>
+              <a:t> </a:t>
+            </a:r>
+            <a:r>
+              <a:rPr lang="fr-FR" dirty="0" err="1"/>
+              <a:t>Period</a:t>
+            </a:r>
+            <a:r>
+              <a:rPr lang="fr-FR" dirty="0"/>
+              <a:t> of </a:t>
+            </a:r>
+            <a:r>
+              <a:rPr lang="fr-FR" dirty="0" err="1"/>
+              <a:t>length</a:t>
+            </a:r>
+            <a:r>
+              <a:rPr lang="fr-FR" dirty="0"/>
+              <a:t> N</a:t>
+            </a:r>
           </a:p>
           <a:p>
             <a:pPr marL="285750" indent="-285750">
@@ -7944,90 +7588,77 @@
               <a:buChar char="•"/>
             </a:pPr>
             <a:r>
-              <a:rPr lang="de-DE" dirty="0"/>
-              <a:t>In </a:t>
-            </a:r>
-            <a:r>
-              <a:rPr lang="de-DE" dirty="0" err="1"/>
-              <a:t>this</a:t>
-            </a:r>
-            <a:r>
-              <a:rPr lang="de-DE" dirty="0"/>
-              <a:t> </a:t>
-            </a:r>
-            <a:r>
-              <a:rPr lang="de-DE" dirty="0" err="1"/>
-              <a:t>representation</a:t>
-            </a:r>
-            <a:r>
-              <a:rPr lang="de-DE" dirty="0"/>
-              <a:t> </a:t>
-            </a:r>
-            <a:r>
-              <a:rPr lang="de-DE" dirty="0" err="1"/>
-              <a:t>each</a:t>
-            </a:r>
-            <a:r>
-              <a:rPr lang="de-DE" dirty="0"/>
-              <a:t> </a:t>
-            </a:r>
-            <a:r>
-              <a:rPr lang="de-DE" dirty="0" err="1"/>
-              <a:t>node</a:t>
-            </a:r>
-            <a:r>
-              <a:rPr lang="de-DE" dirty="0"/>
-              <a:t> </a:t>
-            </a:r>
-            <a:r>
-              <a:rPr lang="de-DE" dirty="0" err="1"/>
-              <a:t>of</a:t>
-            </a:r>
-            <a:r>
-              <a:rPr lang="de-DE" dirty="0"/>
-              <a:t> </a:t>
-            </a:r>
-            <a:r>
-              <a:rPr lang="de-DE" dirty="0" err="1"/>
-              <a:t>the</a:t>
-            </a:r>
-            <a:r>
-              <a:rPr lang="de-DE" dirty="0"/>
-              <a:t> Graph </a:t>
-            </a:r>
-            <a:r>
-              <a:rPr lang="de-DE" dirty="0" err="1"/>
-              <a:t>represents</a:t>
-            </a:r>
-            <a:r>
-              <a:rPr lang="de-DE" dirty="0"/>
-              <a:t> a time </a:t>
-            </a:r>
-            <a:r>
-              <a:rPr lang="de-DE" dirty="0" err="1"/>
-              <a:t>instance</a:t>
-            </a:r>
-            <a:r>
-              <a:rPr lang="de-DE" dirty="0"/>
-              <a:t> </a:t>
-            </a:r>
-            <a:r>
-              <a:rPr lang="de-DE" dirty="0" err="1"/>
-              <a:t>of</a:t>
-            </a:r>
-            <a:r>
-              <a:rPr lang="de-DE" dirty="0"/>
-              <a:t> </a:t>
-            </a:r>
-            <a:r>
-              <a:rPr lang="de-DE" dirty="0" err="1"/>
-              <a:t>the</a:t>
-            </a:r>
-            <a:r>
-              <a:rPr lang="de-DE" dirty="0"/>
-              <a:t> Signal</a:t>
-            </a:r>
-            <a:endParaRPr lang="fr-FR" dirty="0"/>
+              <a:rPr lang="fr-FR" dirty="0" err="1"/>
+              <a:t>Now</a:t>
+            </a:r>
+            <a:r>
+              <a:rPr lang="fr-FR" dirty="0"/>
+              <a:t> </a:t>
+            </a:r>
+            <a:r>
+              <a:rPr lang="fr-FR" dirty="0" err="1"/>
+              <a:t>that</a:t>
+            </a:r>
+            <a:r>
+              <a:rPr lang="fr-FR" dirty="0"/>
+              <a:t> </a:t>
+            </a:r>
+            <a:r>
+              <a:rPr lang="fr-FR" dirty="0" err="1"/>
+              <a:t>we</a:t>
+            </a:r>
+            <a:r>
+              <a:rPr lang="fr-FR" dirty="0"/>
+              <a:t> have </a:t>
+            </a:r>
+            <a:r>
+              <a:rPr lang="fr-FR" dirty="0" err="1"/>
+              <a:t>established</a:t>
+            </a:r>
+            <a:r>
+              <a:rPr lang="fr-FR" dirty="0"/>
+              <a:t> </a:t>
+            </a:r>
+            <a:r>
+              <a:rPr lang="fr-FR" dirty="0" err="1"/>
+              <a:t>what</a:t>
+            </a:r>
+            <a:r>
+              <a:rPr lang="fr-FR" dirty="0"/>
+              <a:t> graph </a:t>
+            </a:r>
+            <a:r>
+              <a:rPr lang="fr-FR" dirty="0" err="1"/>
+              <a:t>signals</a:t>
+            </a:r>
+            <a:r>
+              <a:rPr lang="fr-FR" dirty="0"/>
+              <a:t> are, </a:t>
+            </a:r>
+            <a:r>
+              <a:rPr lang="fr-FR" dirty="0" err="1"/>
+              <a:t>we</a:t>
+            </a:r>
+            <a:r>
+              <a:rPr lang="fr-FR" dirty="0"/>
+              <a:t> can go </a:t>
+            </a:r>
+            <a:r>
+              <a:rPr lang="fr-FR" dirty="0" err="1"/>
+              <a:t>ahead</a:t>
+            </a:r>
+            <a:r>
+              <a:rPr lang="fr-FR" dirty="0"/>
+              <a:t> and </a:t>
+            </a:r>
+            <a:r>
+              <a:rPr lang="fr-FR" dirty="0" err="1"/>
+              <a:t>define</a:t>
+            </a:r>
+            <a:r>
+              <a:rPr lang="fr-FR" dirty="0"/>
+              <a:t> the Graph Shift </a:t>
+            </a:r>
           </a:p>
         </p:txBody>
       </p:sp>
@@ -8048,7 +7679,7 @@
           <a:p>
             <a:fld id="{F67FF89E-6E98-44FE-9350-B39EE48E6D79}" type="slidenum">
               <a:rPr lang="de-DE" smtClean="0"/>
-              <a:t>8</a:t>
+              <a:t>9</a:t>
             </a:fld>
             <a:endParaRPr lang="de-DE"/>
           </a:p>
@@ -8057,7 +7688,7 @@
     </p:spTree>
     <p:extLst>
       <p:ext uri="{BB962C8B-B14F-4D97-AF65-F5344CB8AC3E}">
-        <p14:creationId xmlns:p14="http://schemas.microsoft.com/office/powerpoint/2010/main" val="404587693"/>
+        <p14:creationId xmlns:p14="http://schemas.microsoft.com/office/powerpoint/2010/main" val="2283621216"/>
       </p:ext>
     </p:extLst>
   </p:cSld>
@@ -8116,36 +7747,16 @@
               <a:buChar char="•"/>
             </a:pPr>
             <a:r>
-              <a:rPr lang="de-DE" dirty="0" err="1"/>
-              <a:t>Examples</a:t>
-            </a:r>
-            <a:r>
-              <a:rPr lang="de-DE" dirty="0"/>
-              <a:t> </a:t>
-            </a:r>
-            <a:r>
-              <a:rPr lang="de-DE" dirty="0" err="1"/>
-              <a:t>of</a:t>
-            </a:r>
-            <a:r>
-              <a:rPr lang="de-DE" dirty="0"/>
-              <a:t> </a:t>
-            </a:r>
-            <a:r>
-              <a:rPr lang="de-DE" dirty="0" err="1"/>
-              <a:t>corresponding</a:t>
-            </a:r>
-            <a:r>
-              <a:rPr lang="de-DE" dirty="0"/>
-              <a:t> </a:t>
-            </a:r>
-            <a:r>
-              <a:rPr lang="de-DE" dirty="0" err="1"/>
-              <a:t>edges</a:t>
-            </a:r>
-            <a:r>
-              <a:rPr lang="de-DE" dirty="0"/>
-              <a:t> in </a:t>
+              <a:rPr lang="de-DE" dirty="0"/>
+              <a:t>Graph Shift analog </a:t>
+            </a:r>
+            <a:r>
+              <a:rPr lang="de-DE" dirty="0" err="1"/>
+              <a:t>to</a:t>
+            </a:r>
+            <a:r>
+              <a:rPr lang="de-DE" dirty="0"/>
+              <a:t> </a:t>
             </a:r>
             <a:r>
               <a:rPr lang="de-DE" dirty="0" err="1"/>
@@ -8153,338 +7764,543 @@
             </a:r>
             <a:r>
               <a:rPr lang="de-DE" dirty="0"/>
-              <a:t> </a:t>
-            </a:r>
-            <a:r>
-              <a:rPr lang="de-DE" dirty="0" err="1"/>
-              <a:t>Adjacency</a:t>
-            </a:r>
-            <a:r>
-              <a:rPr lang="de-DE" dirty="0"/>
-              <a:t> </a:t>
-            </a:r>
-            <a:r>
-              <a:rPr lang="de-DE" dirty="0" err="1"/>
-              <a:t>matrix</a:t>
-            </a:r>
-            <a:r>
-              <a:rPr lang="de-DE" dirty="0"/>
-              <a:t> </a:t>
-            </a:r>
-            <a:r>
-              <a:rPr lang="de-DE" dirty="0" err="1"/>
-              <a:t>are</a:t>
-            </a:r>
-            <a:r>
-              <a:rPr lang="de-DE" dirty="0"/>
-              <a:t> </a:t>
-            </a:r>
-            <a:r>
-              <a:rPr lang="de-DE" dirty="0" err="1"/>
-              <a:t>depicted</a:t>
-            </a:r>
-            <a:r>
-              <a:rPr lang="de-DE" dirty="0"/>
-              <a:t> in </a:t>
-            </a:r>
-            <a:r>
-              <a:rPr lang="de-DE" dirty="0" err="1"/>
-              <a:t>colors</a:t>
-            </a:r>
-            <a:r>
-              <a:rPr lang="de-DE" dirty="0"/>
-              <a:t> ( </a:t>
-            </a:r>
-            <a:r>
-              <a:rPr lang="de-DE" dirty="0" err="1"/>
-              <a:t>green</a:t>
-            </a:r>
-            <a:r>
-              <a:rPr lang="de-DE" dirty="0"/>
-              <a:t> </a:t>
-            </a:r>
-            <a:r>
-              <a:rPr lang="de-DE" dirty="0" err="1"/>
-              <a:t>to</a:t>
-            </a:r>
-            <a:r>
-              <a:rPr lang="de-DE" dirty="0"/>
-              <a:t> last </a:t>
-            </a:r>
-            <a:r>
-              <a:rPr lang="de-DE" dirty="0" err="1"/>
-              <a:t>node</a:t>
-            </a:r>
-            <a:r>
-              <a:rPr lang="de-DE" dirty="0"/>
-              <a:t>, orange </a:t>
-            </a:r>
-            <a:r>
-              <a:rPr lang="de-DE" dirty="0" err="1"/>
-              <a:t>to</a:t>
-            </a:r>
-            <a:r>
-              <a:rPr lang="de-DE" dirty="0"/>
-              <a:t> </a:t>
-            </a:r>
-            <a:r>
-              <a:rPr lang="de-DE" dirty="0" err="1"/>
-              <a:t>first</a:t>
-            </a:r>
-            <a:r>
-              <a:rPr lang="de-DE" dirty="0"/>
-              <a:t> </a:t>
-            </a:r>
-            <a:r>
-              <a:rPr lang="de-DE" dirty="0" err="1"/>
-              <a:t>node</a:t>
-            </a:r>
-            <a:r>
-              <a:rPr lang="de-DE" dirty="0"/>
-              <a:t>) </a:t>
+              <a:t> Shift Operator </a:t>
+            </a:r>
+            <a:r>
+              <a:rPr lang="de-DE" dirty="0" err="1"/>
+              <a:t>known</a:t>
+            </a:r>
+            <a:r>
+              <a:rPr lang="de-DE" dirty="0"/>
+              <a:t> </a:t>
+            </a:r>
+            <a:r>
+              <a:rPr lang="de-DE" dirty="0" err="1"/>
+              <a:t>from</a:t>
+            </a:r>
+            <a:r>
+              <a:rPr lang="de-DE" dirty="0"/>
+              <a:t> Digital Signal Processing:</a:t>
             </a:r>
           </a:p>
           <a:p>
-            <a:pPr marL="285750" indent="-285750">
+            <a:pPr marL="925830" lvl="1" indent="-285750">
               <a:buFont typeface="Arial" panose="020B0604020202020204" pitchFamily="34" charset="0"/>
               <a:buChar char="•"/>
             </a:pPr>
             <a:r>
-              <a:rPr lang="fr-FR" dirty="0"/>
-              <a:t>It </a:t>
-            </a:r>
-            <a:r>
-              <a:rPr lang="fr-FR" dirty="0" err="1"/>
+              <a:rPr lang="de-DE" dirty="0"/>
+              <a:t>In </a:t>
+            </a:r>
+            <a:r>
+              <a:rPr lang="de-DE" dirty="0" err="1"/>
+              <a:t>fact</a:t>
+            </a:r>
+            <a:r>
+              <a:rPr lang="de-DE" dirty="0"/>
+              <a:t> </a:t>
+            </a:r>
+            <a:r>
+              <a:rPr lang="de-DE" dirty="0" err="1"/>
+              <a:t>it</a:t>
+            </a:r>
+            <a:r>
+              <a:rPr lang="de-DE" dirty="0"/>
+              <a:t> </a:t>
+            </a:r>
+            <a:r>
+              <a:rPr lang="de-DE" dirty="0" err="1"/>
               <a:t>is</a:t>
             </a:r>
             <a:r>
-              <a:rPr lang="fr-FR" dirty="0"/>
-              <a:t> important to note, </a:t>
-            </a:r>
-            <a:r>
-              <a:rPr lang="fr-FR" dirty="0" err="1"/>
-              <a:t>that</a:t>
-            </a:r>
-            <a:r>
-              <a:rPr lang="fr-FR" dirty="0"/>
-              <a:t> </a:t>
-            </a:r>
-            <a:r>
-              <a:rPr lang="fr-FR" dirty="0" err="1"/>
-              <a:t>there</a:t>
-            </a:r>
-            <a:r>
-              <a:rPr lang="fr-FR" dirty="0"/>
-              <a:t> can </a:t>
-            </a:r>
-            <a:r>
-              <a:rPr lang="fr-FR" dirty="0" err="1"/>
-              <a:t>be</a:t>
-            </a:r>
-            <a:r>
-              <a:rPr lang="fr-FR" dirty="0"/>
-              <a:t> </a:t>
-            </a:r>
-            <a:r>
-              <a:rPr lang="fr-FR" dirty="0" err="1"/>
-              <a:t>various</a:t>
-            </a:r>
-            <a:r>
-              <a:rPr lang="fr-FR" dirty="0"/>
-              <a:t> </a:t>
-            </a:r>
-            <a:r>
-              <a:rPr lang="fr-FR" dirty="0" err="1"/>
-              <a:t>signals</a:t>
-            </a:r>
-            <a:r>
-              <a:rPr lang="fr-FR" dirty="0"/>
-              <a:t> </a:t>
-            </a:r>
-            <a:r>
-              <a:rPr lang="fr-FR" dirty="0" err="1"/>
-              <a:t>that</a:t>
-            </a:r>
-            <a:r>
-              <a:rPr lang="fr-FR" dirty="0"/>
-              <a:t> </a:t>
-            </a:r>
-            <a:r>
-              <a:rPr lang="fr-FR" dirty="0" err="1"/>
-              <a:t>share</a:t>
-            </a:r>
-            <a:r>
-              <a:rPr lang="fr-FR" dirty="0"/>
-              <a:t> the </a:t>
-            </a:r>
-            <a:r>
-              <a:rPr lang="fr-FR" dirty="0" err="1"/>
-              <a:t>same</a:t>
-            </a:r>
-            <a:r>
-              <a:rPr lang="fr-FR" dirty="0"/>
-              <a:t> graph structure</a:t>
+              <a:rPr lang="de-DE" dirty="0"/>
+              <a:t> </a:t>
+            </a:r>
+            <a:r>
+              <a:rPr lang="de-DE" dirty="0" err="1"/>
+              <a:t>the</a:t>
+            </a:r>
+            <a:r>
+              <a:rPr lang="de-DE" dirty="0"/>
+              <a:t> same, </a:t>
+            </a:r>
+            <a:r>
+              <a:rPr lang="de-DE" dirty="0" err="1"/>
+              <a:t>for</a:t>
+            </a:r>
+            <a:r>
+              <a:rPr lang="de-DE" dirty="0"/>
+              <a:t> </a:t>
+            </a:r>
+            <a:r>
+              <a:rPr lang="de-DE" dirty="0" err="1"/>
+              <a:t>this</a:t>
+            </a:r>
+            <a:r>
+              <a:rPr lang="de-DE" dirty="0"/>
+              <a:t> type </a:t>
+            </a:r>
+            <a:r>
+              <a:rPr lang="de-DE" dirty="0" err="1"/>
+              <a:t>of</a:t>
+            </a:r>
+            <a:r>
+              <a:rPr lang="de-DE" dirty="0"/>
+              <a:t> Line Graph</a:t>
             </a:r>
           </a:p>
           <a:p>
-            <a:pPr marL="285750" indent="-285750">
+            <a:pPr marL="285750" lvl="0" indent="-285750">
               <a:buFont typeface="Arial" panose="020B0604020202020204" pitchFamily="34" charset="0"/>
               <a:buChar char="•"/>
             </a:pPr>
             <a:r>
-              <a:rPr lang="fr-FR" dirty="0"/>
-              <a:t>In </a:t>
-            </a:r>
-            <a:r>
-              <a:rPr lang="fr-FR" dirty="0" err="1"/>
-              <a:t>this</a:t>
-            </a:r>
-            <a:r>
-              <a:rPr lang="fr-FR" dirty="0"/>
-              <a:t> case </a:t>
-            </a:r>
-            <a:r>
-              <a:rPr lang="fr-FR" dirty="0" err="1"/>
-              <a:t>that</a:t>
-            </a:r>
-            <a:r>
-              <a:rPr lang="fr-FR" dirty="0"/>
-              <a:t> </a:t>
-            </a:r>
-            <a:r>
-              <a:rPr lang="fr-FR" dirty="0" err="1"/>
-              <a:t>would</a:t>
-            </a:r>
-            <a:r>
-              <a:rPr lang="fr-FR" dirty="0"/>
-              <a:t> </a:t>
-            </a:r>
-            <a:r>
-              <a:rPr lang="fr-FR" dirty="0" err="1"/>
+              <a:rPr lang="de-DE" dirty="0"/>
+              <a:t>This Propagation </a:t>
+            </a:r>
+            <a:r>
+              <a:rPr lang="de-DE" dirty="0" err="1"/>
+              <a:t>of</a:t>
+            </a:r>
+            <a:r>
+              <a:rPr lang="de-DE" dirty="0"/>
+              <a:t> </a:t>
+            </a:r>
+            <a:r>
+              <a:rPr lang="de-DE" dirty="0" err="1"/>
+              <a:t>the</a:t>
+            </a:r>
+            <a:r>
+              <a:rPr lang="de-DE" dirty="0"/>
+              <a:t> Signal </a:t>
+            </a:r>
+            <a:r>
+              <a:rPr lang="de-DE" dirty="0" err="1"/>
+              <a:t>through</a:t>
+            </a:r>
+            <a:r>
+              <a:rPr lang="de-DE" dirty="0"/>
+              <a:t> </a:t>
+            </a:r>
+            <a:r>
+              <a:rPr lang="de-DE" dirty="0" err="1"/>
+              <a:t>the</a:t>
+            </a:r>
+            <a:r>
+              <a:rPr lang="de-DE" dirty="0"/>
+              <a:t> </a:t>
+            </a:r>
+            <a:r>
+              <a:rPr lang="de-DE" dirty="0" err="1"/>
+              <a:t>graph</a:t>
+            </a:r>
+            <a:r>
+              <a:rPr lang="de-DE" dirty="0"/>
+              <a:t>, </a:t>
+            </a:r>
+            <a:r>
+              <a:rPr lang="de-DE" dirty="0" err="1"/>
+              <a:t>can</a:t>
+            </a:r>
+            <a:r>
+              <a:rPr lang="de-DE" dirty="0"/>
+              <a:t> </a:t>
+            </a:r>
+            <a:r>
+              <a:rPr lang="de-DE" dirty="0" err="1"/>
               <a:t>be</a:t>
             </a:r>
             <a:r>
-              <a:rPr lang="fr-FR" dirty="0"/>
-              <a:t> : all </a:t>
-            </a:r>
-            <a:r>
-              <a:rPr lang="fr-FR" dirty="0" err="1"/>
-              <a:t>periodic</a:t>
-            </a:r>
-            <a:r>
-              <a:rPr lang="fr-FR" dirty="0"/>
-              <a:t> </a:t>
-            </a:r>
-            <a:r>
-              <a:rPr lang="fr-FR" dirty="0" err="1"/>
-              <a:t>signals</a:t>
-            </a:r>
-            <a:r>
-              <a:rPr lang="fr-FR" dirty="0"/>
-              <a:t> </a:t>
-            </a:r>
-            <a:r>
-              <a:rPr lang="fr-FR" dirty="0" err="1"/>
+              <a:rPr lang="de-DE" dirty="0"/>
+              <a:t> </a:t>
+            </a:r>
+            <a:r>
+              <a:rPr lang="de-DE" dirty="0" err="1"/>
+              <a:t>achieved</a:t>
+            </a:r>
+            <a:r>
+              <a:rPr lang="de-DE" dirty="0"/>
+              <a:t> </a:t>
+            </a:r>
+            <a:r>
+              <a:rPr lang="de-DE" dirty="0" err="1"/>
+              <a:t>by</a:t>
+            </a:r>
+            <a:r>
+              <a:rPr lang="de-DE" dirty="0"/>
+              <a:t> </a:t>
+            </a:r>
+            <a:r>
+              <a:rPr lang="de-DE" dirty="0" err="1"/>
+              <a:t>multiplication</a:t>
+            </a:r>
+            <a:r>
+              <a:rPr lang="de-DE" dirty="0"/>
+              <a:t> </a:t>
+            </a:r>
+            <a:r>
+              <a:rPr lang="de-DE" dirty="0" err="1"/>
+              <a:t>of</a:t>
+            </a:r>
+            <a:r>
+              <a:rPr lang="de-DE" dirty="0"/>
+              <a:t> </a:t>
+            </a:r>
+            <a:r>
+              <a:rPr lang="de-DE" dirty="0" err="1"/>
+              <a:t>the</a:t>
+            </a:r>
+            <a:r>
+              <a:rPr lang="de-DE" dirty="0"/>
+              <a:t> Signals X </a:t>
+            </a:r>
+            <a:r>
+              <a:rPr lang="de-DE" dirty="0" err="1"/>
               <a:t>with</a:t>
             </a:r>
             <a:r>
-              <a:rPr lang="fr-FR" dirty="0"/>
-              <a:t> </a:t>
-            </a:r>
-            <a:r>
-              <a:rPr lang="fr-FR" dirty="0" err="1"/>
-              <a:t>Period</a:t>
-            </a:r>
-            <a:r>
-              <a:rPr lang="fr-FR" dirty="0"/>
-              <a:t> of </a:t>
-            </a:r>
-            <a:r>
-              <a:rPr lang="fr-FR" dirty="0" err="1"/>
+              <a:rPr lang="de-DE" dirty="0"/>
+              <a:t> </a:t>
+            </a:r>
+            <a:r>
+              <a:rPr lang="de-DE" dirty="0" err="1"/>
+              <a:t>the</a:t>
+            </a:r>
+            <a:r>
+              <a:rPr lang="de-DE" dirty="0"/>
+              <a:t> </a:t>
+            </a:r>
+            <a:r>
+              <a:rPr lang="de-DE" dirty="0" err="1"/>
+              <a:t>Adjacency</a:t>
+            </a:r>
+            <a:r>
+              <a:rPr lang="de-DE" dirty="0"/>
+              <a:t> Matrix </a:t>
+            </a:r>
+            <a:r>
+              <a:rPr lang="de-DE" dirty="0" err="1"/>
+              <a:t>A^k</a:t>
+            </a:r>
+            <a:r>
+              <a:rPr lang="de-DE" dirty="0"/>
+              <a:t> , </a:t>
+            </a:r>
+            <a:r>
+              <a:rPr lang="de-DE" dirty="0" err="1"/>
+              <a:t>where</a:t>
+            </a:r>
+            <a:r>
+              <a:rPr lang="de-DE" dirty="0"/>
+              <a:t> k </a:t>
+            </a:r>
+            <a:r>
+              <a:rPr lang="de-DE" dirty="0" err="1"/>
+              <a:t>is</a:t>
+            </a:r>
+            <a:r>
+              <a:rPr lang="de-DE" dirty="0"/>
+              <a:t> </a:t>
+            </a:r>
+            <a:r>
+              <a:rPr lang="de-DE" dirty="0" err="1"/>
+              <a:t>the</a:t>
+            </a:r>
+            <a:r>
+              <a:rPr lang="de-DE" dirty="0"/>
+              <a:t> </a:t>
+            </a:r>
+            <a:r>
+              <a:rPr lang="de-DE" dirty="0" err="1"/>
               <a:t>length</a:t>
             </a:r>
             <a:r>
-              <a:rPr lang="fr-FR" dirty="0"/>
-              <a:t> N</a:t>
+              <a:rPr lang="de-DE" dirty="0"/>
+              <a:t> </a:t>
+            </a:r>
+            <a:r>
+              <a:rPr lang="de-DE" dirty="0" err="1"/>
+              <a:t>of</a:t>
+            </a:r>
+            <a:r>
+              <a:rPr lang="de-DE" dirty="0"/>
+              <a:t> </a:t>
+            </a:r>
+            <a:r>
+              <a:rPr lang="de-DE" dirty="0" err="1"/>
+              <a:t>the</a:t>
+            </a:r>
+            <a:r>
+              <a:rPr lang="de-DE" dirty="0"/>
+              <a:t> shift</a:t>
             </a:r>
           </a:p>
           <a:p>
-            <a:pPr marL="285750" indent="-285750">
+            <a:pPr marL="285750" lvl="0" indent="-285750">
               <a:buFont typeface="Arial" panose="020B0604020202020204" pitchFamily="34" charset="0"/>
               <a:buChar char="•"/>
             </a:pPr>
             <a:r>
-              <a:rPr lang="fr-FR" dirty="0" err="1"/>
-              <a:t>Now</a:t>
-            </a:r>
-            <a:r>
-              <a:rPr lang="fr-FR" dirty="0"/>
-              <a:t> </a:t>
-            </a:r>
-            <a:r>
-              <a:rPr lang="fr-FR" dirty="0" err="1"/>
+              <a:rPr lang="de-DE" dirty="0"/>
+              <a:t>So </a:t>
+            </a:r>
+            <a:r>
+              <a:rPr lang="de-DE" dirty="0" err="1"/>
+              <a:t>we</a:t>
+            </a:r>
+            <a:r>
+              <a:rPr lang="de-DE" dirty="0"/>
+              <a:t> </a:t>
+            </a:r>
+            <a:r>
+              <a:rPr lang="de-DE" dirty="0" err="1"/>
+              <a:t>can</a:t>
+            </a:r>
+            <a:r>
+              <a:rPr lang="de-DE" dirty="0"/>
+              <a:t> </a:t>
+            </a:r>
+            <a:r>
+              <a:rPr lang="de-DE" dirty="0" err="1"/>
+              <a:t>state</a:t>
+            </a:r>
+            <a:r>
+              <a:rPr lang="de-DE" dirty="0"/>
+              <a:t> </a:t>
+            </a:r>
+            <a:r>
+              <a:rPr lang="de-DE" dirty="0" err="1"/>
               <a:t>that</a:t>
             </a:r>
             <a:r>
-              <a:rPr lang="fr-FR" dirty="0"/>
-              <a:t> </a:t>
-            </a:r>
-            <a:r>
-              <a:rPr lang="fr-FR" dirty="0" err="1"/>
+              <a:rPr lang="de-DE" dirty="0"/>
+              <a:t> </a:t>
+            </a:r>
+            <a:r>
+              <a:rPr lang="de-DE" dirty="0" err="1"/>
+              <a:t>graph</a:t>
+            </a:r>
+            <a:r>
+              <a:rPr lang="de-DE" dirty="0"/>
+              <a:t> shift </a:t>
+            </a:r>
+            <a:r>
+              <a:rPr lang="de-DE" dirty="0" err="1"/>
+              <a:t>by</a:t>
+            </a:r>
+            <a:r>
+              <a:rPr lang="de-DE" dirty="0"/>
+              <a:t> k will </a:t>
+            </a:r>
+            <a:r>
+              <a:rPr lang="de-DE" dirty="0" err="1"/>
+              <a:t>propagate</a:t>
+            </a:r>
+            <a:r>
+              <a:rPr lang="de-DE" dirty="0"/>
+              <a:t> </a:t>
+            </a:r>
+            <a:r>
+              <a:rPr lang="de-DE" dirty="0" err="1"/>
+              <a:t>the</a:t>
+            </a:r>
+            <a:r>
+              <a:rPr lang="de-DE" dirty="0"/>
+              <a:t> </a:t>
+            </a:r>
+            <a:r>
+              <a:rPr lang="de-DE" dirty="0" err="1"/>
+              <a:t>signal</a:t>
+            </a:r>
+            <a:r>
+              <a:rPr lang="de-DE" dirty="0"/>
+              <a:t> </a:t>
+            </a:r>
+            <a:r>
+              <a:rPr lang="de-DE" dirty="0" err="1"/>
+              <a:t>along</a:t>
+            </a:r>
+            <a:r>
+              <a:rPr lang="de-DE" dirty="0"/>
+              <a:t> </a:t>
+            </a:r>
+            <a:r>
+              <a:rPr lang="de-DE" dirty="0" err="1"/>
+              <a:t>every</a:t>
+            </a:r>
+            <a:r>
+              <a:rPr lang="de-DE" dirty="0"/>
+              <a:t> </a:t>
+            </a:r>
+            <a:r>
+              <a:rPr lang="de-DE" dirty="0" err="1"/>
+              <a:t>connected</a:t>
+            </a:r>
+            <a:r>
+              <a:rPr lang="de-DE" dirty="0"/>
+              <a:t> </a:t>
+            </a:r>
+            <a:r>
+              <a:rPr lang="de-DE" dirty="0" err="1"/>
+              <a:t>path</a:t>
+            </a:r>
+            <a:r>
+              <a:rPr lang="de-DE" dirty="0"/>
+              <a:t> </a:t>
+            </a:r>
+            <a:r>
+              <a:rPr lang="de-DE" dirty="0" err="1"/>
+              <a:t>along</a:t>
+            </a:r>
+            <a:r>
+              <a:rPr lang="de-DE" dirty="0"/>
+              <a:t> </a:t>
+            </a:r>
+            <a:r>
+              <a:rPr lang="de-DE" dirty="0" err="1"/>
+              <a:t>the</a:t>
+            </a:r>
+            <a:r>
+              <a:rPr lang="de-DE" dirty="0"/>
+              <a:t> k </a:t>
+            </a:r>
+            <a:r>
+              <a:rPr lang="de-DE" dirty="0" err="1"/>
+              <a:t>nearest</a:t>
+            </a:r>
+            <a:r>
+              <a:rPr lang="de-DE" dirty="0"/>
+              <a:t> </a:t>
+            </a:r>
+            <a:r>
+              <a:rPr lang="de-DE" dirty="0" err="1"/>
+              <a:t>outgoing</a:t>
+            </a:r>
+            <a:r>
+              <a:rPr lang="de-DE" dirty="0"/>
+              <a:t> </a:t>
+            </a:r>
+            <a:r>
+              <a:rPr lang="de-DE" dirty="0" err="1"/>
+              <a:t>edges</a:t>
+            </a:r>
+            <a:r>
+              <a:rPr lang="de-DE" dirty="0"/>
+              <a:t> </a:t>
+            </a:r>
+          </a:p>
+          <a:p>
+            <a:pPr marL="285750" lvl="0" indent="-285750">
+              <a:buFont typeface="Arial" panose="020B0604020202020204" pitchFamily="34" charset="0"/>
+              <a:buChar char="•"/>
+            </a:pPr>
+            <a:r>
+              <a:rPr lang="de-DE" dirty="0" err="1"/>
+              <a:t>Let‘s</a:t>
+            </a:r>
+            <a:r>
+              <a:rPr lang="de-DE" dirty="0"/>
+              <a:t> </a:t>
+            </a:r>
+            <a:r>
+              <a:rPr lang="de-DE" dirty="0" err="1"/>
+              <a:t>see</a:t>
+            </a:r>
+            <a:r>
+              <a:rPr lang="de-DE" dirty="0"/>
+              <a:t> </a:t>
+            </a:r>
+            <a:r>
+              <a:rPr lang="de-DE" dirty="0" err="1"/>
+              <a:t>what</a:t>
+            </a:r>
+            <a:r>
+              <a:rPr lang="de-DE" dirty="0"/>
+              <a:t> </a:t>
+            </a:r>
+            <a:r>
+              <a:rPr lang="de-DE" dirty="0" err="1"/>
+              <a:t>would</a:t>
+            </a:r>
+            <a:r>
+              <a:rPr lang="de-DE" dirty="0"/>
+              <a:t> happen, </a:t>
+            </a:r>
+            <a:r>
+              <a:rPr lang="de-DE" dirty="0" err="1"/>
+              <a:t>if</a:t>
+            </a:r>
+            <a:r>
+              <a:rPr lang="de-DE" dirty="0"/>
+              <a:t> </a:t>
+            </a:r>
+            <a:r>
+              <a:rPr lang="de-DE" dirty="0" err="1"/>
               <a:t>we</a:t>
             </a:r>
             <a:r>
-              <a:rPr lang="fr-FR" dirty="0"/>
-              <a:t> have </a:t>
-            </a:r>
-            <a:r>
-              <a:rPr lang="fr-FR" dirty="0" err="1"/>
-              <a:t>established</a:t>
-            </a:r>
-            <a:r>
-              <a:rPr lang="fr-FR" dirty="0"/>
-              <a:t> </a:t>
-            </a:r>
-            <a:r>
-              <a:rPr lang="fr-FR" dirty="0" err="1"/>
-              <a:t>what</a:t>
-            </a:r>
-            <a:r>
-              <a:rPr lang="fr-FR" dirty="0"/>
-              <a:t> graph </a:t>
-            </a:r>
-            <a:r>
-              <a:rPr lang="fr-FR" dirty="0" err="1"/>
-              <a:t>signals</a:t>
-            </a:r>
-            <a:r>
-              <a:rPr lang="fr-FR" dirty="0"/>
-              <a:t> are, </a:t>
-            </a:r>
-            <a:r>
-              <a:rPr lang="fr-FR" dirty="0" err="1"/>
-              <a:t>we</a:t>
-            </a:r>
-            <a:r>
-              <a:rPr lang="fr-FR" dirty="0"/>
-              <a:t> can go </a:t>
-            </a:r>
-            <a:r>
-              <a:rPr lang="fr-FR" dirty="0" err="1"/>
-              <a:t>ahead</a:t>
-            </a:r>
-            <a:r>
-              <a:rPr lang="fr-FR" dirty="0"/>
-              <a:t> and </a:t>
-            </a:r>
-            <a:r>
-              <a:rPr lang="fr-FR" dirty="0" err="1"/>
-              <a:t>define</a:t>
-            </a:r>
-            <a:r>
-              <a:rPr lang="fr-FR" dirty="0"/>
-              <a:t> the Graph Shift </a:t>
-            </a:r>
+              <a:rPr lang="de-DE" dirty="0"/>
+              <a:t> </a:t>
+            </a:r>
+            <a:r>
+              <a:rPr lang="de-DE" dirty="0" err="1"/>
+              <a:t>had</a:t>
+            </a:r>
+            <a:r>
+              <a:rPr lang="de-DE" dirty="0"/>
+              <a:t> an </a:t>
+            </a:r>
+            <a:r>
+              <a:rPr lang="de-DE" dirty="0" err="1"/>
+              <a:t>edge</a:t>
+            </a:r>
+            <a:r>
+              <a:rPr lang="de-DE" dirty="0"/>
+              <a:t> </a:t>
+            </a:r>
+            <a:r>
+              <a:rPr lang="de-DE" dirty="0" err="1"/>
+              <a:t>going</a:t>
+            </a:r>
+            <a:r>
+              <a:rPr lang="de-DE" dirty="0"/>
+              <a:t> </a:t>
+            </a:r>
+            <a:r>
+              <a:rPr lang="de-DE" dirty="0" err="1"/>
+              <a:t>from</a:t>
+            </a:r>
+            <a:r>
+              <a:rPr lang="de-DE" dirty="0"/>
+              <a:t> </a:t>
+            </a:r>
+            <a:r>
+              <a:rPr lang="de-DE" dirty="0" err="1"/>
+              <a:t>node</a:t>
+            </a:r>
+            <a:r>
+              <a:rPr lang="de-DE" dirty="0"/>
+              <a:t> 0 </a:t>
+            </a:r>
+            <a:r>
+              <a:rPr lang="de-DE" dirty="0" err="1"/>
+              <a:t>to</a:t>
+            </a:r>
+            <a:r>
+              <a:rPr lang="de-DE" dirty="0"/>
+              <a:t> </a:t>
+            </a:r>
+            <a:r>
+              <a:rPr lang="de-DE" dirty="0" err="1"/>
+              <a:t>node</a:t>
+            </a:r>
+            <a:r>
+              <a:rPr lang="de-DE" dirty="0"/>
+              <a:t> 3</a:t>
+            </a:r>
+          </a:p>
+          <a:p>
+            <a:endParaRPr lang="fr-FR" dirty="0"/>
           </a:p>
         </p:txBody>
       </p:sp>
@@ -8505,7 +8321,7 @@
           <a:p>
             <a:fld id="{F67FF89E-6E98-44FE-9350-B39EE48E6D79}" type="slidenum">
               <a:rPr lang="de-DE" smtClean="0"/>
-              <a:t>9</a:t>
+              <a:t>10</a:t>
             </a:fld>
             <a:endParaRPr lang="de-DE"/>
           </a:p>
@@ -8514,7 +8330,7 @@
     </p:spTree>
     <p:extLst>
       <p:ext uri="{BB962C8B-B14F-4D97-AF65-F5344CB8AC3E}">
-        <p14:creationId xmlns:p14="http://schemas.microsoft.com/office/powerpoint/2010/main" val="2283621216"/>
+        <p14:creationId xmlns:p14="http://schemas.microsoft.com/office/powerpoint/2010/main" val="976742980"/>
       </p:ext>
     </p:extLst>
   </p:cSld>
@@ -8566,7 +8382,7 @@
           <a:effectLst/>
           <a:extLst>
             <a:ext uri="{91240B29-F687-4f45-9708-019B960494DF}">
-              <a14:hiddenLine xmlns:a14="http://schemas.microsoft.com/office/drawing/2010/main" xmlns="" w="9525">
+              <a14:hiddenLine xmlns="" xmlns:a14="http://schemas.microsoft.com/office/drawing/2010/main" w="9525">
                 <a:solidFill>
                   <a:schemeClr val="tx1"/>
                 </a:solidFill>
@@ -8576,7 +8392,7 @@
               </a14:hiddenLine>
             </a:ext>
             <a:ext uri="{AF507438-7753-43e0-B8FC-AC1667EBCBE1}">
-              <a14:hiddenEffects xmlns:a14="http://schemas.microsoft.com/office/drawing/2010/main" xmlns="">
+              <a14:hiddenEffects xmlns="" xmlns:a14="http://schemas.microsoft.com/office/drawing/2010/main">
                 <a:effectLst>
                   <a:outerShdw dist="35921" dir="2700000" algn="ctr" rotWithShape="0">
                     <a:schemeClr val="bg2"/>
@@ -8619,7 +8435,7 @@
           </a:ln>
           <a:extLst>
             <a:ext uri="{91240B29-F687-4f45-9708-019B960494DF}">
-              <a14:hiddenLine xmlns:a14="http://schemas.microsoft.com/office/drawing/2010/main" xmlns="" w="3175">
+              <a14:hiddenLine xmlns="" xmlns:a14="http://schemas.microsoft.com/office/drawing/2010/main" w="3175">
                 <a:solidFill>
                   <a:srgbClr val="B5B5B5"/>
                 </a:solidFill>
@@ -8671,14 +8487,14 @@
           </a:ln>
           <a:extLst>
             <a:ext uri="{909E8E84-426E-40dd-AFC4-6F175D3DCCD1}">
-              <a14:hiddenFill xmlns:a14="http://schemas.microsoft.com/office/drawing/2010/main" xmlns="">
+              <a14:hiddenFill xmlns="" xmlns:a14="http://schemas.microsoft.com/office/drawing/2010/main">
                 <a:solidFill>
                   <a:srgbClr val="FFFFFF"/>
                 </a:solidFill>
               </a14:hiddenFill>
             </a:ext>
             <a:ext uri="{91240B29-F687-4f45-9708-019B960494DF}">
-              <a14:hiddenLine xmlns:a14="http://schemas.microsoft.com/office/drawing/2010/main" xmlns="" w="9525">
+              <a14:hiddenLine xmlns="" xmlns:a14="http://schemas.microsoft.com/office/drawing/2010/main" w="9525">
                 <a:solidFill>
                   <a:srgbClr val="000000"/>
                 </a:solidFill>
@@ -8715,7 +8531,7 @@
           <a:effectLst/>
           <a:extLst>
             <a:ext uri="{91240B29-F687-4f45-9708-019B960494DF}">
-              <a14:hiddenLine xmlns:a14="http://schemas.microsoft.com/office/drawing/2010/main" xmlns="" w="9525">
+              <a14:hiddenLine xmlns="" xmlns:a14="http://schemas.microsoft.com/office/drawing/2010/main" w="9525">
                 <a:solidFill>
                   <a:schemeClr val="tx1"/>
                 </a:solidFill>
@@ -8725,7 +8541,7 @@
               </a14:hiddenLine>
             </a:ext>
             <a:ext uri="{AF507438-7753-43e0-B8FC-AC1667EBCBE1}">
-              <a14:hiddenEffects xmlns:a14="http://schemas.microsoft.com/office/drawing/2010/main" xmlns="">
+              <a14:hiddenEffects xmlns="" xmlns:a14="http://schemas.microsoft.com/office/drawing/2010/main">
                 <a:effectLst>
                   <a:outerShdw dist="35921" dir="2700000" algn="ctr" rotWithShape="0">
                     <a:schemeClr val="bg2"/>
@@ -10714,14 +10530,14 @@
           <a:effectLst/>
           <a:extLst>
             <a:ext uri="{909E8E84-426E-40dd-AFC4-6F175D3DCCD1}">
-              <a14:hiddenFill xmlns:a14="http://schemas.microsoft.com/office/drawing/2010/main" xmlns="">
+              <a14:hiddenFill xmlns="" xmlns:a14="http://schemas.microsoft.com/office/drawing/2010/main">
                 <a:solidFill>
                   <a:srgbClr val="E9503E"/>
                 </a:solidFill>
               </a14:hiddenFill>
             </a:ext>
             <a:ext uri="{91240B29-F687-4f45-9708-019B960494DF}">
-              <a14:hiddenLine xmlns:a14="http://schemas.microsoft.com/office/drawing/2010/main" xmlns="" w="9525">
+              <a14:hiddenLine xmlns="" xmlns:a14="http://schemas.microsoft.com/office/drawing/2010/main" w="9525">
                 <a:solidFill>
                   <a:schemeClr val="tx1"/>
                 </a:solidFill>
@@ -10731,7 +10547,7 @@
               </a14:hiddenLine>
             </a:ext>
             <a:ext uri="{AF507438-7753-43e0-B8FC-AC1667EBCBE1}">
-              <a14:hiddenEffects xmlns:a14="http://schemas.microsoft.com/office/drawing/2010/main" xmlns="">
+              <a14:hiddenEffects xmlns="" xmlns:a14="http://schemas.microsoft.com/office/drawing/2010/main">
                 <a:effectLst>
                   <a:outerShdw dist="35921" dir="2700000" algn="ctr" rotWithShape="0">
                     <a:schemeClr val="bg2"/>
@@ -10776,7 +10592,7 @@
           </a:ln>
           <a:extLst>
             <a:ext uri="{909E8E84-426E-40dd-AFC4-6F175D3DCCD1}">
-              <a14:hiddenFill xmlns:a14="http://schemas.microsoft.com/office/drawing/2010/main" xmlns="">
+              <a14:hiddenFill xmlns="" xmlns:a14="http://schemas.microsoft.com/office/drawing/2010/main">
                 <a:noFill/>
               </a14:hiddenFill>
             </a:ext>
@@ -10817,7 +10633,7 @@
           </a:ln>
           <a:extLst>
             <a:ext uri="{909E8E84-426E-40dd-AFC4-6F175D3DCCD1}">
-              <a14:hiddenFill xmlns:a14="http://schemas.microsoft.com/office/drawing/2010/main" xmlns="">
+              <a14:hiddenFill xmlns="" xmlns:a14="http://schemas.microsoft.com/office/drawing/2010/main">
                 <a:noFill/>
               </a14:hiddenFill>
             </a:ext>
@@ -10855,7 +10671,7 @@
           </a:ln>
           <a:extLst>
             <a:ext uri="{91240B29-F687-4f45-9708-019B960494DF}">
-              <a14:hiddenLine xmlns:a14="http://schemas.microsoft.com/office/drawing/2010/main" xmlns="" w="3175">
+              <a14:hiddenLine xmlns="" xmlns:a14="http://schemas.microsoft.com/office/drawing/2010/main" w="3175">
                 <a:solidFill>
                   <a:srgbClr val="B5B5B5"/>
                 </a:solidFill>
@@ -10909,14 +10725,14 @@
           </a:ln>
           <a:extLst>
             <a:ext uri="{909E8E84-426E-40dd-AFC4-6F175D3DCCD1}">
-              <a14:hiddenFill xmlns:a14="http://schemas.microsoft.com/office/drawing/2010/main" xmlns="">
+              <a14:hiddenFill xmlns="" xmlns:a14="http://schemas.microsoft.com/office/drawing/2010/main">
                 <a:solidFill>
                   <a:srgbClr val="FFFFFF"/>
                 </a:solidFill>
               </a14:hiddenFill>
             </a:ext>
             <a:ext uri="{91240B29-F687-4f45-9708-019B960494DF}">
-              <a14:hiddenLine xmlns:a14="http://schemas.microsoft.com/office/drawing/2010/main" xmlns="" w="9525">
+              <a14:hiddenLine xmlns="" xmlns:a14="http://schemas.microsoft.com/office/drawing/2010/main" w="9525">
                 <a:solidFill>
                   <a:srgbClr val="000000"/>
                 </a:solidFill>
@@ -10953,7 +10769,7 @@
           <a:effectLst/>
           <a:extLst>
             <a:ext uri="{91240B29-F687-4f45-9708-019B960494DF}">
-              <a14:hiddenLine xmlns:a14="http://schemas.microsoft.com/office/drawing/2010/main" xmlns="" w="9525">
+              <a14:hiddenLine xmlns="" xmlns:a14="http://schemas.microsoft.com/office/drawing/2010/main" w="9525">
                 <a:solidFill>
                   <a:schemeClr val="tx1"/>
                 </a:solidFill>
@@ -10963,7 +10779,7 @@
               </a14:hiddenLine>
             </a:ext>
             <a:ext uri="{AF507438-7753-43e0-B8FC-AC1667EBCBE1}">
-              <a14:hiddenEffects xmlns:a14="http://schemas.microsoft.com/office/drawing/2010/main" xmlns="">
+              <a14:hiddenEffects xmlns="" xmlns:a14="http://schemas.microsoft.com/office/drawing/2010/main">
                 <a:effectLst>
                   <a:outerShdw dist="35921" dir="2700000" algn="ctr" rotWithShape="0">
                     <a:schemeClr val="bg2"/>
@@ -11463,7 +11279,7 @@
         </p:nvSpPr>
         <p:spPr>
           <a:xfrm>
-            <a:off x="504000" y="2242800"/>
+            <a:off x="504000" y="2435297"/>
             <a:ext cx="12114720" cy="6480463"/>
           </a:xfrm>
         </p:spPr>
@@ -11473,35 +11289,38 @@
           </a:bodyPr>
           <a:lstStyle/>
           <a:p>
-            <a:pPr marL="0" indent="0">
-              <a:buNone/>
+            <a:pPr>
+              <a:lnSpc>
+                <a:spcPct val="150000"/>
+              </a:lnSpc>
+              <a:buFont typeface="+mj-lt"/>
+              <a:buAutoNum type="arabicPeriod"/>
             </a:pPr>
             <a:r>
               <a:rPr lang="en-US" sz="2400" dirty="0"/>
-              <a:t>1. Understanding the Basis of Source Separation via an Intuitive Example-Driven  </a:t>
+              <a:t>Understanding the basis of Source Separation via an intuitive example-driven  approach</a:t>
             </a:r>
           </a:p>
           <a:p>
-            <a:pPr marL="0" indent="0">
-              <a:buNone/>
+            <a:pPr>
+              <a:lnSpc>
+                <a:spcPct val="150000"/>
+              </a:lnSpc>
+              <a:buFont typeface="+mj-lt"/>
+              <a:buAutoNum type="arabicPeriod"/>
             </a:pPr>
             <a:r>
               <a:rPr lang="en-US" sz="2400" dirty="0"/>
-              <a:t>          Approach</a:t>
+              <a:t>Discussion of experiment design</a:t>
             </a:r>
           </a:p>
           <a:p>
-            <a:pPr marL="0" indent="0">
-              <a:buNone/>
-            </a:pPr>
-            <a:r>
-              <a:rPr lang="en-US" sz="2400" dirty="0"/>
-              <a:t>2. Discussion of Experiment Design</a:t>
-            </a:r>
-          </a:p>
-          <a:p>
-            <a:pPr marL="0" indent="0">
-              <a:buNone/>
+            <a:pPr>
+              <a:lnSpc>
+                <a:spcPct val="150000"/>
+              </a:lnSpc>
+              <a:buFont typeface="+mj-lt"/>
+              <a:buAutoNum type="arabicPeriod"/>
             </a:pPr>
             <a:r>
               <a:rPr lang="en-US" sz="2400" dirty="0">
@@ -11509,39 +11328,55 @@
                   <a:schemeClr val="accent5"/>
                 </a:solidFill>
               </a:rPr>
-              <a:t>3. Graph Blind Source Separation</a:t>
+              <a:t>Graph Blind Source Separation</a:t>
             </a:r>
           </a:p>
           <a:p>
-            <a:pPr marL="0" indent="0">
-              <a:buNone/>
+            <a:pPr>
+              <a:lnSpc>
+                <a:spcPct val="150000"/>
+              </a:lnSpc>
+              <a:buFont typeface="+mj-lt"/>
+              <a:buAutoNum type="arabicPeriod"/>
             </a:pPr>
             <a:r>
               <a:rPr lang="en-US" sz="2400" dirty="0"/>
-              <a:t>4. Graph Blind Source Separation results</a:t>
+              <a:t>Graph Blind Source Separation results</a:t>
             </a:r>
           </a:p>
           <a:p>
-            <a:pPr marL="0" indent="0">
-              <a:buNone/>
+            <a:pPr>
+              <a:lnSpc>
+                <a:spcPct val="150000"/>
+              </a:lnSpc>
+              <a:buFont typeface="+mj-lt"/>
+              <a:buAutoNum type="arabicPeriod"/>
             </a:pPr>
             <a:r>
               <a:rPr lang="en-US" sz="2400" dirty="0"/>
-              <a:t>5. Summary of major outcomes</a:t>
+              <a:t>Summary of major outcomes</a:t>
             </a:r>
           </a:p>
           <a:p>
-            <a:pPr marL="0" indent="0">
-              <a:buNone/>
+            <a:pPr>
+              <a:lnSpc>
+                <a:spcPct val="150000"/>
+              </a:lnSpc>
+              <a:buFont typeface="+mj-lt"/>
+              <a:buAutoNum type="arabicPeriod"/>
             </a:pPr>
             <a:r>
               <a:rPr lang="en-US" sz="2400" dirty="0"/>
-              <a:t>6. Problems and future research</a:t>
+              <a:t>Problems and future research</a:t>
             </a:r>
           </a:p>
           <a:p>
-            <a:pPr marL="0" indent="0">
-              <a:buNone/>
+            <a:pPr>
+              <a:lnSpc>
+                <a:spcPct val="150000"/>
+              </a:lnSpc>
+              <a:buFont typeface="+mj-lt"/>
+              <a:buAutoNum type="arabicPeriod"/>
             </a:pPr>
             <a:endParaRPr lang="en-US" sz="2400" dirty="0"/>
           </a:p>
@@ -11617,8 +11452,8 @@
           </a:fontRef>
         </p:style>
       </p:cxnSp>
-      <mc:AlternateContent xmlns:mc="http://schemas.openxmlformats.org/markup-compatibility/2006">
-        <mc:Choice xmlns:a14="http://schemas.microsoft.com/office/drawing/2010/main" Requires="a14">
+      <mc:AlternateContent xmlns:mc="http://schemas.openxmlformats.org/markup-compatibility/2006" xmlns:a14="http://schemas.microsoft.com/office/drawing/2010/main">
+        <mc:Choice Requires="a14">
           <p:sp>
             <p:nvSpPr>
               <p:cNvPr id="3" name="Inhaltsplatzhalter 2">
@@ -12230,7 +12065,7 @@
             </p:txBody>
           </p:sp>
         </mc:Choice>
-        <mc:Fallback>
+        <mc:Fallback xmlns="">
           <p:sp>
             <p:nvSpPr>
               <p:cNvPr id="3" name="Inhaltsplatzhalter 2">
@@ -14924,8 +14759,8 @@
           <a:chExt cx="0" cy="0"/>
         </a:xfrm>
       </p:grpSpPr>
-      <mc:AlternateContent xmlns:mc="http://schemas.openxmlformats.org/markup-compatibility/2006">
-        <mc:Choice xmlns:a14="http://schemas.microsoft.com/office/drawing/2010/main" Requires="a14">
+      <mc:AlternateContent xmlns:mc="http://schemas.openxmlformats.org/markup-compatibility/2006" xmlns:a14="http://schemas.microsoft.com/office/drawing/2010/main">
+        <mc:Choice Requires="a14">
           <p:sp>
             <p:nvSpPr>
               <p:cNvPr id="3" name="Inhaltsplatzhalter 2">
@@ -15530,7 +15365,7 @@
             </p:txBody>
           </p:sp>
         </mc:Choice>
-        <mc:Fallback>
+        <mc:Fallback xmlns="">
           <p:sp>
             <p:nvSpPr>
               <p:cNvPr id="3" name="Inhaltsplatzhalter 2">
@@ -18456,8 +18291,8 @@
           <a:chExt cx="0" cy="0"/>
         </a:xfrm>
       </p:grpSpPr>
-      <mc:AlternateContent xmlns:mc="http://schemas.openxmlformats.org/markup-compatibility/2006">
-        <mc:Choice xmlns:a14="http://schemas.microsoft.com/office/drawing/2010/main" Requires="a14">
+      <mc:AlternateContent xmlns:mc="http://schemas.openxmlformats.org/markup-compatibility/2006" xmlns:a14="http://schemas.microsoft.com/office/drawing/2010/main">
+        <mc:Choice Requires="a14">
           <p:sp>
             <p:nvSpPr>
               <p:cNvPr id="3" name="Inhaltsplatzhalter 2">
@@ -20065,7 +19900,7 @@
             </p:txBody>
           </p:sp>
         </mc:Choice>
-        <mc:Fallback>
+        <mc:Fallback xmlns="">
           <p:sp>
             <p:nvSpPr>
               <p:cNvPr id="3" name="Inhaltsplatzhalter 2">
@@ -21542,8 +21377,8 @@
           </a:p>
         </p:txBody>
       </p:sp>
-      <mc:AlternateContent xmlns:mc="http://schemas.openxmlformats.org/markup-compatibility/2006">
-        <mc:Choice xmlns:a14="http://schemas.microsoft.com/office/drawing/2010/main" Requires="a14">
+      <mc:AlternateContent xmlns:mc="http://schemas.openxmlformats.org/markup-compatibility/2006" xmlns:a14="http://schemas.microsoft.com/office/drawing/2010/main">
+        <mc:Choice Requires="a14">
           <p:sp>
             <p:nvSpPr>
               <p:cNvPr id="3" name="Inhaltsplatzhalter 2">
@@ -21618,7 +21453,7 @@
                     <m:sSubSup>
                       <m:sSubSupPr>
                         <m:ctrlPr>
-                          <a:rPr lang="de-DE" sz="1800" b="1" smtClean="0">
+                          <a:rPr lang="de-DE" sz="1800" b="1" i="1" smtClean="0">
                             <a:latin typeface="Cambria Math" panose="02040503050406030204" pitchFamily="18" charset="0"/>
                           </a:rPr>
                         </m:ctrlPr>
@@ -21651,7 +21486,7 @@
                     <m:sSup>
                       <m:sSupPr>
                         <m:ctrlPr>
-                          <a:rPr lang="de-DE" sz="1800" b="1" smtClean="0">
+                          <a:rPr lang="de-DE" sz="1800" b="1" i="1" smtClean="0">
                             <a:latin typeface="Cambria Math" panose="02040503050406030204" pitchFamily="18" charset="0"/>
                           </a:rPr>
                         </m:ctrlPr>
@@ -21925,7 +21760,7 @@
             </p:txBody>
           </p:sp>
         </mc:Choice>
-        <mc:Fallback>
+        <mc:Fallback xmlns="">
           <p:sp>
             <p:nvSpPr>
               <p:cNvPr id="3" name="Inhaltsplatzhalter 2">
@@ -24251,8 +24086,8 @@
           </p:sp>
         </mc:Fallback>
       </mc:AlternateContent>
-      <mc:AlternateContent xmlns:mc="http://schemas.openxmlformats.org/markup-compatibility/2006">
-        <mc:Choice xmlns:a14="http://schemas.microsoft.com/office/drawing/2010/main" Requires="a14">
+      <mc:AlternateContent xmlns:mc="http://schemas.openxmlformats.org/markup-compatibility/2006" xmlns:a14="http://schemas.microsoft.com/office/drawing/2010/main">
+        <mc:Choice Requires="a14">
           <p:sp>
             <p:nvSpPr>
               <p:cNvPr id="3" name="Inhaltsplatzhalter 2">
@@ -24423,7 +24258,7 @@
             </p:txBody>
           </p:sp>
         </mc:Choice>
-        <mc:Fallback>
+        <mc:Fallback xmlns="">
           <p:sp>
             <p:nvSpPr>
               <p:cNvPr id="3" name="Inhaltsplatzhalter 2">
@@ -31109,8 +30944,17 @@
             </a:r>
             <a:r>
               <a:rPr lang="de-DE" sz="1800" b="1" dirty="0"/>
-              <a:t>A</a:t>
-            </a:r>
+              <a:t>A </a:t>
+            </a:r>
+            <a:r>
+              <a:rPr lang="en-US" sz="1800" dirty="0"/>
+              <a:t>[Djuric, 2018]</a:t>
+            </a:r>
+            <a:r>
+              <a:rPr lang="en-US" sz="1800" b="1" dirty="0"/>
+              <a:t> </a:t>
+            </a:r>
+            <a:endParaRPr lang="de-DE" sz="1800" b="1" dirty="0"/>
           </a:p>
           <a:p>
             <a:endParaRPr lang="de-DE" dirty="0"/>
@@ -31199,17 +31043,6 @@
               <a:rPr lang="de-DE" sz="1800" dirty="0"/>
               <a:t>, etc. </a:t>
             </a:r>
-            <a:r>
-              <a:rPr lang="en-US" sz="1800" dirty="0"/>
-              <a:t>[Djuric, 2018]</a:t>
-            </a:r>
-            <a:r>
-              <a:rPr lang="en-US" sz="1800" b="1" dirty="0"/>
-              <a:t> </a:t>
-            </a:r>
-            <a:endParaRPr lang="de-DE" sz="1800" dirty="0"/>
-          </a:p>
-          <a:p>
             <a:endParaRPr lang="de-DE" dirty="0"/>
           </a:p>
         </p:txBody>
@@ -32413,8 +32246,8 @@
             </a:p>
           </p:txBody>
         </p:sp>
-        <mc:AlternateContent xmlns:mc="http://schemas.openxmlformats.org/markup-compatibility/2006">
-          <mc:Choice xmlns:a14="http://schemas.microsoft.com/office/drawing/2010/main" Requires="a14">
+        <mc:AlternateContent xmlns:mc="http://schemas.openxmlformats.org/markup-compatibility/2006" xmlns:a14="http://schemas.microsoft.com/office/drawing/2010/main">
+          <mc:Choice Requires="a14">
             <p:sp>
               <p:nvSpPr>
                 <p:cNvPr id="74" name="TextBox 73">
@@ -32465,7 +32298,7 @@
               </p:txBody>
             </p:sp>
           </mc:Choice>
-          <mc:Fallback>
+          <mc:Fallback xmlns="">
             <p:sp>
               <p:nvSpPr>
                 <p:cNvPr id="74" name="TextBox 73">
@@ -32541,8 +32374,8 @@
           <a:chExt cx="0" cy="0"/>
         </a:xfrm>
       </p:grpSpPr>
-      <mc:AlternateContent xmlns:mc="http://schemas.openxmlformats.org/markup-compatibility/2006">
-        <mc:Choice xmlns:a14="http://schemas.microsoft.com/office/drawing/2010/main" Requires="a14">
+      <mc:AlternateContent xmlns:mc="http://schemas.openxmlformats.org/markup-compatibility/2006" xmlns:a14="http://schemas.microsoft.com/office/drawing/2010/main">
+        <mc:Choice Requires="a14">
           <p:sp>
             <p:nvSpPr>
               <p:cNvPr id="45" name="Inhaltsplatzhalter 2">
@@ -32807,7 +32640,7 @@
             </p:txBody>
           </p:sp>
         </mc:Choice>
-        <mc:Fallback>
+        <mc:Fallback xmlns="">
           <p:sp>
             <p:nvSpPr>
               <p:cNvPr id="45" name="Inhaltsplatzhalter 2">
@@ -34031,8 +33864,8 @@
             </a:p>
           </p:txBody>
         </p:sp>
-        <mc:AlternateContent xmlns:mc="http://schemas.openxmlformats.org/markup-compatibility/2006">
-          <mc:Choice xmlns:a14="http://schemas.microsoft.com/office/drawing/2010/main" Requires="a14">
+        <mc:AlternateContent xmlns:mc="http://schemas.openxmlformats.org/markup-compatibility/2006" xmlns:a14="http://schemas.microsoft.com/office/drawing/2010/main">
+          <mc:Choice Requires="a14">
             <p:sp>
               <p:nvSpPr>
                 <p:cNvPr id="57" name="TextBox 56">
@@ -34083,7 +33916,7 @@
               </p:txBody>
             </p:sp>
           </mc:Choice>
-          <mc:Fallback>
+          <mc:Fallback xmlns="">
             <p:sp>
               <p:nvSpPr>
                 <p:cNvPr id="57" name="TextBox 56">
@@ -34181,8 +34014,8 @@
           </a:p>
         </p:txBody>
       </p:sp>
-      <mc:AlternateContent xmlns:mc="http://schemas.openxmlformats.org/markup-compatibility/2006">
-        <mc:Choice xmlns:a14="http://schemas.microsoft.com/office/drawing/2010/main" Requires="a14">
+      <mc:AlternateContent xmlns:mc="http://schemas.openxmlformats.org/markup-compatibility/2006" xmlns:a14="http://schemas.microsoft.com/office/drawing/2010/main">
+        <mc:Choice Requires="a14">
           <p:sp>
             <p:nvSpPr>
               <p:cNvPr id="3" name="TextBox 2">
@@ -34211,6 +34044,7 @@
               </a:bodyPr>
               <a:lstStyle/>
               <a:p>
+                <a:pPr/>
                 <a14:m>
                   <m:oMathPara xmlns:m="http://schemas.openxmlformats.org/officeDocument/2006/math">
                     <m:oMathParaPr>
@@ -34220,7 +34054,7 @@
                       <m:sSub>
                         <m:sSubPr>
                           <m:ctrlPr>
-                            <a:rPr lang="de-DE" sz="1800" b="0" smtClean="0">
+                            <a:rPr lang="de-DE" sz="1800" b="0" i="1" smtClean="0">
                               <a:solidFill>
                                 <a:schemeClr val="accent5"/>
                               </a:solidFill>
@@ -34278,7 +34112,7 @@
                       <m:sSub>
                         <m:sSubPr>
                           <m:ctrlPr>
-                            <a:rPr lang="de-DE" sz="1800" b="0" smtClean="0">
+                            <a:rPr lang="de-DE" sz="1800" b="0" i="1" smtClean="0">
                               <a:solidFill>
                                 <a:schemeClr val="accent5"/>
                               </a:solidFill>
@@ -34292,7 +34126,7 @@
                               <m:begChr m:val=""/>
                               <m:endChr m:val="|"/>
                               <m:ctrlPr>
-                                <a:rPr lang="de-DE" sz="1800" b="0" smtClean="0">
+                                <a:rPr lang="de-DE" sz="1800" b="0" i="1" smtClean="0">
                                   <a:solidFill>
                                     <a:schemeClr val="accent5"/>
                                   </a:solidFill>
@@ -34306,6 +34140,7 @@
                                   <a:solidFill>
                                     <a:schemeClr val="accent5"/>
                                   </a:solidFill>
+                                  <a:latin typeface="Cambria Math" panose="02040503050406030204" pitchFamily="18" charset="0"/>
                                 </a:rPr>
                                 <m:t>​</m:t>
                               </m:r>
@@ -34369,7 +34204,7 @@
             </p:txBody>
           </p:sp>
         </mc:Choice>
-        <mc:Fallback>
+        <mc:Fallback xmlns="">
           <p:sp>
             <p:nvSpPr>
               <p:cNvPr id="3" name="TextBox 2">
@@ -34414,8 +34249,8 @@
           </p:sp>
         </mc:Fallback>
       </mc:AlternateContent>
-      <mc:AlternateContent xmlns:mc="http://schemas.openxmlformats.org/markup-compatibility/2006">
-        <mc:Choice xmlns:a14="http://schemas.microsoft.com/office/drawing/2010/main" Requires="a14">
+      <mc:AlternateContent xmlns:mc="http://schemas.openxmlformats.org/markup-compatibility/2006" xmlns:a14="http://schemas.microsoft.com/office/drawing/2010/main">
+        <mc:Choice Requires="a14">
           <p:sp>
             <p:nvSpPr>
               <p:cNvPr id="31" name="TextBox 30">
@@ -34444,6 +34279,7 @@
               </a:bodyPr>
               <a:lstStyle/>
               <a:p>
+                <a:pPr/>
                 <a14:m>
                   <m:oMathPara xmlns:m="http://schemas.openxmlformats.org/officeDocument/2006/math">
                     <m:oMathParaPr>
@@ -34612,7 +34448,7 @@
             </p:txBody>
           </p:sp>
         </mc:Choice>
-        <mc:Fallback>
+        <mc:Fallback xmlns="">
           <p:sp>
             <p:nvSpPr>
               <p:cNvPr id="31" name="TextBox 30">
@@ -36121,8 +35957,8 @@
             </a:p>
           </p:txBody>
         </p:sp>
-        <mc:AlternateContent xmlns:mc="http://schemas.openxmlformats.org/markup-compatibility/2006">
-          <mc:Choice xmlns:a14="http://schemas.microsoft.com/office/drawing/2010/main" Requires="a14">
+        <mc:AlternateContent xmlns:mc="http://schemas.openxmlformats.org/markup-compatibility/2006" xmlns:a14="http://schemas.microsoft.com/office/drawing/2010/main">
+          <mc:Choice Requires="a14">
             <p:sp>
               <p:nvSpPr>
                 <p:cNvPr id="82" name="TextBox 81">
@@ -36173,7 +36009,7 @@
               </p:txBody>
             </p:sp>
           </mc:Choice>
-          <mc:Fallback>
+          <mc:Fallback xmlns="">
             <p:sp>
               <p:nvSpPr>
                 <p:cNvPr id="82" name="TextBox 81">
@@ -39156,8 +38992,8 @@
             </a:p>
           </p:txBody>
         </p:sp>
-        <mc:AlternateContent xmlns:mc="http://schemas.openxmlformats.org/markup-compatibility/2006">
-          <mc:Choice xmlns:a14="http://schemas.microsoft.com/office/drawing/2010/main" Requires="a14">
+        <mc:AlternateContent xmlns:mc="http://schemas.openxmlformats.org/markup-compatibility/2006" xmlns:a14="http://schemas.microsoft.com/office/drawing/2010/main">
+          <mc:Choice Requires="a14">
             <p:sp>
               <p:nvSpPr>
                 <p:cNvPr id="82" name="TextBox 81">
@@ -39208,7 +39044,7 @@
               </p:txBody>
             </p:sp>
           </mc:Choice>
-          <mc:Fallback>
+          <mc:Fallback xmlns="">
             <p:sp>
               <p:nvSpPr>
                 <p:cNvPr id="82" name="TextBox 81">
